--- a/webapp/backend/output_stego/sample_pp_5sld_stego.pptx
+++ b/webapp/backend/output_stego/sample_pp_5sld_stego.pptx
@@ -10203,27 +10203,27 @@
               </a:tabLst>
             </a:pPr>
             <a:r>
-              <a:rPr lang="en-US" altLang="it-IT" bmk="1068"/>
+              <a:rPr lang="en-US" altLang="it-IT" bmk="1838"/>
               <a:t>Lo</a:t>
             </a:r>
             <a:r>
-              <a:rPr lang="en-US" altLang="it-IT" bmk="1143"/>
+              <a:rPr lang="en-US" altLang="it-IT" bmk="1079"/>
               <a:t>r</a:t>
             </a:r>
             <a:r>
-              <a:rPr lang="en-US" altLang="it-IT" bmk="220"/>
+              <a:rPr lang="en-US" altLang="it-IT" bmk="168"/>
               <a:t>em </a:t>
             </a:r>
             <a:r>
-              <a:rPr lang="en-US" altLang="it-IT" bmk="1730"/>
+              <a:rPr lang="en-US" altLang="it-IT" bmk="567"/>
               <a:t>i</a:t>
             </a:r>
             <a:r>
-              <a:rPr lang="en-US" altLang="it-IT" bmk="1767"/>
+              <a:rPr lang="en-US" altLang="it-IT" bmk="886"/>
               <a:t>p</a:t>
             </a:r>
             <a:r>
-              <a:rPr lang="en-US" altLang="it-IT" bmk="897"/>
+              <a:rPr lang="en-US" altLang="it-IT" bmk="415"/>
               <a:t>su</a:t>
             </a:r>
             <a:r>
@@ -10319,1492 +10319,1576 @@
               </a:tabLst>
             </a:pPr>
             <a:r>
-              <a:rPr lang="en-US" altLang="it-IT" sz="1500" bmk="328"/>
+              <a:rPr lang="en-US" altLang="it-IT" sz="1500" bmk="1631"/>
               <a:t>Lorem </a:t>
             </a:r>
             <a:r>
-              <a:rPr lang="en-US" altLang="it-IT" sz="1500" bmk="989"/>
+              <a:rPr lang="en-US" altLang="it-IT" sz="1500" bmk="509"/>
               <a:t>ip</a:t>
             </a:r>
             <a:r>
-              <a:rPr lang="en-US" altLang="it-IT" sz="1500" bmk="266"/>
+              <a:rPr lang="en-US" altLang="it-IT" sz="1500" bmk="1266"/>
               <a:t>sum do</a:t>
             </a:r>
             <a:r>
+              <a:rPr lang="en-US" altLang="it-IT" sz="1500" bmk="1077"/>
+              <a:t>lo</a:t>
+            </a:r>
+            <a:r>
+              <a:rPr lang="en-US" altLang="it-IT" sz="1500" bmk="781"/>
+              <a:t>r sit </a:t>
+            </a:r>
+            <a:r>
+              <a:rPr lang="en-US" altLang="it-IT" sz="1500" bmk="1776"/>
+              <a:t>am</a:t>
+            </a:r>
+            <a:r>
+              <a:rPr lang="en-US" altLang="it-IT" sz="1500" bmk="359"/>
+              <a:t>et, co</a:t>
+            </a:r>
+            <a:r>
+              <a:rPr lang="en-US" altLang="it-IT" sz="1500" bmk="496"/>
+              <a:t>ns</a:t>
+            </a:r>
+            <a:r>
+              <a:rPr lang="en-US" altLang="it-IT" sz="1500" bmk="1137"/>
+              <a:t>ectetu</a:t>
+            </a:r>
+            <a:r>
+              <a:rPr lang="en-US" altLang="it-IT" sz="1500" bmk="503"/>
+              <a:t>r </a:t>
+            </a:r>
+            <a:r>
+              <a:rPr lang="en-US" altLang="it-IT" sz="1500" bmk="1491"/>
+              <a:t>adipi</a:t>
+            </a:r>
+            <a:r>
+              <a:rPr lang="en-US" altLang="it-IT" sz="1500" bmk="1871"/>
+              <a:t>sci</a:t>
+            </a:r>
+            <a:r>
+              <a:rPr lang="en-US" altLang="it-IT" sz="1500" bmk="379"/>
+              <a:t>n</a:t>
+            </a:r>
+            <a:r>
+              <a:rPr lang="en-US" altLang="it-IT" sz="1500" bmk="45"/>
+              <a:t>g </a:t>
+            </a:r>
+            <a:r>
+              <a:rPr lang="en-US" altLang="it-IT" sz="1500" bmk="1237"/>
+              <a:t>eli</a:t>
+            </a:r>
+            <a:r>
+              <a:rPr lang="en-US" altLang="it-IT" sz="1500" bmk="1252"/>
+              <a:t>t.</a:t>
+            </a:r>
+            <a:r>
+              <a:rPr lang="en-US" altLang="it-IT" sz="1500" bmk="1014"/>
+              <a:t> Nunc </a:t>
+            </a:r>
+            <a:r>
+              <a:rPr lang="en-US" altLang="it-IT" sz="1500" bmk="1891"/>
+              <a:t>ac</a:t>
+            </a:r>
+            <a:r>
+              <a:rPr lang="en-US" altLang="it-IT" sz="1500" bmk="1035"/>
+              <a:t> </a:t>
+            </a:r>
+            <a:r>
+              <a:rPr lang="en-US" altLang="it-IT" sz="1500" bmk="707"/>
+              <a:t>fa</a:t>
+            </a:r>
+            <a:r>
+              <a:rPr lang="en-US" altLang="it-IT" sz="1500" bmk="1390"/>
+              <a:t>u</a:t>
+            </a:r>
+            <a:r>
+              <a:rPr lang="en-US" altLang="it-IT" sz="1500" bmk="1185"/>
+              <a:t>c</a:t>
+            </a:r>
+            <a:r>
+              <a:rPr lang="en-US" altLang="it-IT" sz="1500" bmk="1589"/>
+              <a:t>i</a:t>
+            </a:r>
+            <a:r>
+              <a:rPr lang="en-US" altLang="it-IT" sz="1500" bmk="1335"/>
+              <a:t>bu</a:t>
+            </a:r>
+            <a:r>
+              <a:rPr lang="en-US" altLang="it-IT" sz="1500" bmk="765"/>
+              <a:t>s</a:t>
+            </a:r>
+            <a:r>
+              <a:rPr lang="en-US" altLang="it-IT" sz="1500" bmk="69"/>
+              <a:t> </a:t>
+            </a:r>
+            <a:r>
+              <a:rPr lang="en-US" altLang="it-IT" sz="1500" bmk="183"/>
+              <a:t>o</a:t>
+            </a:r>
+            <a:r>
+              <a:rPr lang="en-US" altLang="it-IT" sz="1500" bmk="185"/>
+              <a:t>dio</a:t>
+            </a:r>
+            <a:r>
+              <a:rPr lang="en-US" altLang="it-IT" sz="1500" bmk="1505"/>
+              <a:t>. </a:t>
+            </a:r>
+            <a:r>
+              <a:rPr lang="en-US" altLang="it-IT" sz="1500" bmk="1605"/>
+              <a:t>V</a:t>
+            </a:r>
+            <a:r>
+              <a:rPr lang="en-US" altLang="it-IT" sz="1500" bmk="386"/>
+              <a:t>est</a:t>
+            </a:r>
+            <a:r>
+              <a:rPr lang="en-US" altLang="it-IT" sz="1500" bmk="101"/>
+              <a:t>ibul</a:t>
+            </a:r>
+            <a:r>
+              <a:rPr lang="en-US" altLang="it-IT" sz="1500" bmk="1507"/>
+              <a:t>um</a:t>
+            </a:r>
+            <a:r>
+              <a:rPr lang="en-US" altLang="it-IT" sz="1500" bmk="67"/>
+              <a:t> neque </a:t>
+            </a:r>
+            <a:r>
+              <a:rPr lang="en-US" altLang="it-IT" sz="1500" bmk="1195"/>
+              <a:t>m</a:t>
+            </a:r>
+            <a:r>
+              <a:rPr lang="en-US" altLang="it-IT" sz="1500" bmk="611"/>
+              <a:t>a</a:t>
+            </a:r>
+            <a:r>
+              <a:rPr lang="en-US" altLang="it-IT" sz="1500" bmk="128"/>
+              <a:t>ssa</a:t>
+            </a:r>
+            <a:r>
+              <a:rPr lang="en-US" altLang="it-IT" sz="1500" bmk="315"/>
+              <a:t>, s</a:t>
+            </a:r>
+            <a:r>
+              <a:rPr lang="en-US" altLang="it-IT" sz="1500" bmk="666"/>
+              <a:t>ce</a:t>
+            </a:r>
+            <a:r>
+              <a:rPr lang="en-US" altLang="it-IT" sz="1500" bmk="1897"/>
+              <a:t>l</a:t>
+            </a:r>
+            <a:r>
               <a:rPr lang="en-US" altLang="it-IT" sz="1500" bmk="241"/>
-              <a:t>lo</a:t>
-            </a:r>
-            <a:r>
-              <a:rPr lang="en-US" altLang="it-IT" sz="1500" bmk="440"/>
-              <a:t>r sit </a:t>
-            </a:r>
-            <a:r>
-              <a:rPr lang="en-US" altLang="it-IT" sz="1500" bmk="415"/>
+              <a:t>er</a:t>
+            </a:r>
+            <a:r>
+              <a:rPr lang="en-US" altLang="it-IT" sz="1500" bmk="595"/>
+              <a:t>isq</a:t>
+            </a:r>
+            <a:r>
+              <a:rPr lang="en-US" altLang="it-IT" sz="1500" bmk="586"/>
+              <a:t>u</a:t>
+            </a:r>
+            <a:r>
+              <a:rPr lang="en-US" altLang="it-IT" sz="1500" bmk="82"/>
+              <a:t>e </a:t>
+            </a:r>
+            <a:r>
+              <a:rPr lang="en-US" altLang="it-IT" sz="1500" bmk="471"/>
+              <a:t>s</a:t>
+            </a:r>
+            <a:r>
+              <a:rPr lang="en-US" altLang="it-IT" sz="1500" bmk="1263"/>
+              <a:t>i</a:t>
+            </a:r>
+            <a:r>
+              <a:rPr lang="en-US" altLang="it-IT" sz="1500" bmk="1337"/>
+              <a:t>t </a:t>
+            </a:r>
+            <a:r>
+              <a:rPr lang="en-US" altLang="it-IT" sz="1500" bmk="1647"/>
+              <a:t>ame</a:t>
+            </a:r>
+            <a:r>
+              <a:rPr lang="en-US" altLang="it-IT" sz="1500" bmk="1074"/>
+              <a:t>t</a:t>
+            </a:r>
+            <a:r>
+              <a:rPr lang="en-US" altLang="it-IT" sz="1500" bmk="1748"/>
+              <a:t> lig</a:t>
+            </a:r>
+            <a:r>
+              <a:rPr lang="en-US" altLang="it-IT" sz="1500" bmk="657"/>
+              <a:t>u</a:t>
+            </a:r>
+            <a:r>
+              <a:rPr lang="en-US" altLang="it-IT" sz="1500" bmk="658"/>
+              <a:t>la </a:t>
+            </a:r>
+            <a:r>
+              <a:rPr lang="en-US" altLang="it-IT" sz="1500" bmk="238"/>
+              <a:t>e</a:t>
+            </a:r>
+            <a:r>
+              <a:rPr lang="en-US" altLang="it-IT" sz="1500" bmk="907"/>
+              <a:t>u</a:t>
+            </a:r>
+            <a:r>
+              <a:rPr lang="en-US" altLang="it-IT" sz="1500" bmk="1496"/>
+              <a:t>, </a:t>
+            </a:r>
+            <a:r>
+              <a:rPr lang="en-US" altLang="it-IT" sz="1500" bmk="126"/>
+              <a:t>c</a:t>
+            </a:r>
+            <a:r>
+              <a:rPr lang="en-US" altLang="it-IT" sz="1500" bmk="1311"/>
+              <a:t>on</a:t>
+            </a:r>
+            <a:r>
+              <a:rPr lang="en-US" altLang="it-IT" sz="1500" bmk="237"/>
+              <a:t>gu</a:t>
+            </a:r>
+            <a:r>
+              <a:rPr lang="en-US" altLang="it-IT" sz="1500" bmk="1535"/>
+              <a:t>e m</a:t>
+            </a:r>
+            <a:r>
+              <a:rPr lang="en-US" altLang="it-IT" sz="1500" bmk="1617"/>
+              <a:t>ole</a:t>
+            </a:r>
+            <a:r>
+              <a:rPr lang="en-US" altLang="it-IT" sz="1500" bmk="1275"/>
+              <a:t>st</a:t>
+            </a:r>
+            <a:r>
+              <a:rPr lang="en-US" altLang="it-IT" sz="1500" bmk="1755"/>
+              <a:t>i</a:t>
+            </a:r>
+            <a:r>
+              <a:rPr lang="en-US" altLang="it-IT" sz="1500" bmk="1719"/>
+              <a:t>e </a:t>
+            </a:r>
+            <a:r>
+              <a:rPr lang="en-US" altLang="it-IT" sz="1500" bmk="1051"/>
+              <a:t>mi. </a:t>
+            </a:r>
+            <a:r>
+              <a:rPr lang="en-US" altLang="it-IT" sz="1500" bmk="1700"/>
+              <a:t>Pr</a:t>
+            </a:r>
+            <a:r>
+              <a:rPr lang="en-US" altLang="it-IT" sz="1500" bmk="688"/>
+              <a:t>ae</a:t>
+            </a:r>
+            <a:r>
+              <a:rPr lang="en-US" altLang="it-IT" sz="1500" bmk="1288"/>
+              <a:t>s</a:t>
+            </a:r>
+            <a:r>
+              <a:rPr lang="en-US" altLang="it-IT" sz="1500" bmk="1798"/>
+              <a:t>e</a:t>
+            </a:r>
+            <a:r>
+              <a:rPr lang="en-US" altLang="it-IT" sz="1500" bmk="1283"/>
+              <a:t>nt</a:t>
+            </a:r>
+            <a:r>
+              <a:rPr lang="en-US" altLang="it-IT" sz="1500" bmk="907"/>
+              <a:t> </a:t>
+            </a:r>
+            <a:r>
+              <a:rPr lang="en-US" altLang="it-IT" sz="1500" bmk="630"/>
+              <a:t>u</a:t>
+            </a:r>
+            <a:r>
+              <a:rPr lang="en-US" altLang="it-IT" sz="1500" bmk="44"/>
+              <a:t>t </a:t>
+            </a:r>
+            <a:r>
+              <a:rPr lang="en-US" altLang="it-IT" sz="1500" bmk="84"/>
+              <a:t>variu</a:t>
+            </a:r>
+            <a:r>
+              <a:rPr lang="en-US" altLang="it-IT" sz="1500" bmk="1048"/>
+              <a:t>s</a:t>
+            </a:r>
+            <a:r>
+              <a:rPr lang="en-US" altLang="it-IT" sz="1500" bmk="1641"/>
+              <a:t> s</a:t>
+            </a:r>
+            <a:r>
+              <a:rPr lang="en-US" altLang="it-IT" sz="1500" bmk="742"/>
+              <a:t>em</a:t>
+            </a:r>
+            <a:r>
+              <a:rPr lang="en-US" altLang="it-IT" sz="1500" bmk="682"/>
+              <a:t>. </a:t>
+            </a:r>
+            <a:r>
+              <a:rPr lang="en-US" altLang="it-IT" sz="1500" bmk="448"/>
+              <a:t>Nu</a:t>
+            </a:r>
+            <a:r>
+              <a:rPr lang="en-US" altLang="it-IT" sz="1500" bmk="1571"/>
+              <a:t>ll</a:t>
+            </a:r>
+            <a:r>
+              <a:rPr lang="en-US" altLang="it-IT" sz="1500" bmk="882"/>
+              <a:t>a</a:t>
+            </a:r>
+            <a:r>
+              <a:rPr lang="en-US" altLang="it-IT" sz="1500" bmk="1129"/>
+              <a:t>m a</a:t>
+            </a:r>
+            <a:r>
+              <a:rPr lang="en-US" altLang="it-IT" sz="1500" bmk="1580"/>
+              <a:t>t</a:t>
+            </a:r>
+            <a:r>
+              <a:rPr lang="en-US" altLang="it-IT" sz="1500" bmk="195"/>
+              <a:t> </a:t>
+            </a:r>
+            <a:r>
+              <a:rPr lang="en-US" altLang="it-IT" sz="1500" bmk="945"/>
+              <a:t>po</a:t>
+            </a:r>
+            <a:r>
+              <a:rPr lang="en-US" altLang="it-IT" sz="1500" bmk="411"/>
+              <a:t>r</a:t>
+            </a:r>
+            <a:r>
+              <a:rPr lang="en-US" altLang="it-IT" sz="1500" bmk="367"/>
+              <a:t>ttit</a:t>
+            </a:r>
+            <a:r>
+              <a:rPr lang="en-US" altLang="it-IT" sz="1500" bmk="332"/>
+              <a:t>o</a:t>
+            </a:r>
+            <a:r>
+              <a:rPr lang="en-US" altLang="it-IT" sz="1500" bmk="820"/>
+              <a:t>r </a:t>
+            </a:r>
+            <a:r>
+              <a:rPr lang="en-US" altLang="it-IT" sz="1500" bmk="1874"/>
+              <a:t>ar</a:t>
+            </a:r>
+            <a:r>
+              <a:rPr lang="en-US" altLang="it-IT" sz="1500" bmk="1413"/>
+              <a:t>cu</a:t>
+            </a:r>
+            <a:r>
+              <a:rPr lang="en-US" altLang="it-IT" sz="1500" bmk="660"/>
+              <a:t>, ne</a:t>
+            </a:r>
+            <a:r>
+              <a:rPr lang="en-US" altLang="it-IT" sz="1500" bmk="199"/>
+              <a:t>c la</a:t>
+            </a:r>
+            <a:r>
+              <a:rPr lang="en-US" altLang="it-IT" sz="1500" bmk="1515"/>
+              <a:t>c</a:t>
+            </a:r>
+            <a:r>
+              <a:rPr lang="en-US" altLang="it-IT" sz="1500" bmk="1738"/>
+              <a:t>ini</a:t>
+            </a:r>
+            <a:r>
+              <a:rPr lang="en-US" altLang="it-IT" sz="1500" bmk="1096"/>
+              <a:t>a nis</a:t>
+            </a:r>
+            <a:r>
+              <a:rPr lang="en-US" altLang="it-IT" sz="1500" bmk="1558"/>
+              <a:t>i</a:t>
+            </a:r>
+            <a:r>
+              <a:rPr lang="en-US" altLang="it-IT" sz="1500" bmk="735"/>
+              <a:t>. </a:t>
+            </a:r>
+            <a:r>
+              <a:rPr lang="en-US" altLang="it-IT" sz="1500" bmk="1840"/>
+              <a:t>U</a:t>
+            </a:r>
+            <a:r>
+              <a:rPr lang="en-US" altLang="it-IT" sz="1500" bmk="193"/>
+              <a:t>t</a:t>
+            </a:r>
+            <a:r>
+              <a:rPr lang="en-US" altLang="it-IT" sz="1500" bmk="1412"/>
+              <a:t> ac </a:t>
+            </a:r>
+            <a:r>
+              <a:rPr lang="en-US" altLang="it-IT" sz="1500" bmk="1097"/>
+              <a:t>dol</a:t>
+            </a:r>
+            <a:r>
+              <a:rPr lang="en-US" altLang="it-IT" sz="1500" bmk="1590"/>
+              <a:t>o</a:t>
+            </a:r>
+            <a:r>
+              <a:rPr lang="en-US" altLang="it-IT" sz="1500" bmk="1706"/>
+              <a:t>r vita</a:t>
+            </a:r>
+            <a:r>
+              <a:rPr lang="en-US" altLang="it-IT" sz="1500" bmk="1038"/>
+              <a:t>e o</a:t>
+            </a:r>
+            <a:r>
+              <a:rPr lang="en-US" altLang="it-IT" sz="1500" bmk="1296"/>
+              <a:t>di</a:t>
+            </a:r>
+            <a:r>
+              <a:rPr lang="en-US" altLang="it-IT" sz="1500" bmk="37"/>
+              <a:t>o</a:t>
+            </a:r>
+            <a:r>
+              <a:rPr lang="en-US" altLang="it-IT" sz="1500" bmk="790"/>
+              <a:t> i</a:t>
+            </a:r>
+            <a:r>
+              <a:rPr lang="en-US" altLang="it-IT" sz="1500" bmk="1591"/>
+              <a:t>n</a:t>
+            </a:r>
+            <a:r>
+              <a:rPr lang="en-US" altLang="it-IT" sz="1500" bmk="434"/>
+              <a:t>t</a:t>
+            </a:r>
+            <a:r>
+              <a:rPr lang="en-US" altLang="it-IT" sz="1500" bmk="1456"/>
+              <a:t>e</a:t>
+            </a:r>
+            <a:r>
+              <a:rPr lang="en-US" altLang="it-IT" sz="1500" bmk="767"/>
+              <a:t>rd</a:t>
+            </a:r>
+            <a:r>
+              <a:rPr lang="en-US" altLang="it-IT" sz="1500" bmk="1625"/>
+              <a:t>um c</a:t>
+            </a:r>
+            <a:r>
+              <a:rPr lang="en-US" altLang="it-IT" sz="1500" bmk="752"/>
+              <a:t>o</a:t>
+            </a:r>
+            <a:r>
+              <a:rPr lang="en-US" altLang="it-IT" sz="1500" bmk="715"/>
+              <a:t>nd</a:t>
+            </a:r>
+            <a:r>
+              <a:rPr lang="en-US" altLang="it-IT" sz="1500" bmk="581"/>
+              <a:t>im</a:t>
+            </a:r>
+            <a:r>
+              <a:rPr lang="en-US" altLang="it-IT" sz="1500" bmk="700"/>
+              <a:t>en</a:t>
+            </a:r>
+            <a:r>
+              <a:rPr lang="en-US" altLang="it-IT" sz="1500" bmk="897"/>
+              <a:t>tum</a:t>
+            </a:r>
+            <a:r>
+              <a:rPr lang="en-US" altLang="it-IT" sz="1500" bmk="1667"/>
+              <a:t>.</a:t>
+            </a:r>
+            <a:r>
+              <a:rPr lang="en-US" altLang="it-IT" sz="1500" bmk="346"/>
+              <a:t> </a:t>
+            </a:r>
+            <a:r>
+              <a:rPr lang="en-US" altLang="it-IT" sz="1500" bmk="1428"/>
+              <a:t>V</a:t>
+            </a:r>
+            <a:r>
+              <a:rPr lang="en-US" altLang="it-IT" sz="1500" bmk="764"/>
+              <a:t>iv</a:t>
+            </a:r>
+            <a:r>
+              <a:rPr lang="en-US" altLang="it-IT" sz="1500" bmk="1186"/>
               <a:t>am</a:t>
             </a:r>
             <a:r>
-              <a:rPr lang="en-US" altLang="it-IT" sz="1500" bmk="92"/>
-              <a:t>et, co</a:t>
-            </a:r>
-            <a:r>
-              <a:rPr lang="en-US" altLang="it-IT" sz="1500" bmk="257"/>
-              <a:t>ns</a:t>
-            </a:r>
-            <a:r>
-              <a:rPr lang="en-US" altLang="it-IT" sz="1500" bmk="1083"/>
-              <a:t>ectetu</a:t>
-            </a:r>
-            <a:r>
-              <a:rPr lang="en-US" altLang="it-IT" sz="1500" bmk="866"/>
-              <a:t>r </a:t>
-            </a:r>
-            <a:r>
-              <a:rPr lang="en-US" altLang="it-IT" sz="1500" bmk="19"/>
-              <a:t>adipi</a:t>
-            </a:r>
-            <a:r>
-              <a:rPr lang="en-US" altLang="it-IT" sz="1500" bmk="1564"/>
-              <a:t>sci</a:t>
-            </a:r>
-            <a:r>
-              <a:rPr lang="en-US" altLang="it-IT" sz="1500" bmk="1892"/>
+              <a:rPr lang="en-US" altLang="it-IT" sz="1500" bmk="1239"/>
+              <a:t>u</a:t>
+            </a:r>
+            <a:r>
+              <a:rPr lang="en-US" altLang="it-IT" sz="1500" bmk="45"/>
+              <a:t>s</a:t>
+            </a:r>
+            <a:r>
+              <a:rPr lang="en-US" altLang="it-IT" sz="1500" bmk="303"/>
+              <a:t> </a:t>
+            </a:r>
+            <a:r>
+              <a:rPr lang="en-US" altLang="it-IT" sz="1500" bmk="1803"/>
+              <a:t>d</a:t>
+            </a:r>
+            <a:r>
+              <a:rPr lang="en-US" altLang="it-IT" sz="1500" bmk="758"/>
+              <a:t>ap</a:t>
+            </a:r>
+            <a:r>
+              <a:rPr lang="en-US" altLang="it-IT" sz="1500" bmk="681"/>
+              <a:t>i</a:t>
+            </a:r>
+            <a:r>
+              <a:rPr lang="en-US" altLang="it-IT" sz="1500" bmk="990"/>
+              <a:t>bus</a:t>
+            </a:r>
+            <a:r>
+              <a:rPr lang="en-US" altLang="it-IT" sz="1500" bmk="1663"/>
+              <a:t> </a:t>
+            </a:r>
+            <a:r>
+              <a:rPr lang="en-US" altLang="it-IT" sz="1500" bmk="124"/>
+              <a:t>s</a:t>
+            </a:r>
+            <a:r>
+              <a:rPr lang="en-US" altLang="it-IT" sz="1500" bmk="1441"/>
+              <a:t>od</a:t>
+            </a:r>
+            <a:r>
+              <a:rPr lang="en-US" altLang="it-IT" sz="1500" bmk="1422"/>
+              <a:t>ales </a:t>
+            </a:r>
+            <a:r>
+              <a:rPr lang="en-US" altLang="it-IT" sz="1500" bmk="1127"/>
+              <a:t>e</a:t>
+            </a:r>
+            <a:r>
+              <a:rPr lang="en-US" altLang="it-IT" sz="1500" bmk="376"/>
+              <a:t>x,</a:t>
+            </a:r>
+            <a:r>
+              <a:rPr lang="en-US" altLang="it-IT" sz="1500" bmk="1596"/>
+              <a:t> vi</a:t>
+            </a:r>
+            <a:r>
+              <a:rPr lang="en-US" altLang="it-IT" sz="1500" bmk="1282"/>
+              <a:t>t</a:t>
+            </a:r>
+            <a:r>
+              <a:rPr lang="en-US" altLang="it-IT" sz="1500" bmk="382"/>
+              <a:t>ae</a:t>
+            </a:r>
+            <a:r>
+              <a:rPr lang="en-US" altLang="it-IT" sz="1500" bmk="1612"/>
+              <a:t> m</a:t>
+            </a:r>
+            <a:r>
+              <a:rPr lang="en-US" altLang="it-IT" sz="1500" bmk="260"/>
+              <a:t>a</a:t>
+            </a:r>
+            <a:r>
+              <a:rPr lang="en-US" altLang="it-IT" sz="1500" bmk="1862"/>
+              <a:t>l</a:t>
+            </a:r>
+            <a:r>
+              <a:rPr lang="en-US" altLang="it-IT" sz="1500" bmk="1632"/>
+              <a:t>es</a:t>
+            </a:r>
+            <a:r>
+              <a:rPr lang="en-US" altLang="it-IT" sz="1500" bmk="1023"/>
+              <a:t>ua</a:t>
+            </a:r>
+            <a:r>
+              <a:rPr lang="en-US" altLang="it-IT" sz="1500" bmk="708"/>
+              <a:t>da</a:t>
+            </a:r>
+            <a:r>
+              <a:rPr lang="en-US" altLang="it-IT" sz="1500" bmk="248"/>
+              <a:t> ip</a:t>
+            </a:r>
+            <a:r>
+              <a:rPr lang="en-US" altLang="it-IT" sz="1500" bmk="1580"/>
+              <a:t>s</a:t>
+            </a:r>
+            <a:r>
+              <a:rPr lang="en-US" altLang="it-IT" sz="1500" bmk="1793"/>
+              <a:t>um</a:t>
+            </a:r>
+            <a:r>
+              <a:rPr lang="en-US" altLang="it-IT" sz="1500" bmk="1600"/>
+              <a:t> c</a:t>
+            </a:r>
+            <a:r>
+              <a:rPr lang="en-US" altLang="it-IT" sz="1500" bmk="1509"/>
+              <a:t>urs</a:t>
+            </a:r>
+            <a:r>
+              <a:rPr lang="en-US" altLang="it-IT" sz="1500" bmk="1249"/>
+              <a:t>u</a:t>
+            </a:r>
+            <a:r>
+              <a:rPr lang="en-US" altLang="it-IT" sz="1500" bmk="1092"/>
+              <a:t>s</a:t>
+            </a:r>
+            <a:r>
+              <a:rPr lang="en-US" altLang="it-IT" sz="1500" bmk="711"/>
+              <a:t> co</a:t>
+            </a:r>
+            <a:r>
+              <a:rPr lang="en-US" altLang="it-IT" sz="1500" bmk="303"/>
               <a:t>n</a:t>
             </a:r>
             <a:r>
-              <a:rPr lang="en-US" altLang="it-IT" sz="1500" bmk="708"/>
-              <a:t>g </a:t>
-            </a:r>
-            <a:r>
-              <a:rPr lang="en-US" altLang="it-IT" sz="1500" bmk="592"/>
-              <a:t>eli</a:t>
-            </a:r>
-            <a:r>
-              <a:rPr lang="en-US" altLang="it-IT" sz="1500" bmk="42"/>
-              <a:t>t.</a:t>
-            </a:r>
-            <a:r>
-              <a:rPr lang="en-US" altLang="it-IT" sz="1500" bmk="26"/>
-              <a:t> Nunc </a:t>
-            </a:r>
-            <a:r>
-              <a:rPr lang="en-US" altLang="it-IT" sz="1500" bmk="57"/>
-              <a:t>ac</a:t>
-            </a:r>
-            <a:r>
-              <a:rPr lang="en-US" altLang="it-IT" sz="1500" bmk="181"/>
-              <a:t> f</a:t>
-            </a:r>
-            <a:r>
-              <a:rPr lang="en-US" altLang="it-IT" sz="1500" bmk="726"/>
-              <a:t>aucibu</a:t>
-            </a:r>
-            <a:r>
-              <a:rPr lang="en-US" altLang="it-IT" sz="1500" bmk="78"/>
+              <a:rPr lang="en-US" altLang="it-IT" sz="1500" bmk="833"/>
+              <a:t>v</a:t>
+            </a:r>
+            <a:r>
+              <a:rPr lang="en-US" altLang="it-IT" sz="1500" bmk="90"/>
+              <a:t>all</a:t>
+            </a:r>
+            <a:r>
+              <a:rPr lang="en-US" altLang="it-IT" sz="1500" bmk="91"/>
+              <a:t>is. </a:t>
+            </a:r>
+            <a:r>
+              <a:rPr lang="en-US" altLang="it-IT" sz="1500" bmk="1147"/>
+              <a:t>M</a:t>
+            </a:r>
+            <a:r>
+              <a:rPr lang="en-US" altLang="it-IT" sz="1500" bmk="1501"/>
+              <a:t>aec</a:t>
+            </a:r>
+            <a:r>
+              <a:rPr lang="en-US" altLang="it-IT" sz="1500" bmk="756"/>
+              <a:t>e</a:t>
+            </a:r>
+            <a:r>
+              <a:rPr lang="en-US" altLang="it-IT" sz="1500" bmk="1154"/>
+              <a:t>na</a:t>
+            </a:r>
+            <a:r>
+              <a:rPr lang="en-US" altLang="it-IT" sz="1500" bmk="1396"/>
               <a:t>s</a:t>
             </a:r>
             <a:r>
-              <a:rPr lang="en-US" altLang="it-IT" sz="1500" bmk="1771"/>
-              <a:t> o</a:t>
-            </a:r>
-            <a:r>
-              <a:rPr lang="en-US" altLang="it-IT" sz="1500" bmk="1663"/>
-              <a:t>di</a:t>
-            </a:r>
-            <a:r>
-              <a:rPr lang="en-US" altLang="it-IT" sz="1500" bmk="1196"/>
-              <a:t>o. </a:t>
-            </a:r>
-            <a:r>
-              <a:rPr lang="en-US" altLang="it-IT" sz="1500" bmk="203"/>
-              <a:t>V</a:t>
+              <a:rPr lang="en-US" altLang="it-IT" sz="1500" bmk="9"/>
+              <a:t> </a:t>
+            </a:r>
+            <a:r>
+              <a:rPr lang="en-US" altLang="it-IT" sz="1500" bmk="1567"/>
+              <a:t>se</a:t>
+            </a:r>
+            <a:r>
+              <a:rPr lang="en-US" altLang="it-IT" sz="1500" bmk="624"/>
+              <a:t>d</a:t>
+            </a:r>
+            <a:r>
+              <a:rPr lang="en-US" altLang="it-IT" sz="1500" bmk="1442"/>
+              <a:t> </a:t>
+            </a:r>
+            <a:r>
+              <a:rPr lang="en-US" altLang="it-IT" sz="1500" bmk="13"/>
+              <a:t>eg</a:t>
+            </a:r>
+            <a:r>
+              <a:rPr lang="en-US" altLang="it-IT" sz="1500" bmk="946"/>
+              <a:t>estas</a:t>
+            </a:r>
+            <a:r>
+              <a:rPr lang="en-US" altLang="it-IT" sz="1500" bmk="1485"/>
+              <a:t> nu</a:t>
+            </a:r>
+            <a:r>
+              <a:rPr lang="en-US" altLang="it-IT" sz="1500" bmk="1692"/>
+              <a:t>ll</a:t>
+            </a:r>
+            <a:r>
+              <a:rPr lang="en-US" altLang="it-IT" sz="1500" bmk="1420"/>
+              <a:t>a</a:t>
+            </a:r>
+            <a:r>
+              <a:rPr lang="en-US" altLang="it-IT" sz="1500" bmk="1035"/>
+              <a:t>, </a:t>
+            </a:r>
+            <a:r>
+              <a:rPr lang="en-US" altLang="it-IT" sz="1500" bmk="689"/>
+              <a:t>ac </a:t>
+            </a:r>
+            <a:r>
+              <a:rPr lang="en-US" altLang="it-IT" sz="1500" bmk="975"/>
+              <a:t>cond</a:t>
+            </a:r>
+            <a:r>
+              <a:rPr lang="en-US" altLang="it-IT" sz="1500" bmk="1269"/>
+              <a:t>imen</a:t>
+            </a:r>
+            <a:r>
+              <a:rPr lang="en-US" altLang="it-IT" sz="1500" bmk="395"/>
+              <a:t>t</a:t>
+            </a:r>
+            <a:r>
+              <a:rPr lang="en-US" altLang="it-IT" sz="1500" bmk="196"/>
+              <a:t>um</a:t>
+            </a:r>
+            <a:r>
+              <a:rPr lang="en-US" altLang="it-IT" sz="1500" bmk="1029"/>
+              <a:t> or</a:t>
+            </a:r>
+            <a:r>
+              <a:rPr lang="en-US" altLang="it-IT" sz="1500" bmk="760"/>
+              <a:t>ci</a:t>
+            </a:r>
+            <a:r>
+              <a:rPr lang="en-US" altLang="it-IT" sz="1500" bmk="51"/>
+              <a:t>.</a:t>
+            </a:r>
+            <a:r>
+              <a:rPr lang="en-US" altLang="it-IT" sz="1500" bmk="259"/>
+              <a:t> M</a:t>
+            </a:r>
+            <a:r>
+              <a:rPr lang="en-US" altLang="it-IT" sz="1500" bmk="1041"/>
+              <a:t>a</a:t>
+            </a:r>
+            <a:r>
+              <a:rPr lang="en-US" altLang="it-IT" sz="1500" bmk="1413"/>
+              <a:t>ur</a:t>
+            </a:r>
+            <a:r>
+              <a:rPr lang="en-US" altLang="it-IT" sz="1500" bmk="1786"/>
+              <a:t>is</a:t>
+            </a:r>
+            <a:r>
+              <a:rPr lang="en-US" altLang="it-IT" sz="1500" bmk="1498"/>
+              <a:t> </a:t>
+            </a:r>
+            <a:r>
+              <a:rPr lang="en-US" altLang="it-IT" sz="1500" bmk="859"/>
+              <a:t>diam</a:t>
+            </a:r>
+            <a:r>
+              <a:rPr lang="en-US" altLang="it-IT" sz="1500" bmk="1493"/>
+              <a:t> </a:t>
+            </a:r>
+            <a:r>
+              <a:rPr lang="en-US" altLang="it-IT" sz="1500" bmk="307"/>
+              <a:t>fe</a:t>
+            </a:r>
+            <a:r>
+              <a:rPr lang="en-US" altLang="it-IT" sz="1500" bmk="1772"/>
+              <a:t>l</a:t>
+            </a:r>
+            <a:r>
+              <a:rPr lang="en-US" altLang="it-IT" sz="1500" bmk="1432"/>
+              <a:t>is, </a:t>
+            </a:r>
+            <a:r>
+              <a:rPr lang="en-US" altLang="it-IT" sz="1500" bmk="161"/>
+              <a:t>vulp</a:t>
+            </a:r>
+            <a:r>
+              <a:rPr lang="en-US" altLang="it-IT" sz="1500" bmk="678"/>
+              <a:t>u</a:t>
+            </a:r>
+            <a:r>
+              <a:rPr lang="en-US" altLang="it-IT" sz="1500" bmk="1449"/>
+              <a:t>ta</a:t>
+            </a:r>
+            <a:r>
+              <a:rPr lang="en-US" altLang="it-IT" sz="1500" bmk="927"/>
+              <a:t>t</a:t>
+            </a:r>
+            <a:r>
+              <a:rPr lang="en-US" altLang="it-IT" sz="1500" bmk="256"/>
+              <a:t>e a</a:t>
+            </a:r>
+            <a:r>
+              <a:rPr lang="en-US" altLang="it-IT" sz="1500" bmk="747"/>
+              <a:t>c </a:t>
+            </a:r>
+            <a:r>
+              <a:rPr lang="en-US" altLang="it-IT" sz="1500" bmk="1610"/>
+              <a:t>su</a:t>
+            </a:r>
+            <a:r>
+              <a:rPr lang="en-US" altLang="it-IT" sz="1500" bmk="135"/>
+              <a:t>s</a:t>
+            </a:r>
+            <a:r>
+              <a:rPr lang="en-US" altLang="it-IT" sz="1500" bmk="329"/>
+              <a:t>c</a:t>
+            </a:r>
+            <a:r>
+              <a:rPr lang="en-US" altLang="it-IT" sz="1500" bmk="1252"/>
+              <a:t>ip</a:t>
+            </a:r>
+            <a:r>
+              <a:rPr lang="en-US" altLang="it-IT" sz="1500" bmk="1032"/>
+              <a:t>i</a:t>
+            </a:r>
+            <a:r>
+              <a:rPr lang="en-US" altLang="it-IT" sz="1500" bmk="517"/>
+              <a:t>t</a:t>
+            </a:r>
+            <a:r>
+              <a:rPr lang="en-US" altLang="it-IT" sz="1500" bmk="1756"/>
+              <a:t> </a:t>
+            </a:r>
+            <a:r>
+              <a:rPr lang="en-US" altLang="it-IT" sz="1500" bmk="1242"/>
+              <a:t>et,</a:t>
+            </a:r>
+            <a:r>
+              <a:rPr lang="en-US" altLang="it-IT" sz="1500" bmk="1676"/>
+              <a:t> i</a:t>
+            </a:r>
+            <a:r>
+              <a:rPr lang="en-US" altLang="it-IT" sz="1500" bmk="313"/>
+              <a:t>acu</a:t>
+            </a:r>
+            <a:r>
+              <a:rPr lang="en-US" altLang="it-IT" sz="1500" bmk="466"/>
+              <a:t>lis</a:t>
+            </a:r>
+            <a:r>
+              <a:rPr lang="en-US" altLang="it-IT" sz="1500" bmk="1183"/>
+              <a:t> n</a:t>
+            </a:r>
+            <a:r>
+              <a:rPr lang="en-US" altLang="it-IT" sz="1500" bmk="1685"/>
+              <a:t>on</a:t>
+            </a:r>
+            <a:r>
+              <a:rPr lang="en-US" altLang="it-IT" sz="1500" bmk="1061"/>
+              <a:t> e</a:t>
+            </a:r>
+            <a:r>
+              <a:rPr lang="en-US" altLang="it-IT" sz="1500" bmk="929"/>
+              <a:t>st</a:t>
+            </a:r>
+            <a:r>
+              <a:rPr lang="en-US" altLang="it-IT" sz="1500" bmk="1570"/>
+              <a:t>. </a:t>
+            </a:r>
+            <a:r>
+              <a:rPr lang="en-US" altLang="it-IT" sz="1500" bmk="1363"/>
+              <a:t>Cur</a:t>
+            </a:r>
+            <a:r>
+              <a:rPr lang="en-US" altLang="it-IT" sz="1500" bmk="1206"/>
+              <a:t>a</a:t>
+            </a:r>
+            <a:r>
+              <a:rPr lang="en-US" altLang="it-IT" sz="1500" bmk="246"/>
+              <a:t>bitu</a:t>
+            </a:r>
+            <a:r>
+              <a:rPr lang="en-US" altLang="it-IT" sz="1500" bmk="269"/>
+              <a:t>r</a:t>
             </a:r>
             <a:r>
               <a:rPr lang="en-US" altLang="it-IT" sz="1500" bmk="94"/>
-              <a:t>e</a:t>
-            </a:r>
-            <a:r>
-              <a:rPr lang="en-US" altLang="it-IT" sz="1500" bmk="1642"/>
-              <a:t>st</a:t>
-            </a:r>
-            <a:r>
-              <a:rPr lang="en-US" altLang="it-IT" sz="1500" bmk="1125"/>
-              <a:t>i</a:t>
-            </a:r>
-            <a:r>
-              <a:rPr lang="en-US" altLang="it-IT" sz="1500" bmk="1588"/>
-              <a:t>bul</a:t>
-            </a:r>
-            <a:r>
-              <a:rPr lang="en-US" altLang="it-IT" sz="1500" bmk="845"/>
-              <a:t>u</a:t>
-            </a:r>
-            <a:r>
-              <a:rPr lang="en-US" altLang="it-IT" sz="1500" bmk="647"/>
-              <a:t>m </a:t>
-            </a:r>
-            <a:r>
-              <a:rPr lang="en-US" altLang="it-IT" sz="1500" bmk="14"/>
-              <a:t>ne</a:t>
-            </a:r>
-            <a:r>
-              <a:rPr lang="en-US" altLang="it-IT" sz="1500" bmk="1485"/>
-              <a:t>que</a:t>
-            </a:r>
-            <a:r>
-              <a:rPr lang="en-US" altLang="it-IT" sz="1500" bmk="921"/>
-              <a:t> m</a:t>
-            </a:r>
-            <a:r>
-              <a:rPr lang="en-US" altLang="it-IT" sz="1500" bmk="1281"/>
-              <a:t>ass</a:t>
-            </a:r>
-            <a:r>
-              <a:rPr lang="en-US" altLang="it-IT" sz="1500" bmk="1400"/>
-              <a:t>a</a:t>
-            </a:r>
-            <a:r>
-              <a:rPr lang="en-US" altLang="it-IT" sz="1500" bmk="1470"/>
-              <a:t>, </a:t>
-            </a:r>
-            <a:r>
-              <a:rPr lang="en-US" altLang="it-IT" sz="1500" bmk="1571"/>
-              <a:t>sc</a:t>
-            </a:r>
-            <a:r>
-              <a:rPr lang="en-US" altLang="it-IT" sz="1500" bmk="227"/>
-              <a:t>e</a:t>
-            </a:r>
-            <a:r>
-              <a:rPr lang="en-US" altLang="it-IT" sz="1500" bmk="53"/>
-              <a:t>ler</a:t>
-            </a:r>
-            <a:r>
-              <a:rPr lang="en-US" altLang="it-IT" sz="1500" bmk="1651"/>
-              <a:t>is</a:t>
-            </a:r>
-            <a:r>
-              <a:rPr lang="en-US" altLang="it-IT" sz="1500" bmk="640"/>
-              <a:t>que</a:t>
-            </a:r>
-            <a:r>
-              <a:rPr lang="en-US" altLang="it-IT" sz="1500" bmk="1037"/>
-              <a:t> </a:t>
-            </a:r>
-            <a:r>
-              <a:rPr lang="en-US" altLang="it-IT" sz="1500" bmk="80"/>
-              <a:t>s</a:t>
-            </a:r>
-            <a:r>
-              <a:rPr lang="en-US" altLang="it-IT" sz="1500" bmk="1075"/>
-              <a:t>i</a:t>
-            </a:r>
-            <a:r>
-              <a:rPr lang="en-US" altLang="it-IT" sz="1500" bmk="1074"/>
-              <a:t>t </a:t>
-            </a:r>
-            <a:r>
-              <a:rPr lang="en-US" altLang="it-IT" sz="1500" bmk="1003"/>
-              <a:t>a</a:t>
-            </a:r>
-            <a:r>
-              <a:rPr lang="en-US" altLang="it-IT" sz="1500" bmk="1898"/>
-              <a:t>met</a:t>
-            </a:r>
-            <a:r>
-              <a:rPr lang="en-US" altLang="it-IT" sz="1500" bmk="924"/>
-              <a:t> ligu</a:t>
-            </a:r>
-            <a:r>
-              <a:rPr lang="en-US" altLang="it-IT" sz="1500" bmk="899"/>
-              <a:t>l</a:t>
-            </a:r>
-            <a:r>
-              <a:rPr lang="en-US" altLang="it-IT" sz="1500" bmk="1751"/>
-              <a:t>a eu</a:t>
-            </a:r>
-            <a:r>
-              <a:rPr lang="en-US" altLang="it-IT" sz="1500" bmk="1374"/>
-              <a:t>, </a:t>
-            </a:r>
-            <a:r>
-              <a:rPr lang="en-US" altLang="it-IT" sz="1500" bmk="203"/>
-              <a:t>con</a:t>
-            </a:r>
-            <a:r>
-              <a:rPr lang="en-US" altLang="it-IT" sz="1500" bmk="371"/>
-              <a:t>g</a:t>
-            </a:r>
-            <a:r>
-              <a:rPr lang="en-US" altLang="it-IT" sz="1500" bmk="1078"/>
-              <a:t>ue m</a:t>
-            </a:r>
-            <a:r>
-              <a:rPr lang="en-US" altLang="it-IT" sz="1500" bmk="993"/>
-              <a:t>ol</a:t>
-            </a:r>
-            <a:r>
-              <a:rPr lang="en-US" altLang="it-IT" sz="1500" bmk="1827"/>
-              <a:t>es</a:t>
-            </a:r>
-            <a:r>
-              <a:rPr lang="en-US" altLang="it-IT" sz="1500" bmk="480"/>
-              <a:t>tie </a:t>
-            </a:r>
-            <a:r>
-              <a:rPr lang="en-US" altLang="it-IT" sz="1500" bmk="1861"/>
-              <a:t>mi. </a:t>
-            </a:r>
-            <a:r>
-              <a:rPr lang="en-US" altLang="it-IT" sz="1500" bmk="1514"/>
-              <a:t>P</a:t>
-            </a:r>
-            <a:r>
-              <a:rPr lang="en-US" altLang="it-IT" sz="1500" bmk="599"/>
-              <a:t>rae</a:t>
-            </a:r>
-            <a:r>
-              <a:rPr lang="en-US" altLang="it-IT" sz="1500" bmk="1620"/>
-              <a:t>sent </a:t>
-            </a:r>
-            <a:r>
-              <a:rPr lang="en-US" altLang="it-IT" sz="1500" bmk="533"/>
-              <a:t>ut </a:t>
-            </a:r>
-            <a:r>
-              <a:rPr lang="en-US" altLang="it-IT" sz="1500" bmk="1332"/>
-              <a:t>var</a:t>
-            </a:r>
-            <a:r>
-              <a:rPr lang="en-US" altLang="it-IT" sz="1500" bmk="35"/>
-              <a:t>i</a:t>
-            </a:r>
-            <a:r>
-              <a:rPr lang="en-US" altLang="it-IT" sz="1500" bmk="1165"/>
-              <a:t>us s</a:t>
-            </a:r>
-            <a:r>
-              <a:rPr lang="en-US" altLang="it-IT" sz="1500" bmk="5"/>
-              <a:t>em</a:t>
-            </a:r>
-            <a:r>
-              <a:rPr lang="en-US" altLang="it-IT" sz="1500" bmk="755"/>
-              <a:t>. Null</a:t>
-            </a:r>
-            <a:r>
-              <a:rPr lang="en-US" altLang="it-IT" sz="1500" bmk="1642"/>
-              <a:t>a</a:t>
-            </a:r>
-            <a:r>
-              <a:rPr lang="en-US" altLang="it-IT" sz="1500" bmk="274"/>
-              <a:t>m</a:t>
-            </a:r>
-            <a:r>
-              <a:rPr lang="en-US" altLang="it-IT" sz="1500" bmk="1361"/>
-              <a:t> </a:t>
-            </a:r>
-            <a:r>
-              <a:rPr lang="en-US" altLang="it-IT" sz="1500" bmk="1512"/>
-              <a:t>at </a:t>
-            </a:r>
-            <a:r>
-              <a:rPr lang="en-US" altLang="it-IT" sz="1500" bmk="1368"/>
-              <a:t>po</a:t>
-            </a:r>
-            <a:r>
-              <a:rPr lang="en-US" altLang="it-IT" sz="1500" bmk="1453"/>
-              <a:t>r</a:t>
-            </a:r>
-            <a:r>
-              <a:rPr lang="en-US" altLang="it-IT" sz="1500" bmk="1497"/>
-              <a:t>tt</a:t>
-            </a:r>
-            <a:r>
-              <a:rPr lang="en-US" altLang="it-IT" sz="1500" bmk="1631"/>
-              <a:t>it</a:t>
-            </a:r>
-            <a:r>
-              <a:rPr lang="en-US" altLang="it-IT" sz="1500" bmk="86"/>
-              <a:t>o</a:t>
-            </a:r>
-            <a:r>
-              <a:rPr lang="en-US" altLang="it-IT" sz="1500" bmk="1201"/>
-              <a:t>r </a:t>
-            </a:r>
-            <a:r>
-              <a:rPr lang="en-US" altLang="it-IT" sz="1500" bmk="1678"/>
-              <a:t>a</a:t>
-            </a:r>
-            <a:r>
-              <a:rPr lang="en-US" altLang="it-IT" sz="1500" bmk="1116"/>
-              <a:t>rc</a:t>
-            </a:r>
-            <a:r>
-              <a:rPr lang="en-US" altLang="it-IT" sz="1500" bmk="1818"/>
-              <a:t>u,</a:t>
-            </a:r>
-            <a:r>
-              <a:rPr lang="en-US" altLang="it-IT" sz="1500" bmk="1489"/>
-              <a:t> </a:t>
-            </a:r>
-            <a:r>
-              <a:rPr lang="en-US" altLang="it-IT" sz="1500" bmk="1208"/>
-              <a:t>ne</a:t>
-            </a:r>
-            <a:r>
-              <a:rPr lang="en-US" altLang="it-IT" sz="1500" bmk="560"/>
-              <a:t>c </a:t>
-            </a:r>
-            <a:r>
-              <a:rPr lang="en-US" altLang="it-IT" sz="1500" bmk="152"/>
-              <a:t>la</a:t>
-            </a:r>
-            <a:r>
-              <a:rPr lang="en-US" altLang="it-IT" sz="1500" bmk="1310"/>
-              <a:t>c</a:t>
-            </a:r>
-            <a:r>
-              <a:rPr lang="en-US" altLang="it-IT" sz="1500" bmk="1870"/>
-              <a:t>i</a:t>
-            </a:r>
-            <a:r>
-              <a:rPr lang="en-US" altLang="it-IT" sz="1500" bmk="500"/>
-              <a:t>ni</a:t>
-            </a:r>
-            <a:r>
-              <a:rPr lang="en-US" altLang="it-IT" sz="1500" bmk="1817"/>
-              <a:t>a</a:t>
-            </a:r>
-            <a:r>
-              <a:rPr lang="en-US" altLang="it-IT" sz="1500" bmk="552"/>
-              <a:t> n</a:t>
-            </a:r>
-            <a:r>
-              <a:rPr lang="en-US" altLang="it-IT" sz="1500" bmk="962"/>
-              <a:t>i</a:t>
-            </a:r>
-            <a:r>
-              <a:rPr lang="en-US" altLang="it-IT" sz="1500" bmk="1259"/>
-              <a:t>s</a:t>
-            </a:r>
-            <a:r>
-              <a:rPr lang="en-US" altLang="it-IT" sz="1500" bmk="1289"/>
-              <a:t>i</a:t>
-            </a:r>
-            <a:r>
-              <a:rPr lang="en-US" altLang="it-IT" sz="1500" bmk="933"/>
-              <a:t>. </a:t>
-            </a:r>
-            <a:r>
-              <a:rPr lang="en-US" altLang="it-IT" sz="1500" bmk="123"/>
-              <a:t>Ut ac</a:t>
-            </a:r>
-            <a:r>
-              <a:rPr lang="en-US" altLang="it-IT" sz="1500" bmk="432"/>
-              <a:t> </a:t>
-            </a:r>
-            <a:r>
-              <a:rPr lang="en-US" altLang="it-IT" sz="1500" bmk="889"/>
-              <a:t>do</a:t>
-            </a:r>
-            <a:r>
-              <a:rPr lang="en-US" altLang="it-IT" sz="1500" bmk="870"/>
-              <a:t>lor</a:t>
-            </a:r>
-            <a:r>
-              <a:rPr lang="en-US" altLang="it-IT" sz="1500" bmk="740"/>
-              <a:t> vitae</a:t>
-            </a:r>
-            <a:r>
-              <a:rPr lang="en-US" altLang="it-IT" sz="1500" bmk="697"/>
-              <a:t> </a:t>
-            </a:r>
-            <a:r>
-              <a:rPr lang="en-US" altLang="it-IT" sz="1500" bmk="1112"/>
-              <a:t>od</a:t>
-            </a:r>
-            <a:r>
-              <a:rPr lang="en-US" altLang="it-IT" sz="1500" bmk="840"/>
-              <a:t>i</a:t>
-            </a:r>
-            <a:r>
-              <a:rPr lang="en-US" altLang="it-IT" sz="1500" bmk="1741"/>
-              <a:t>o</a:t>
-            </a:r>
-            <a:r>
-              <a:rPr lang="en-US" altLang="it-IT" sz="1500" bmk="148"/>
-              <a:t> i</a:t>
-            </a:r>
-            <a:r>
-              <a:rPr lang="en-US" altLang="it-IT" sz="1500" bmk="805"/>
-              <a:t>nter</a:t>
-            </a:r>
-            <a:r>
-              <a:rPr lang="en-US" altLang="it-IT" sz="1500" bmk="1209"/>
-              <a:t>d</a:t>
-            </a:r>
-            <a:r>
-              <a:rPr lang="en-US" altLang="it-IT" sz="1500" bmk="1281"/>
-              <a:t>u</a:t>
-            </a:r>
-            <a:r>
-              <a:rPr lang="en-US" altLang="it-IT" sz="1500" bmk="1463"/>
-              <a:t>m </a:t>
-            </a:r>
-            <a:r>
-              <a:rPr lang="en-US" altLang="it-IT" sz="1500" bmk="814"/>
-              <a:t>condi</a:t>
-            </a:r>
-            <a:r>
-              <a:rPr lang="en-US" altLang="it-IT" sz="1500" bmk="124"/>
-              <a:t>men</a:t>
-            </a:r>
-            <a:r>
-              <a:rPr lang="en-US" altLang="it-IT" sz="1500" bmk="1838"/>
-              <a:t>tu</a:t>
-            </a:r>
-            <a:r>
-              <a:rPr lang="en-US" altLang="it-IT" sz="1500" bmk="1047"/>
-              <a:t>m</a:t>
-            </a:r>
-            <a:r>
-              <a:rPr lang="en-US" altLang="it-IT" sz="1500" bmk="126"/>
-              <a:t>. V</a:t>
-            </a:r>
-            <a:r>
-              <a:rPr lang="en-US" altLang="it-IT" sz="1500" bmk="416"/>
-              <a:t>iv</a:t>
-            </a:r>
-            <a:r>
-              <a:rPr lang="en-US" altLang="it-IT" sz="1500" bmk="436"/>
-              <a:t>a</a:t>
-            </a:r>
-            <a:r>
-              <a:rPr lang="en-US" altLang="it-IT" sz="1500" bmk="988"/>
-              <a:t>m</a:t>
-            </a:r>
-            <a:r>
-              <a:rPr lang="en-US" altLang="it-IT" sz="1500" bmk="674"/>
-              <a:t>us</a:t>
-            </a:r>
-            <a:r>
-              <a:rPr lang="en-US" altLang="it-IT" sz="1500" bmk="569"/>
-              <a:t> d</a:t>
-            </a:r>
-            <a:r>
-              <a:rPr lang="en-US" altLang="it-IT" sz="1500" bmk="299"/>
-              <a:t>ap</a:t>
-            </a:r>
-            <a:r>
-              <a:rPr lang="en-US" altLang="it-IT" sz="1500" bmk="1058"/>
-              <a:t>i</a:t>
-            </a:r>
-            <a:r>
-              <a:rPr lang="en-US" altLang="it-IT" sz="1500" bmk="566"/>
-              <a:t>bu</a:t>
-            </a:r>
-            <a:r>
-              <a:rPr lang="en-US" altLang="it-IT" sz="1500" bmk="925"/>
-              <a:t>s s</a:t>
-            </a:r>
-            <a:r>
-              <a:rPr lang="en-US" altLang="it-IT" sz="1500" bmk="525"/>
-              <a:t>od</a:t>
-            </a:r>
-            <a:r>
-              <a:rPr lang="en-US" altLang="it-IT" sz="1500" bmk="1530"/>
-              <a:t>a</a:t>
-            </a:r>
-            <a:r>
-              <a:rPr lang="en-US" altLang="it-IT" sz="1500" bmk="514"/>
-              <a:t>les </a:t>
-            </a:r>
-            <a:r>
-              <a:rPr lang="en-US" altLang="it-IT" sz="1500" bmk="1064"/>
-              <a:t>e</a:t>
-            </a:r>
-            <a:r>
-              <a:rPr lang="en-US" altLang="it-IT" sz="1500" bmk="940"/>
-              <a:t>x,</a:t>
-            </a:r>
-            <a:r>
-              <a:rPr lang="en-US" altLang="it-IT" sz="1500" bmk="1472"/>
-              <a:t> vi</a:t>
-            </a:r>
-            <a:r>
-              <a:rPr lang="en-US" altLang="it-IT" sz="1500" bmk="905"/>
-              <a:t>ta</a:t>
-            </a:r>
-            <a:r>
-              <a:rPr lang="en-US" altLang="it-IT" sz="1500" bmk="1641"/>
-              <a:t>e m</a:t>
-            </a:r>
-            <a:r>
-              <a:rPr lang="en-US" altLang="it-IT" sz="1500" bmk="1482"/>
-              <a:t>ale</a:t>
-            </a:r>
-            <a:r>
-              <a:rPr lang="en-US" altLang="it-IT" sz="1500" bmk="1194"/>
-              <a:t>su</a:t>
-            </a:r>
-            <a:r>
-              <a:rPr lang="en-US" altLang="it-IT" sz="1500" bmk="1511"/>
-              <a:t>a</a:t>
-            </a:r>
-            <a:r>
-              <a:rPr lang="en-US" altLang="it-IT" sz="1500" bmk="945"/>
-              <a:t>da</a:t>
-            </a:r>
-            <a:r>
-              <a:rPr lang="en-US" altLang="it-IT" sz="1500" bmk="1702"/>
-              <a:t> </a:t>
-            </a:r>
-            <a:r>
-              <a:rPr lang="en-US" altLang="it-IT" sz="1500" bmk="190"/>
-              <a:t>i</a:t>
-            </a:r>
-            <a:r>
-              <a:rPr lang="en-US" altLang="it-IT" sz="1500" bmk="1803"/>
-              <a:t>p</a:t>
-            </a:r>
-            <a:r>
-              <a:rPr lang="en-US" altLang="it-IT" sz="1500" bmk="565"/>
-              <a:t>sum c</a:t>
-            </a:r>
-            <a:r>
-              <a:rPr lang="en-US" altLang="it-IT" sz="1500" bmk="399"/>
-              <a:t>urs</a:t>
-            </a:r>
-            <a:r>
-              <a:rPr lang="en-US" altLang="it-IT" sz="1500" bmk="1045"/>
-              <a:t>us</a:t>
-            </a:r>
-            <a:r>
-              <a:rPr lang="en-US" altLang="it-IT" sz="1500" bmk="232"/>
-              <a:t> co</a:t>
-            </a:r>
-            <a:r>
-              <a:rPr lang="en-US" altLang="it-IT" sz="1500" bmk="369"/>
-              <a:t>n</a:t>
-            </a:r>
-            <a:r>
-              <a:rPr lang="en-US" altLang="it-IT" sz="1500" bmk="963"/>
-              <a:t>v</a:t>
-            </a:r>
-            <a:r>
-              <a:rPr lang="en-US" altLang="it-IT" sz="1500" bmk="196"/>
-              <a:t>all</a:t>
-            </a:r>
-            <a:r>
-              <a:rPr lang="en-US" altLang="it-IT" sz="1500" bmk="372"/>
-              <a:t>i</a:t>
-            </a:r>
-            <a:r>
-              <a:rPr lang="en-US" altLang="it-IT" sz="1500" bmk="1428"/>
-              <a:t>s.</a:t>
-            </a:r>
-            <a:r>
-              <a:rPr lang="en-US" altLang="it-IT" sz="1500" bmk="1377"/>
-              <a:t> </a:t>
-            </a:r>
-            <a:r>
-              <a:rPr lang="en-US" altLang="it-IT" sz="1500" bmk="687"/>
-              <a:t>M</a:t>
-            </a:r>
-            <a:r>
-              <a:rPr lang="en-US" altLang="it-IT" sz="1500" bmk="664"/>
-              <a:t>ae</a:t>
-            </a:r>
-            <a:r>
-              <a:rPr lang="en-US" altLang="it-IT" sz="1500" bmk="107"/>
-              <a:t>c</a:t>
-            </a:r>
-            <a:r>
-              <a:rPr lang="en-US" altLang="it-IT" sz="1500" bmk="1863"/>
-              <a:t>e</a:t>
-            </a:r>
-            <a:r>
-              <a:rPr lang="en-US" altLang="it-IT" sz="1500" bmk="1323"/>
-              <a:t>na</a:t>
-            </a:r>
-            <a:r>
-              <a:rPr lang="en-US" altLang="it-IT" sz="1500" bmk="383"/>
-              <a:t>s </a:t>
-            </a:r>
-            <a:r>
-              <a:rPr lang="en-US" altLang="it-IT" sz="1500" bmk="1658"/>
-              <a:t>s</a:t>
-            </a:r>
-            <a:r>
-              <a:rPr lang="en-US" altLang="it-IT" sz="1500" bmk="849"/>
-              <a:t>ed </a:t>
-            </a:r>
-            <a:r>
-              <a:rPr lang="en-US" altLang="it-IT" sz="1500" bmk="1135"/>
-              <a:t>eg</a:t>
-            </a:r>
-            <a:r>
-              <a:rPr lang="en-US" altLang="it-IT" sz="1500" bmk="543"/>
-              <a:t>e</a:t>
-            </a:r>
-            <a:r>
-              <a:rPr lang="en-US" altLang="it-IT" sz="1500" bmk="1135"/>
-              <a:t>stas</a:t>
-            </a:r>
-            <a:r>
-              <a:rPr lang="en-US" altLang="it-IT" sz="1500" bmk="212"/>
-              <a:t> nu</a:t>
-            </a:r>
-            <a:r>
-              <a:rPr lang="en-US" altLang="it-IT" sz="1500" bmk="1308"/>
-              <a:t>l</a:t>
-            </a:r>
-            <a:r>
-              <a:rPr lang="en-US" altLang="it-IT" sz="1500" bmk="471"/>
-              <a:t>la,</a:t>
-            </a:r>
-            <a:r>
-              <a:rPr lang="en-US" altLang="it-IT" sz="1500" bmk="1825"/>
-              <a:t> a</a:t>
-            </a:r>
-            <a:r>
-              <a:rPr lang="en-US" altLang="it-IT" sz="1500" bmk="593"/>
-              <a:t>c c</a:t>
-            </a:r>
-            <a:r>
-              <a:rPr lang="en-US" altLang="it-IT" sz="1500" bmk="688"/>
-              <a:t>o</a:t>
-            </a:r>
-            <a:r>
-              <a:rPr lang="en-US" altLang="it-IT" sz="1500" bmk="53"/>
-              <a:t>ndi</a:t>
-            </a:r>
-            <a:r>
-              <a:rPr lang="en-US" altLang="it-IT" sz="1500" bmk="720"/>
-              <a:t>men</a:t>
-            </a:r>
-            <a:r>
-              <a:rPr lang="en-US" altLang="it-IT" sz="1500" bmk="1147"/>
-              <a:t>t</a:t>
-            </a:r>
-            <a:r>
-              <a:rPr lang="en-US" altLang="it-IT" sz="1500" bmk="737"/>
-              <a:t>u</a:t>
-            </a:r>
-            <a:r>
-              <a:rPr lang="en-US" altLang="it-IT" sz="1500" bmk="818"/>
-              <a:t>m </a:t>
-            </a:r>
-            <a:r>
-              <a:rPr lang="en-US" altLang="it-IT" sz="1500" bmk="414"/>
-              <a:t>o</a:t>
-            </a:r>
-            <a:r>
-              <a:rPr lang="en-US" altLang="it-IT" sz="1500" bmk="1109"/>
-              <a:t>rci</a:t>
-            </a:r>
-            <a:r>
-              <a:rPr lang="en-US" altLang="it-IT" sz="1500" bmk="128"/>
-              <a:t>.</a:t>
-            </a:r>
-            <a:r>
-              <a:rPr lang="en-US" altLang="it-IT" sz="1500" bmk="1022"/>
-              <a:t> Mau</a:t>
-            </a:r>
-            <a:r>
-              <a:rPr lang="en-US" altLang="it-IT" sz="1500" bmk="1668"/>
-              <a:t>r</a:t>
-            </a:r>
-            <a:r>
-              <a:rPr lang="en-US" altLang="it-IT" sz="1500" bmk="897"/>
-              <a:t>is</a:t>
-            </a:r>
-            <a:r>
-              <a:rPr lang="en-US" altLang="it-IT" sz="1500" bmk="428"/>
-              <a:t> d</a:t>
-            </a:r>
-            <a:r>
-              <a:rPr lang="en-US" altLang="it-IT" sz="1500" bmk="1633"/>
-              <a:t>iam fe</a:t>
-            </a:r>
-            <a:r>
-              <a:rPr lang="en-US" altLang="it-IT" sz="1500" bmk="839"/>
-              <a:t>li</a:t>
-            </a:r>
-            <a:r>
-              <a:rPr lang="en-US" altLang="it-IT" sz="1500" bmk="494"/>
-              <a:t>s</a:t>
-            </a:r>
-            <a:r>
-              <a:rPr lang="en-US" altLang="it-IT" sz="1500" bmk="1157"/>
-              <a:t>, v</a:t>
-            </a:r>
-            <a:r>
-              <a:rPr lang="en-US" altLang="it-IT" sz="1500" bmk="693"/>
-              <a:t>ulp</a:t>
-            </a:r>
-            <a:r>
-              <a:rPr lang="en-US" altLang="it-IT" sz="1500" bmk="1856"/>
-              <a:t>u</a:t>
-            </a:r>
-            <a:r>
-              <a:rPr lang="en-US" altLang="it-IT" sz="1500" bmk="1143"/>
-              <a:t>ta</a:t>
-            </a:r>
-            <a:r>
-              <a:rPr lang="en-US" altLang="it-IT" sz="1500" bmk="1558"/>
-              <a:t>t</a:t>
-            </a:r>
-            <a:r>
-              <a:rPr lang="en-US" altLang="it-IT" sz="1500" bmk="475"/>
-              <a:t>e a</a:t>
-            </a:r>
-            <a:r>
-              <a:rPr lang="en-US" altLang="it-IT" sz="1500" bmk="63"/>
-              <a:t>c s</a:t>
-            </a:r>
-            <a:r>
-              <a:rPr lang="en-US" altLang="it-IT" sz="1500" bmk="1116"/>
-              <a:t>uscip</a:t>
-            </a:r>
-            <a:r>
-              <a:rPr lang="en-US" altLang="it-IT" sz="1500" bmk="1128"/>
-              <a:t>it </a:t>
-            </a:r>
-            <a:r>
-              <a:rPr lang="en-US" altLang="it-IT" sz="1500" bmk="1841"/>
-              <a:t>e</a:t>
-            </a:r>
-            <a:r>
-              <a:rPr lang="en-US" altLang="it-IT" sz="1500" bmk="507"/>
-              <a:t>t</a:t>
-            </a:r>
-            <a:r>
-              <a:rPr lang="en-US" altLang="it-IT" sz="1500" bmk="194"/>
-              <a:t>, ia</a:t>
-            </a:r>
-            <a:r>
-              <a:rPr lang="en-US" altLang="it-IT" sz="1500" bmk="1625"/>
-              <a:t>c</a:t>
-            </a:r>
-            <a:r>
-              <a:rPr lang="en-US" altLang="it-IT" sz="1500" bmk="762"/>
-              <a:t>uli</a:t>
-            </a:r>
-            <a:r>
-              <a:rPr lang="en-US" altLang="it-IT" sz="1500" bmk="1372"/>
-              <a:t>s n</a:t>
-            </a:r>
-            <a:r>
-              <a:rPr lang="en-US" altLang="it-IT" sz="1500" bmk="1147"/>
-              <a:t>on</a:t>
-            </a:r>
-            <a:r>
-              <a:rPr lang="en-US" altLang="it-IT" sz="1500" bmk="1058"/>
-              <a:t> es</a:t>
-            </a:r>
-            <a:r>
-              <a:rPr lang="en-US" altLang="it-IT" sz="1500" bmk="1866"/>
-              <a:t>t. </a:t>
-            </a:r>
-            <a:r>
-              <a:rPr lang="en-US" altLang="it-IT" sz="1500" bmk="1025"/>
-              <a:t>Curab</a:t>
-            </a:r>
-            <a:r>
-              <a:rPr lang="en-US" altLang="it-IT" sz="1500" bmk="127"/>
-              <a:t>itu</a:t>
-            </a:r>
-            <a:r>
-              <a:rPr lang="en-US" altLang="it-IT" sz="1500" bmk="1660"/>
-              <a:t>r</a:t>
-            </a:r>
-            <a:r>
-              <a:rPr lang="en-US" altLang="it-IT" sz="1500" bmk="426"/>
-              <a:t> </a:t>
-            </a:r>
-            <a:r>
-              <a:rPr lang="en-US" altLang="it-IT" sz="1500" bmk="1001"/>
-              <a:t>se</a:t>
-            </a:r>
-            <a:r>
-              <a:rPr lang="en-US" altLang="it-IT" sz="1500" bmk="531"/>
-              <a:t>m</a:t>
-            </a:r>
-            <a:r>
-              <a:rPr lang="en-US" altLang="it-IT" sz="1500" bmk="1443"/>
-              <a:t>p</a:t>
-            </a:r>
-            <a:r>
-              <a:rPr lang="en-US" altLang="it-IT" sz="1500" bmk="101"/>
-              <a:t>er </a:t>
-            </a:r>
-            <a:r>
-              <a:rPr lang="en-US" altLang="it-IT" sz="1500" bmk="1470"/>
-              <a:t>a</a:t>
-            </a:r>
-            <a:r>
-              <a:rPr lang="en-US" altLang="it-IT" sz="1500" bmk="570"/>
-              <a:t>r</a:t>
-            </a:r>
-            <a:r>
-              <a:rPr lang="en-US" altLang="it-IT" sz="1500" bmk="4"/>
-              <a:t>cu ac</a:t>
-            </a:r>
-            <a:r>
-              <a:rPr lang="en-US" altLang="it-IT" sz="1500" bmk="781"/>
-              <a:t> </a:t>
-            </a:r>
-            <a:r>
-              <a:rPr lang="en-US" altLang="it-IT" sz="1500" bmk="377"/>
-              <a:t>l</a:t>
-            </a:r>
-            <a:r>
-              <a:rPr lang="en-US" altLang="it-IT" sz="1500" bmk="1674"/>
-              <a:t>igu</a:t>
-            </a:r>
-            <a:r>
-              <a:rPr lang="en-US" altLang="it-IT" sz="1500" bmk="128"/>
-              <a:t>l</a:t>
-            </a:r>
-            <a:r>
-              <a:rPr lang="en-US" altLang="it-IT" sz="1500" bmk="146"/>
-              <a:t>a </a:t>
-            </a:r>
-            <a:r>
-              <a:rPr lang="en-US" altLang="it-IT" sz="1500" bmk="293"/>
-              <a:t>se</a:t>
-            </a:r>
-            <a:r>
-              <a:rPr lang="en-US" altLang="it-IT" sz="1500" bmk="1577"/>
-              <a:t>m</a:t>
-            </a:r>
-            <a:r>
-              <a:rPr lang="en-US" altLang="it-IT" sz="1500" bmk="179"/>
-              <a:t>pe</a:t>
-            </a:r>
-            <a:r>
-              <a:rPr lang="en-US" altLang="it-IT" sz="1500" bmk="912"/>
-              <a:t>r, </a:t>
-            </a:r>
-            <a:r>
-              <a:rPr lang="en-US" altLang="it-IT" sz="1500" bmk="266"/>
-              <a:t>nec</a:t>
-            </a:r>
-            <a:r>
-              <a:rPr lang="en-US" altLang="it-IT" sz="1500" bmk="1738"/>
-              <a:t> </a:t>
-            </a:r>
-            <a:r>
-              <a:rPr lang="en-US" altLang="it-IT" sz="1500" bmk="722"/>
-              <a:t>lu</a:t>
-            </a:r>
-            <a:r>
-              <a:rPr lang="en-US" altLang="it-IT" sz="1500" bmk="1871"/>
-              <a:t>ct</a:t>
-            </a:r>
-            <a:r>
-              <a:rPr lang="en-US" altLang="it-IT" sz="1500" bmk="1201"/>
-              <a:t>u</a:t>
-            </a:r>
-            <a:r>
-              <a:rPr lang="en-US" altLang="it-IT" sz="1500" bmk="1708"/>
-              <a:t>s </a:t>
-            </a:r>
-            <a:r>
-              <a:rPr lang="en-US" altLang="it-IT" sz="1500" bmk="29"/>
-              <a:t>n</a:t>
-            </a:r>
-            <a:r>
-              <a:rPr lang="en-US" altLang="it-IT" sz="1500" bmk="43"/>
-              <a:t>is</a:t>
-            </a:r>
-            <a:r>
-              <a:rPr lang="en-US" altLang="it-IT" sz="1500" bmk="1090"/>
-              <a:t>l </a:t>
-            </a:r>
-            <a:r>
-              <a:rPr lang="en-US" altLang="it-IT" sz="1500" bmk="492"/>
-              <a:t>bl</a:t>
-            </a:r>
-            <a:r>
-              <a:rPr lang="en-US" altLang="it-IT" sz="1500" bmk="1742"/>
-              <a:t>a</a:t>
-            </a:r>
-            <a:r>
-              <a:rPr lang="en-US" altLang="it-IT" sz="1500" bmk="4"/>
-              <a:t>ndit.</a:t>
-            </a:r>
-            <a:r>
-              <a:rPr lang="en-US" altLang="it-IT" sz="1500" bmk="266"/>
-              <a:t> </a:t>
-            </a:r>
-            <a:r>
-              <a:rPr lang="en-US" altLang="it-IT" sz="1500" bmk="1761"/>
-              <a:t>I</a:t>
-            </a:r>
-            <a:r>
-              <a:rPr lang="en-US" altLang="it-IT" sz="1500" bmk="287"/>
-              <a:t>nteg</a:t>
-            </a:r>
-            <a:r>
-              <a:rPr lang="en-US" altLang="it-IT" sz="1500" bmk="1313"/>
-              <a:t>er</a:t>
-            </a:r>
-            <a:r>
-              <a:rPr lang="en-US" altLang="it-IT" sz="1500" bmk="751"/>
-              <a:t> </a:t>
-            </a:r>
-            <a:r>
-              <a:rPr lang="en-US" altLang="it-IT" sz="1500" bmk="1482"/>
-              <a:t>l</a:t>
-            </a:r>
-            <a:r>
-              <a:rPr lang="en-US" altLang="it-IT" sz="1500" bmk="886"/>
-              <a:t>ac</a:t>
-            </a:r>
-            <a:r>
-              <a:rPr lang="en-US" altLang="it-IT" sz="1500" bmk="218"/>
-              <a:t>in</a:t>
-            </a:r>
-            <a:r>
-              <a:rPr lang="en-US" altLang="it-IT" sz="1500" bmk="952"/>
-              <a:t>ia</a:t>
+              <a:t> s</a:t>
+            </a:r>
+            <a:r>
+              <a:rPr lang="en-US" altLang="it-IT" sz="1500" bmk="1585"/>
+              <a:t>emper</a:t>
             </a:r>
             <a:r>
               <a:rPr lang="en-US" altLang="it-IT" sz="1500" bmk="375"/>
               <a:t> </a:t>
             </a:r>
             <a:r>
-              <a:rPr lang="en-US" altLang="it-IT" sz="1500" bmk="691"/>
-              <a:t>ante</a:t>
-            </a:r>
-            <a:r>
-              <a:rPr lang="en-US" altLang="it-IT" sz="1500" bmk="1429"/>
+              <a:rPr lang="en-US" altLang="it-IT" sz="1500" bmk="1241"/>
+              <a:t>arc</a:t>
+            </a:r>
+            <a:r>
+              <a:rPr lang="en-US" altLang="it-IT" sz="1500" bmk="352"/>
+              <a:t>u</a:t>
+            </a:r>
+            <a:r>
+              <a:rPr lang="en-US" altLang="it-IT" sz="1500" bmk="1363"/>
+              <a:t> ac</a:t>
+            </a:r>
+            <a:r>
+              <a:rPr lang="en-US" altLang="it-IT" sz="1500" bmk="1838"/>
+              <a:t> l</a:t>
+            </a:r>
+            <a:r>
+              <a:rPr lang="en-US" altLang="it-IT" sz="1500" bmk="148"/>
+              <a:t>igu</a:t>
+            </a:r>
+            <a:r>
+              <a:rPr lang="en-US" altLang="it-IT" sz="1500" bmk="94"/>
+              <a:t>l</a:t>
+            </a:r>
+            <a:r>
+              <a:rPr lang="en-US" altLang="it-IT" sz="1500" bmk="902"/>
+              <a:t>a </a:t>
+            </a:r>
+            <a:r>
+              <a:rPr lang="en-US" altLang="it-IT" sz="1500" bmk="1421"/>
+              <a:t>s</a:t>
+            </a:r>
+            <a:r>
+              <a:rPr lang="en-US" altLang="it-IT" sz="1500" bmk="1880"/>
+              <a:t>e</a:t>
+            </a:r>
+            <a:r>
+              <a:rPr lang="en-US" altLang="it-IT" sz="1500" bmk="1010"/>
+              <a:t>m</a:t>
+            </a:r>
+            <a:r>
+              <a:rPr lang="en-US" altLang="it-IT" sz="1500" bmk="420"/>
+              <a:t>pe</a:t>
+            </a:r>
+            <a:r>
+              <a:rPr lang="en-US" altLang="it-IT" sz="1500" bmk="475"/>
+              <a:t>r, n</a:t>
+            </a:r>
+            <a:r>
+              <a:rPr lang="en-US" altLang="it-IT" sz="1500" bmk="54"/>
+              <a:t>e</a:t>
+            </a:r>
+            <a:r>
+              <a:rPr lang="en-US" altLang="it-IT" sz="1500" bmk="1322"/>
+              <a:t>c l</a:t>
+            </a:r>
+            <a:r>
+              <a:rPr lang="en-US" altLang="it-IT" sz="1500" bmk="925"/>
+              <a:t>uct</a:t>
+            </a:r>
+            <a:r>
+              <a:rPr lang="en-US" altLang="it-IT" sz="1500" bmk="1555"/>
+              <a:t>us</a:t>
+            </a:r>
+            <a:r>
+              <a:rPr lang="en-US" altLang="it-IT" sz="1500" bmk="68"/>
               <a:t> </a:t>
             </a:r>
             <a:r>
-              <a:rPr lang="en-US" altLang="it-IT" sz="1500" bmk="1172"/>
+              <a:rPr lang="en-US" altLang="it-IT" sz="1500" bmk="935"/>
+              <a:t>n</a:t>
+            </a:r>
+            <a:r>
+              <a:rPr lang="en-US" altLang="it-IT" sz="1500" bmk="1388"/>
+              <a:t>i</a:t>
+            </a:r>
+            <a:r>
+              <a:rPr lang="en-US" altLang="it-IT" sz="1500" bmk="1584"/>
+              <a:t>s</a:t>
+            </a:r>
+            <a:r>
+              <a:rPr lang="en-US" altLang="it-IT" sz="1500" bmk="1039"/>
+              <a:t>l </a:t>
+            </a:r>
+            <a:r>
+              <a:rPr lang="en-US" altLang="it-IT" sz="1500" bmk="1137"/>
+              <a:t>b</a:t>
+            </a:r>
+            <a:r>
+              <a:rPr lang="en-US" altLang="it-IT" sz="1500" bmk="161"/>
+              <a:t>la</a:t>
+            </a:r>
+            <a:r>
+              <a:rPr lang="en-US" altLang="it-IT" sz="1500" bmk="819"/>
+              <a:t>n</a:t>
+            </a:r>
+            <a:r>
+              <a:rPr lang="en-US" altLang="it-IT" sz="1500" bmk="1730"/>
+              <a:t>d</a:t>
+            </a:r>
+            <a:r>
+              <a:rPr lang="en-US" altLang="it-IT" sz="1500" bmk="1477"/>
+              <a:t>it.</a:t>
+            </a:r>
+            <a:r>
+              <a:rPr lang="en-US" altLang="it-IT" sz="1500" bmk="640"/>
+              <a:t> </a:t>
+            </a:r>
+            <a:r>
+              <a:rPr lang="en-US" altLang="it-IT" sz="1500" bmk="77"/>
+              <a:t>I</a:t>
+            </a:r>
+            <a:r>
+              <a:rPr lang="en-US" altLang="it-IT" sz="1500" bmk="1163"/>
+              <a:t>nt</a:t>
+            </a:r>
+            <a:r>
+              <a:rPr lang="en-US" altLang="it-IT" sz="1500" bmk="1314"/>
+              <a:t>e</a:t>
+            </a:r>
+            <a:r>
+              <a:rPr lang="en-US" altLang="it-IT" sz="1500" bmk="909"/>
+              <a:t>ger</a:t>
+            </a:r>
+            <a:r>
+              <a:rPr lang="en-US" altLang="it-IT" sz="1500" bmk="685"/>
+              <a:t> </a:t>
+            </a:r>
+            <a:r>
+              <a:rPr lang="en-US" altLang="it-IT" sz="1500" bmk="652"/>
+              <a:t>l</a:t>
+            </a:r>
+            <a:r>
+              <a:rPr lang="en-US" altLang="it-IT" sz="1500" bmk="1063"/>
+              <a:t>a</a:t>
+            </a:r>
+            <a:r>
+              <a:rPr lang="en-US" altLang="it-IT" sz="1500" bmk="1228"/>
+              <a:t>ci</a:t>
+            </a:r>
+            <a:r>
+              <a:rPr lang="en-US" altLang="it-IT" sz="1500" bmk="1844"/>
+              <a:t>nia</a:t>
+            </a:r>
+            <a:r>
+              <a:rPr lang="en-US" altLang="it-IT" sz="1500" bmk="1046"/>
+              <a:t> </a:t>
+            </a:r>
+            <a:r>
+              <a:rPr lang="en-US" altLang="it-IT" sz="1500" bmk="860"/>
+              <a:t>ant</a:t>
+            </a:r>
+            <a:r>
+              <a:rPr lang="en-US" altLang="it-IT" sz="1500" bmk="148"/>
+              <a:t>e </a:t>
+            </a:r>
+            <a:r>
+              <a:rPr lang="en-US" altLang="it-IT" sz="1500" bmk="1893"/>
               <a:t>ac</a:t>
             </a:r>
             <a:r>
-              <a:rPr lang="en-US" altLang="it-IT" sz="1500" bmk="632"/>
-              <a:t> l</a:t>
-            </a:r>
-            <a:r>
-              <a:rPr lang="en-US" altLang="it-IT" sz="1500" bmk="1663"/>
-              <a:t>ibe</a:t>
+              <a:rPr lang="en-US" altLang="it-IT" sz="1500" bmk="495"/>
+              <a:t> </a:t>
+            </a:r>
+            <a:r>
+              <a:rPr lang="en-US" altLang="it-IT" sz="1500" bmk="573"/>
+              <a:t>li</a:t>
+            </a:r>
+            <a:r>
+              <a:rPr lang="en-US" altLang="it-IT" sz="1500" bmk="1025"/>
+              <a:t>ber</a:t>
+            </a:r>
+            <a:r>
+              <a:rPr lang="en-US" altLang="it-IT" sz="1500" bmk="137"/>
+              <a:t>o </a:t>
+            </a:r>
+            <a:r>
+              <a:rPr lang="en-US" altLang="it-IT" sz="1500" bmk="1399"/>
+              <a:t>lob</a:t>
+            </a:r>
+            <a:r>
+              <a:rPr lang="en-US" altLang="it-IT" sz="1500" bmk="1699"/>
+              <a:t>or</a:t>
+            </a:r>
+            <a:r>
+              <a:rPr lang="en-US" altLang="it-IT" sz="1500" bmk="1813"/>
+              <a:t>t</a:t>
+            </a:r>
+            <a:r>
+              <a:rPr lang="en-US" altLang="it-IT" sz="1500" bmk="1143"/>
+              <a:t>is</a:t>
+            </a:r>
+            <a:r>
+              <a:rPr lang="en-US" altLang="it-IT" sz="1500" bmk="313"/>
+              <a:t> im</a:t>
+            </a:r>
+            <a:r>
+              <a:rPr lang="en-US" altLang="it-IT" sz="1500" bmk="89"/>
+              <a:t>pe</a:t>
+            </a:r>
+            <a:r>
+              <a:rPr lang="en-US" altLang="it-IT" sz="1500" bmk="786"/>
+              <a:t>r</a:t>
+            </a:r>
+            <a:r>
+              <a:rPr lang="en-US" altLang="it-IT" sz="1500" bmk="1487"/>
+              <a:t>di</a:t>
+            </a:r>
+            <a:r>
+              <a:rPr lang="en-US" altLang="it-IT" sz="1500" bmk="1750"/>
+              <a:t>e</a:t>
+            </a:r>
+            <a:r>
+              <a:rPr lang="en-US" altLang="it-IT" sz="1500" bmk="1126"/>
+              <a:t>t</a:t>
+            </a:r>
+            <a:r>
+              <a:rPr lang="en-US" altLang="it-IT" sz="1500" bmk="1795"/>
+              <a:t>.</a:t>
+            </a:r>
+            <a:r>
+              <a:rPr lang="en-US" altLang="it-IT" sz="1500" bmk="340"/>
+              <a:t> Null</a:t>
+            </a:r>
+            <a:r>
+              <a:rPr lang="en-US" altLang="it-IT" sz="1500" bmk="241"/>
+              <a:t>a</a:t>
+            </a:r>
+            <a:r>
+              <a:rPr lang="en-US" altLang="it-IT" sz="1500" bmk="1723"/>
+              <a:t>m mo</a:t>
+            </a:r>
+            <a:r>
+              <a:rPr lang="en-US" altLang="it-IT" sz="1500" bmk="1242"/>
+              <a:t>l</a:t>
+            </a:r>
+            <a:r>
+              <a:rPr lang="en-US" altLang="it-IT" sz="1500" bmk="778"/>
+              <a:t>lis</a:t>
+            </a:r>
+            <a:r>
+              <a:rPr lang="en-US" altLang="it-IT" sz="1500" bmk="360"/>
+              <a:t> </a:t>
+            </a:r>
+            <a:r>
+              <a:rPr lang="en-US" altLang="it-IT" sz="1500" bmk="763"/>
+              <a:t>con</a:t>
+            </a:r>
+            <a:r>
+              <a:rPr lang="en-US" altLang="it-IT" sz="1500" bmk="559"/>
+              <a:t>val</a:t>
+            </a:r>
+            <a:r>
+              <a:rPr lang="en-US" altLang="it-IT" sz="1500" bmk="1673"/>
+              <a:t>lis </a:t>
+            </a:r>
+            <a:r>
+              <a:rPr lang="en-US" altLang="it-IT" sz="1500" bmk="1038"/>
+              <a:t>i</a:t>
+            </a:r>
+            <a:r>
+              <a:rPr lang="en-US" altLang="it-IT" sz="1500" bmk="451"/>
+              <a:t>p</a:t>
+            </a:r>
+            <a:r>
+              <a:rPr lang="en-US" altLang="it-IT" sz="1500" bmk="659"/>
+              <a:t>su</a:t>
+            </a:r>
+            <a:r>
+              <a:rPr lang="en-US" altLang="it-IT" sz="1500" bmk="1083"/>
+              <a:t>m, </a:t>
+            </a:r>
+            <a:r>
+              <a:rPr lang="en-US" altLang="it-IT" sz="1500" bmk="1059"/>
+              <a:t>a</a:t>
+            </a:r>
+            <a:r>
+              <a:rPr lang="en-US" altLang="it-IT" sz="1500" bmk="1624"/>
+              <a:t>c</a:t>
+            </a:r>
+            <a:r>
+              <a:rPr lang="en-US" altLang="it-IT" sz="1500" bmk="758"/>
+              <a:t> acc</a:t>
+            </a:r>
+            <a:r>
+              <a:rPr lang="en-US" altLang="it-IT" sz="1500" bmk="132"/>
+              <a:t>u</a:t>
+            </a:r>
+            <a:r>
+              <a:rPr lang="en-US" altLang="it-IT" sz="1500" bmk="1263"/>
+              <a:t>m</a:t>
+            </a:r>
+            <a:r>
+              <a:rPr lang="en-US" altLang="it-IT" sz="1500" bmk="106"/>
+              <a:t>san</a:t>
+            </a:r>
+            <a:r>
+              <a:rPr lang="en-US" altLang="it-IT" sz="1500" bmk="1788"/>
+              <a:t> n</a:t>
+            </a:r>
+            <a:r>
+              <a:rPr lang="en-US" altLang="it-IT" sz="1500" bmk="438"/>
+              <a:t>u</a:t>
+            </a:r>
+            <a:r>
+              <a:rPr lang="en-US" altLang="it-IT" sz="1500" bmk="1658"/>
+              <a:t>nc v</a:t>
+            </a:r>
+            <a:r>
+              <a:rPr lang="en-US" altLang="it-IT" sz="1500" bmk="518"/>
+              <a:t>ehi</a:t>
+            </a:r>
+            <a:r>
+              <a:rPr lang="en-US" altLang="it-IT" sz="1500" bmk="1777"/>
+              <a:t>c</a:t>
+            </a:r>
+            <a:r>
+              <a:rPr lang="en-US" altLang="it-IT" sz="1500" bmk="933"/>
+              <a:t>ul</a:t>
+            </a:r>
+            <a:r>
+              <a:rPr lang="en-US" altLang="it-IT" sz="1500" bmk="1165"/>
+              <a:t>a</a:t>
+            </a:r>
+            <a:r>
+              <a:rPr lang="en-US" altLang="it-IT" sz="1500" bmk="231"/>
+              <a:t> vita</a:t>
+            </a:r>
+            <a:r>
+              <a:rPr lang="en-US" altLang="it-IT" sz="1500" bmk="1349"/>
+              <a:t>e</a:t>
+            </a:r>
+            <a:r>
+              <a:rPr lang="en-US" altLang="it-IT" sz="1500" bmk="464"/>
+              <a:t>. Nu</a:t>
+            </a:r>
+            <a:r>
+              <a:rPr lang="en-US" altLang="it-IT" sz="1500" bmk="614"/>
+              <a:t>ll</a:t>
+            </a:r>
+            <a:r>
+              <a:rPr lang="en-US" altLang="it-IT" sz="1500" bmk="524"/>
+              <a:t>a</a:t>
+            </a:r>
+            <a:r>
+              <a:rPr lang="en-US" altLang="it-IT" sz="1500" bmk="457"/>
+              <a:t> </a:t>
+            </a:r>
+            <a:r>
+              <a:rPr lang="en-US" altLang="it-IT" sz="1500" bmk="1408"/>
+              <a:t>eg</a:t>
+            </a:r>
+            <a:r>
+              <a:rPr lang="en-US" altLang="it-IT" sz="1500" bmk="461"/>
+              <a:t>et</a:t>
+            </a:r>
+            <a:r>
+              <a:rPr lang="en-US" altLang="it-IT" sz="1500" bmk="1307"/>
+              <a:t> j</a:t>
+            </a:r>
+            <a:r>
+              <a:rPr lang="en-US" altLang="it-IT" sz="1500" bmk="1899"/>
+              <a:t>u</a:t>
+            </a:r>
+            <a:r>
+              <a:rPr lang="en-US" altLang="it-IT" sz="1500" bmk="231"/>
+              <a:t>st</a:t>
+            </a:r>
+            <a:r>
+              <a:rPr lang="en-US" altLang="it-IT" sz="1500" bmk="949"/>
+              <a:t>o</a:t>
+            </a:r>
+            <a:r>
+              <a:rPr lang="en-US" altLang="it-IT" sz="1500" bmk="262"/>
+              <a:t> in </a:t>
+            </a:r>
+            <a:r>
+              <a:rPr lang="en-US" altLang="it-IT" sz="1500" bmk="31"/>
+              <a:t>f</a:t>
+            </a:r>
+            <a:r>
+              <a:rPr lang="en-US" altLang="it-IT" sz="1500" bmk="1159"/>
+              <a:t>e</a:t>
+            </a:r>
+            <a:r>
+              <a:rPr lang="en-US" altLang="it-IT" sz="1500" bmk="134"/>
+              <a:t>lis tri</a:t>
+            </a:r>
+            <a:r>
+              <a:rPr lang="en-US" altLang="it-IT" sz="1500" bmk="210"/>
+              <a:t>s</a:t>
+            </a:r>
+            <a:r>
+              <a:rPr lang="en-US" altLang="it-IT" sz="1500" bmk="17"/>
+              <a:t>t</a:t>
+            </a:r>
+            <a:r>
+              <a:rPr lang="en-US" altLang="it-IT" sz="1500" bmk="1767"/>
+              <a:t>ique </a:t>
+            </a:r>
+            <a:r>
+              <a:rPr lang="en-US" altLang="it-IT" sz="1500" bmk="177"/>
+              <a:t>f</a:t>
+            </a:r>
+            <a:r>
+              <a:rPr lang="en-US" altLang="it-IT" sz="1500" bmk="745"/>
+              <a:t>ri</a:t>
+            </a:r>
+            <a:r>
+              <a:rPr lang="en-US" altLang="it-IT" sz="1500" bmk="1820"/>
+              <a:t>ng</a:t>
+            </a:r>
+            <a:r>
+              <a:rPr lang="en-US" altLang="it-IT" sz="1500" bmk="775"/>
+              <a:t>ill</a:t>
+            </a:r>
+            <a:r>
+              <a:rPr lang="en-US" altLang="it-IT" sz="1500" bmk="1378"/>
+              <a:t>a</a:t>
+            </a:r>
+            <a:r>
+              <a:rPr lang="en-US" altLang="it-IT" sz="1500" bmk="153"/>
+              <a:t>. </a:t>
+            </a:r>
+            <a:r>
+              <a:rPr lang="en-US" altLang="it-IT" sz="1500" bmk="1348"/>
+              <a:t>Mo</a:t>
+            </a:r>
+            <a:r>
+              <a:rPr lang="en-US" altLang="it-IT" sz="1500" bmk="535"/>
+              <a:t>r</a:t>
+            </a:r>
+            <a:r>
+              <a:rPr lang="en-US" altLang="it-IT" sz="1500" bmk="123"/>
+              <a:t>bi </a:t>
+            </a:r>
+            <a:r>
+              <a:rPr lang="en-US" altLang="it-IT" sz="1500" bmk="806"/>
+              <a:t>s</a:t>
+            </a:r>
+            <a:r>
+              <a:rPr lang="en-US" altLang="it-IT" sz="1500" bmk="1850"/>
+              <a:t>it</a:t>
+            </a:r>
+            <a:r>
+              <a:rPr lang="en-US" altLang="it-IT" sz="1500" bmk="1079"/>
+              <a:t> </a:t>
+            </a:r>
+            <a:r>
+              <a:rPr lang="en-US" altLang="it-IT" sz="1500" bmk="1292"/>
+              <a:t>a</a:t>
+            </a:r>
+            <a:r>
+              <a:rPr lang="en-US" altLang="it-IT" sz="1500" bmk="1539"/>
+              <a:t>me</a:t>
+            </a:r>
+            <a:r>
+              <a:rPr lang="en-US" altLang="it-IT" sz="1500" bmk="1130"/>
+              <a:t>t</a:t>
+            </a:r>
+            <a:r>
+              <a:rPr lang="en-US" altLang="it-IT" sz="1500" bmk="1147"/>
+              <a:t> tor</a:t>
+            </a:r>
+            <a:r>
+              <a:rPr lang="en-US" altLang="it-IT" sz="1500" bmk="1242"/>
+              <a:t>tor</a:t>
+            </a:r>
+            <a:r>
+              <a:rPr lang="en-US" altLang="it-IT" sz="1500" bmk="1141"/>
+              <a:t> </a:t>
+            </a:r>
+            <a:r>
+              <a:rPr lang="en-US" altLang="it-IT" sz="1500" bmk="569"/>
+              <a:t>qu</a:t>
+            </a:r>
+            <a:r>
+              <a:rPr lang="en-US" altLang="it-IT" sz="1500" bmk="1646"/>
+              <a:t>i</a:t>
+            </a:r>
+            <a:r>
+              <a:rPr lang="en-US" altLang="it-IT" sz="1500" bmk="231"/>
+              <a:t>s</a:t>
+            </a:r>
+            <a:r>
+              <a:rPr lang="en-US" altLang="it-IT" sz="1500" bmk="1869"/>
+              <a:t> </a:t>
+            </a:r>
+            <a:r>
+              <a:rPr lang="en-US" altLang="it-IT" sz="1500" bmk="303"/>
+              <a:t>ri</a:t>
+            </a:r>
+            <a:r>
+              <a:rPr lang="en-US" altLang="it-IT" sz="1500" bmk="344"/>
+              <a:t>s</a:t>
+            </a:r>
+            <a:r>
+              <a:rPr lang="en-US" altLang="it-IT" sz="1500" bmk="466"/>
+              <a:t>us</a:t>
+            </a:r>
+            <a:r>
+              <a:rPr lang="en-US" altLang="it-IT" sz="1500" bmk="1750"/>
+              <a:t> </a:t>
+            </a:r>
+            <a:r>
+              <a:rPr lang="en-US" altLang="it-IT" sz="1500" bmk="256"/>
+              <a:t>au</a:t>
+            </a:r>
+            <a:r>
+              <a:rPr lang="en-US" altLang="it-IT" sz="1500" bmk="1094"/>
+              <a:t>ct</a:t>
+            </a:r>
+            <a:r>
+              <a:rPr lang="en-US" altLang="it-IT" sz="1500" bmk="1212"/>
+              <a:t>o</a:t>
+            </a:r>
+            <a:r>
+              <a:rPr lang="en-US" altLang="it-IT" sz="1500" bmk="1771"/>
+              <a:t>r </a:t>
+            </a:r>
+            <a:r>
+              <a:rPr lang="en-US" altLang="it-IT" sz="1500" bmk="164"/>
+              <a:t>c</a:t>
+            </a:r>
+            <a:r>
+              <a:rPr lang="en-US" altLang="it-IT" sz="1500" bmk="1270"/>
+              <a:t>ondi</a:t>
+            </a:r>
+            <a:r>
+              <a:rPr lang="en-US" altLang="it-IT" sz="1500" bmk="1346"/>
+              <a:t>m</a:t>
+            </a:r>
+            <a:r>
+              <a:rPr lang="en-US" altLang="it-IT" sz="1500" bmk="641"/>
+              <a:t>entu</a:t>
+            </a:r>
+            <a:r>
+              <a:rPr lang="en-US" altLang="it-IT" sz="1500" bmk="1348"/>
+              <a:t>m. </a:t>
+            </a:r>
+            <a:r>
+              <a:rPr lang="en-US" altLang="it-IT" sz="1500" bmk="366"/>
+              <a:t>M</a:t>
+            </a:r>
+            <a:r>
+              <a:rPr lang="en-US" altLang="it-IT" sz="1500" bmk="1258"/>
+              <a:t>or</a:t>
+            </a:r>
+            <a:r>
+              <a:rPr lang="en-US" altLang="it-IT" sz="1500" bmk="1823"/>
+              <a:t>b</a:t>
+            </a:r>
+            <a:r>
+              <a:rPr lang="en-US" altLang="it-IT" sz="1500" bmk="1442"/>
+              <a:t>i</a:t>
+            </a:r>
+            <a:r>
+              <a:rPr lang="en-US" altLang="it-IT" sz="1500" bmk="752"/>
+              <a:t> in </a:t>
+            </a:r>
+            <a:r>
+              <a:rPr lang="en-US" altLang="it-IT" sz="1500" bmk="1810"/>
+              <a:t>u</a:t>
+            </a:r>
+            <a:r>
+              <a:rPr lang="en-US" altLang="it-IT" sz="1500" bmk="1003"/>
+              <a:t>llamco</a:t>
+            </a:r>
+            <a:r>
+              <a:rPr lang="en-US" altLang="it-IT" sz="1500" bmk="1491"/>
+              <a:t>r</a:t>
+            </a:r>
+            <a:r>
+              <a:rPr lang="en-US" altLang="it-IT" sz="1500" bmk="459"/>
+              <a:t>p</a:t>
+            </a:r>
+            <a:r>
+              <a:rPr lang="en-US" altLang="it-IT" sz="1500" bmk="656"/>
+              <a:t>er e</a:t>
+            </a:r>
+            <a:r>
+              <a:rPr lang="en-US" altLang="it-IT" sz="1500" bmk="649"/>
+              <a:t>li</a:t>
+            </a:r>
+            <a:r>
+              <a:rPr lang="en-US" altLang="it-IT" sz="1500" bmk="1754"/>
+              <a:t>t</a:t>
+            </a:r>
+            <a:r>
+              <a:rPr lang="en-US" altLang="it-IT" sz="1500" bmk="652"/>
+              <a:t>. Nu</a:t>
+            </a:r>
+            <a:r>
+              <a:rPr lang="en-US" altLang="it-IT" sz="1500" bmk="105"/>
+              <a:t>l</a:t>
+            </a:r>
+            <a:r>
+              <a:rPr lang="en-US" altLang="it-IT" sz="1500" bmk="475"/>
+              <a:t>la</a:t>
+            </a:r>
+            <a:r>
+              <a:rPr lang="en-US" altLang="it-IT" sz="1500" bmk="1701"/>
+              <a:t> i</a:t>
+            </a:r>
+            <a:r>
+              <a:rPr lang="en-US" altLang="it-IT" sz="1500" bmk="398"/>
+              <a:t>acu</a:t>
+            </a:r>
+            <a:r>
+              <a:rPr lang="en-US" altLang="it-IT" sz="1500" bmk="4"/>
+              <a:t>l</a:t>
+            </a:r>
+            <a:r>
+              <a:rPr lang="en-US" altLang="it-IT" sz="1500" bmk="367"/>
+              <a:t>is</a:t>
+            </a:r>
+            <a:r>
+              <a:rPr lang="en-US" altLang="it-IT" sz="1500" bmk="1722"/>
+              <a:t> tellu</a:t>
+            </a:r>
+            <a:r>
+              <a:rPr lang="en-US" altLang="it-IT" sz="1500" bmk="1399"/>
+              <a:t>s s</a:t>
+            </a:r>
+            <a:r>
+              <a:rPr lang="en-US" altLang="it-IT" sz="1500" bmk="1054"/>
+              <a:t>i</a:t>
+            </a:r>
+            <a:r>
+              <a:rPr lang="en-US" altLang="it-IT" sz="1500" bmk="679"/>
+              <a:t>t</a:t>
+            </a:r>
+            <a:r>
+              <a:rPr lang="en-US" altLang="it-IT" sz="1500" bmk="532"/>
+              <a:t> </a:t>
+            </a:r>
+            <a:r>
+              <a:rPr lang="en-US" altLang="it-IT" sz="1500" bmk="1711"/>
+              <a:t>am</a:t>
+            </a:r>
+            <a:r>
+              <a:rPr lang="en-US" altLang="it-IT" sz="1500" bmk="1594"/>
+              <a:t>et </a:t>
+            </a:r>
+            <a:r>
+              <a:rPr lang="en-US" altLang="it-IT" sz="1500" bmk="971"/>
+              <a:t>m</a:t>
             </a:r>
             <a:r>
               <a:rPr lang="en-US" altLang="it-IT" sz="1500" bmk="1633"/>
+              <a:t>a</a:t>
+            </a:r>
+            <a:r>
+              <a:rPr lang="en-US" altLang="it-IT" sz="1500" bmk="123"/>
+              <a:t>u</a:t>
+            </a:r>
+            <a:r>
+              <a:rPr lang="en-US" altLang="it-IT" sz="1500" bmk="1486"/>
+              <a:t>ri</a:t>
+            </a:r>
+            <a:r>
+              <a:rPr lang="en-US" altLang="it-IT" sz="1500" bmk="65"/>
+              <a:t>s t</a:t>
+            </a:r>
+            <a:r>
+              <a:rPr lang="en-US" altLang="it-IT" sz="1500" bmk="1504"/>
+              <a:t>emp</a:t>
+            </a:r>
+            <a:r>
+              <a:rPr lang="en-US" altLang="it-IT" sz="1500" bmk="22"/>
+              <a:t>us</a:t>
+            </a:r>
+            <a:r>
+              <a:rPr lang="en-US" altLang="it-IT" sz="1500" bmk="104"/>
+              <a:t> f</a:t>
+            </a:r>
+            <a:r>
+              <a:rPr lang="en-US" altLang="it-IT" sz="1500" bmk="1296"/>
               <a:t>r</a:t>
             </a:r>
             <a:r>
-              <a:rPr lang="en-US" altLang="it-IT" sz="1500" bmk="1144"/>
-              <a:t>o </a:t>
-            </a:r>
-            <a:r>
-              <a:rPr lang="en-US" altLang="it-IT" sz="1500" bmk="1405"/>
+              <a:rPr lang="en-US" altLang="it-IT" sz="1500" bmk="1824"/>
+              <a:t>ing</a:t>
+            </a:r>
+            <a:r>
+              <a:rPr lang="en-US" altLang="it-IT" sz="1500" bmk="529"/>
+              <a:t>i</a:t>
+            </a:r>
+            <a:r>
+              <a:rPr lang="en-US" altLang="it-IT" sz="1500" bmk="1193"/>
               <a:t>l</a:t>
             </a:r>
             <a:r>
-              <a:rPr lang="en-US" altLang="it-IT" sz="1500" bmk="168"/>
-              <a:t>obo</a:t>
-            </a:r>
-            <a:r>
-              <a:rPr lang="en-US" altLang="it-IT" sz="1500" bmk="754"/>
-              <a:t>r</a:t>
-            </a:r>
-            <a:r>
-              <a:rPr lang="en-US" altLang="it-IT" sz="1500" bmk="809"/>
-              <a:t>tis</a:t>
-            </a:r>
-            <a:r>
-              <a:rPr lang="en-US" altLang="it-IT" sz="1500" bmk="1351"/>
-              <a:t> im</a:t>
-            </a:r>
-            <a:r>
-              <a:rPr lang="en-US" altLang="it-IT" sz="1500" bmk="1025"/>
-              <a:t>p</a:t>
-            </a:r>
-            <a:r>
-              <a:rPr lang="en-US" altLang="it-IT" sz="1500" bmk="105"/>
-              <a:t>er</a:t>
-            </a:r>
-            <a:r>
-              <a:rPr lang="en-US" altLang="it-IT" sz="1500" bmk="704"/>
-              <a:t>di</a:t>
-            </a:r>
-            <a:r>
-              <a:rPr lang="en-US" altLang="it-IT" sz="1500" bmk="955"/>
-              <a:t>et</a:t>
-            </a:r>
-            <a:r>
-              <a:rPr lang="en-US" altLang="it-IT" sz="1500" bmk="1846"/>
+              <a:rPr lang="en-US" altLang="it-IT" sz="1500" bmk="842"/>
+              <a:t>la</a:t>
+            </a:r>
+            <a:r>
+              <a:rPr lang="en-US" altLang="it-IT" sz="1500" bmk="0"/>
               <a:t>.</a:t>
-            </a:r>
-            <a:r>
-              <a:rPr lang="en-US" altLang="it-IT" sz="1500" bmk="1658"/>
-              <a:t> Null</a:t>
-            </a:r>
-            <a:r>
-              <a:rPr lang="en-US" altLang="it-IT" sz="1500" bmk="120"/>
-              <a:t>a</a:t>
-            </a:r>
-            <a:r>
-              <a:rPr lang="en-US" altLang="it-IT" sz="1500" bmk="1457"/>
-              <a:t>m</a:t>
-            </a:r>
-            <a:r>
-              <a:rPr lang="en-US" altLang="it-IT" sz="1500" bmk="1674"/>
-              <a:t> m</a:t>
-            </a:r>
-            <a:r>
-              <a:rPr lang="en-US" altLang="it-IT" sz="1500" bmk="1518"/>
-              <a:t>olli</a:t>
-            </a:r>
-            <a:r>
-              <a:rPr lang="en-US" altLang="it-IT" sz="1500" bmk="1432"/>
-              <a:t>s</a:t>
-            </a:r>
-            <a:r>
-              <a:rPr lang="en-US" altLang="it-IT" sz="1500" bmk="646"/>
-              <a:t> co</a:t>
-            </a:r>
-            <a:r>
-              <a:rPr lang="en-US" altLang="it-IT" sz="1500" bmk="59"/>
-              <a:t>nv</a:t>
-            </a:r>
-            <a:r>
-              <a:rPr lang="en-US" altLang="it-IT" sz="1500" bmk="1471"/>
-              <a:t>al</a:t>
-            </a:r>
-            <a:r>
-              <a:rPr lang="en-US" altLang="it-IT" sz="1500" bmk="1488"/>
-              <a:t>l</a:t>
-            </a:r>
-            <a:r>
-              <a:rPr lang="en-US" altLang="it-IT" sz="1500" bmk="1161"/>
-              <a:t>is i</a:t>
-            </a:r>
-            <a:r>
-              <a:rPr lang="en-US" altLang="it-IT" sz="1500" bmk="1728"/>
-              <a:t>p</a:t>
-            </a:r>
-            <a:r>
-              <a:rPr lang="en-US" altLang="it-IT" sz="1500" bmk="569"/>
-              <a:t>su</a:t>
-            </a:r>
-            <a:r>
-              <a:rPr lang="en-US" altLang="it-IT" sz="1500" bmk="587"/>
-              <a:t>m</a:t>
-            </a:r>
-            <a:r>
-              <a:rPr lang="en-US" altLang="it-IT" sz="1500" bmk="1115"/>
-              <a:t>, </a:t>
-            </a:r>
-            <a:r>
-              <a:rPr lang="en-US" altLang="it-IT" sz="1500" bmk="341"/>
-              <a:t>a</a:t>
-            </a:r>
-            <a:r>
-              <a:rPr lang="en-US" altLang="it-IT" sz="1500" bmk="1882"/>
-              <a:t>c </a:t>
-            </a:r>
-            <a:r>
-              <a:rPr lang="en-US" altLang="it-IT" sz="1500" bmk="1205"/>
-              <a:t>ac</a:t>
-            </a:r>
-            <a:r>
-              <a:rPr lang="en-US" altLang="it-IT" sz="1500" bmk="657"/>
-              <a:t>c</a:t>
-            </a:r>
-            <a:r>
-              <a:rPr lang="en-US" altLang="it-IT" sz="1500" bmk="938"/>
-              <a:t>um</a:t>
-            </a:r>
-            <a:r>
-              <a:rPr lang="en-US" altLang="it-IT" sz="1500" bmk="252"/>
-              <a:t>san n</a:t>
-            </a:r>
-            <a:r>
-              <a:rPr lang="en-US" altLang="it-IT" sz="1500" bmk="54"/>
-              <a:t>u</a:t>
-            </a:r>
-            <a:r>
-              <a:rPr lang="en-US" altLang="it-IT" sz="1500" bmk="1565"/>
-              <a:t>nc</a:t>
-            </a:r>
-            <a:r>
-              <a:rPr lang="en-US" altLang="it-IT" sz="1500" bmk="64"/>
-              <a:t> v</a:t>
-            </a:r>
-            <a:r>
-              <a:rPr lang="en-US" altLang="it-IT" sz="1500" bmk="1357"/>
-              <a:t>e</a:t>
-            </a:r>
-            <a:r>
-              <a:rPr lang="en-US" altLang="it-IT" sz="1500" bmk="994"/>
-              <a:t>hi</a:t>
-            </a:r>
-            <a:r>
-              <a:rPr lang="en-US" altLang="it-IT" sz="1500" bmk="647"/>
-              <a:t>c</a:t>
-            </a:r>
-            <a:r>
-              <a:rPr lang="en-US" altLang="it-IT" sz="1500" bmk="514"/>
-              <a:t>ula v</a:t>
-            </a:r>
-            <a:r>
-              <a:rPr lang="en-US" altLang="it-IT" sz="1500" bmk="1676"/>
-              <a:t>ita</a:t>
-            </a:r>
-            <a:r>
-              <a:rPr lang="en-US" altLang="it-IT" sz="1500" bmk="1393"/>
-              <a:t>e</a:t>
-            </a:r>
-            <a:r>
-              <a:rPr lang="en-US" altLang="it-IT" sz="1500" bmk="1479"/>
-              <a:t>. Null</a:t>
-            </a:r>
-            <a:r>
-              <a:rPr lang="en-US" altLang="it-IT" sz="1500" bmk="667"/>
-              <a:t>a e</a:t>
-            </a:r>
-            <a:r>
-              <a:rPr lang="en-US" altLang="it-IT" sz="1500" bmk="581"/>
-              <a:t>get j</a:t>
-            </a:r>
-            <a:r>
-              <a:rPr lang="en-US" altLang="it-IT" sz="1500" bmk="756"/>
-              <a:t>u</a:t>
-            </a:r>
-            <a:r>
-              <a:rPr lang="en-US" altLang="it-IT" sz="1500" bmk="604"/>
-              <a:t>sto </a:t>
-            </a:r>
-            <a:r>
-              <a:rPr lang="en-US" altLang="it-IT" sz="1500" bmk="1812"/>
-              <a:t>i</a:t>
-            </a:r>
-            <a:r>
-              <a:rPr lang="en-US" altLang="it-IT" sz="1500" bmk="776"/>
-              <a:t>n </a:t>
-            </a:r>
-            <a:r>
-              <a:rPr lang="en-US" altLang="it-IT" sz="1500" bmk="927"/>
-              <a:t>f</a:t>
-            </a:r>
-            <a:r>
-              <a:rPr lang="en-US" altLang="it-IT" sz="1500" bmk="612"/>
-              <a:t>el</a:t>
-            </a:r>
-            <a:r>
-              <a:rPr lang="en-US" altLang="it-IT" sz="1500" bmk="704"/>
-              <a:t>i</a:t>
-            </a:r>
-            <a:r>
-              <a:rPr lang="en-US" altLang="it-IT" sz="1500" bmk="1178"/>
-              <a:t>s </a:t>
-            </a:r>
-            <a:r>
-              <a:rPr lang="en-US" altLang="it-IT" sz="1500" bmk="1733"/>
-              <a:t>tr</a:t>
-            </a:r>
-            <a:r>
-              <a:rPr lang="en-US" altLang="it-IT" sz="1500" bmk="1555"/>
-              <a:t>is</a:t>
-            </a:r>
-            <a:r>
-              <a:rPr lang="en-US" altLang="it-IT" sz="1500" bmk="182"/>
-              <a:t>t</a:t>
-            </a:r>
-            <a:r>
-              <a:rPr lang="en-US" altLang="it-IT" sz="1500" bmk="1458"/>
-              <a:t>iq</a:t>
-            </a:r>
-            <a:r>
-              <a:rPr lang="en-US" altLang="it-IT" sz="1500" bmk="539"/>
-              <a:t>ue </a:t>
-            </a:r>
-            <a:r>
-              <a:rPr lang="en-US" altLang="it-IT" sz="1500" bmk="1871"/>
-              <a:t>f</a:t>
-            </a:r>
-            <a:r>
-              <a:rPr lang="en-US" altLang="it-IT" sz="1500" bmk="725"/>
-              <a:t>ring</a:t>
-            </a:r>
-            <a:r>
-              <a:rPr lang="en-US" altLang="it-IT" sz="1500" bmk="1824"/>
-              <a:t>i</a:t>
-            </a:r>
-            <a:r>
-              <a:rPr lang="en-US" altLang="it-IT" sz="1500" bmk="840"/>
-              <a:t>ll</a:t>
-            </a:r>
-            <a:r>
-              <a:rPr lang="en-US" altLang="it-IT" sz="1500" bmk="143"/>
-              <a:t>a</a:t>
-            </a:r>
-            <a:r>
-              <a:rPr lang="en-US" altLang="it-IT" sz="1500" bmk="573"/>
-              <a:t>. Mor</a:t>
-            </a:r>
-            <a:r>
-              <a:rPr lang="en-US" altLang="it-IT" sz="1500" bmk="298"/>
-              <a:t>bi</a:t>
-            </a:r>
-            <a:r>
-              <a:rPr lang="en-US" altLang="it-IT" sz="1500" bmk="755"/>
-              <a:t> s</a:t>
-            </a:r>
-            <a:r>
-              <a:rPr lang="en-US" altLang="it-IT" sz="1500" bmk="1336"/>
-              <a:t>it a</a:t>
-            </a:r>
-            <a:r>
-              <a:rPr lang="en-US" altLang="it-IT" sz="1500" bmk="243"/>
-              <a:t>met</a:t>
-            </a:r>
-            <a:r>
-              <a:rPr lang="en-US" altLang="it-IT" sz="1500" bmk="101"/>
-              <a:t> </a:t>
-            </a:r>
-            <a:r>
-              <a:rPr lang="en-US" altLang="it-IT" sz="1500" bmk="1016"/>
-              <a:t>to</a:t>
-            </a:r>
-            <a:r>
-              <a:rPr lang="en-US" altLang="it-IT" sz="1500" bmk="72"/>
-              <a:t>rtor</a:t>
-            </a:r>
-            <a:r>
-              <a:rPr lang="en-US" altLang="it-IT" sz="1500" bmk="1879"/>
-              <a:t> </a:t>
-            </a:r>
-            <a:r>
-              <a:rPr lang="en-US" altLang="it-IT" sz="1500" bmk="1616"/>
-              <a:t>qui</a:t>
-            </a:r>
-            <a:r>
-              <a:rPr lang="en-US" altLang="it-IT" sz="1500" bmk="1602"/>
-              <a:t>s ris</a:t>
-            </a:r>
-            <a:r>
-              <a:rPr lang="en-US" altLang="it-IT" sz="1500" bmk="36"/>
-              <a:t>u</a:t>
-            </a:r>
-            <a:r>
-              <a:rPr lang="en-US" altLang="it-IT" sz="1500" bmk="156"/>
-              <a:t>s </a:t>
-            </a:r>
-            <a:r>
-              <a:rPr lang="en-US" altLang="it-IT" sz="1500" bmk="1232"/>
-              <a:t>auct</a:t>
-            </a:r>
-            <a:r>
-              <a:rPr lang="en-US" altLang="it-IT" sz="1500" bmk="239"/>
-              <a:t>or </a:t>
-            </a:r>
-            <a:r>
-              <a:rPr lang="en-US" altLang="it-IT" sz="1500" bmk="1470"/>
-              <a:t>c</a:t>
-            </a:r>
-            <a:r>
-              <a:rPr lang="en-US" altLang="it-IT" sz="1500" bmk="105"/>
-              <a:t>on</a:t>
-            </a:r>
-            <a:r>
-              <a:rPr lang="en-US" altLang="it-IT" sz="1500" bmk="1809"/>
-              <a:t>di</a:t>
-            </a:r>
-            <a:r>
-              <a:rPr lang="en-US" altLang="it-IT" sz="1500" bmk="1059"/>
-              <a:t>men</a:t>
-            </a:r>
-            <a:r>
-              <a:rPr lang="en-US" altLang="it-IT" sz="1500" bmk="1894"/>
-              <a:t>t</a:t>
-            </a:r>
-            <a:r>
-              <a:rPr lang="en-US" altLang="it-IT" sz="1500" bmk="1125"/>
-              <a:t>u</a:t>
-            </a:r>
-            <a:r>
-              <a:rPr lang="en-US" altLang="it-IT" sz="1500" bmk="1360"/>
-              <a:t>m</a:t>
-            </a:r>
-            <a:r>
-              <a:rPr lang="en-US" altLang="it-IT" sz="1500" bmk="1476"/>
-              <a:t>. M</a:t>
-            </a:r>
-            <a:r>
-              <a:rPr lang="en-US" altLang="it-IT" sz="1500" bmk="541"/>
-              <a:t>o</a:t>
-            </a:r>
-            <a:r>
-              <a:rPr lang="en-US" altLang="it-IT" sz="1500" bmk="515"/>
-              <a:t>rb</a:t>
-            </a:r>
-            <a:r>
-              <a:rPr lang="en-US" altLang="it-IT" sz="1500" bmk="592"/>
-              <a:t>i in</a:t>
-            </a:r>
-            <a:r>
-              <a:rPr lang="en-US" altLang="it-IT" sz="1500" bmk="915"/>
-              <a:t> ul</a:t>
-            </a:r>
-            <a:r>
-              <a:rPr lang="en-US" altLang="it-IT" sz="1500" bmk="429"/>
-              <a:t>l</a:t>
-            </a:r>
-            <a:r>
-              <a:rPr lang="en-US" altLang="it-IT" sz="1500" bmk="1508"/>
-              <a:t>a</a:t>
-            </a:r>
-            <a:r>
-              <a:rPr lang="en-US" altLang="it-IT" sz="1500" bmk="1502"/>
-              <a:t>mco</a:t>
-            </a:r>
-            <a:r>
-              <a:rPr lang="en-US" altLang="it-IT" sz="1500" bmk="1759"/>
-              <a:t>r</a:t>
-            </a:r>
-            <a:r>
-              <a:rPr lang="en-US" altLang="it-IT" sz="1500" bmk="1759"/>
-              <a:t>p</a:t>
-            </a:r>
-            <a:r>
-              <a:rPr lang="en-US" altLang="it-IT" sz="1500" bmk="1084"/>
-              <a:t>er eli</a:t>
-            </a:r>
-            <a:r>
-              <a:rPr lang="en-US" altLang="it-IT" sz="1500" bmk="485"/>
-              <a:t>t</a:t>
-            </a:r>
-            <a:r>
-              <a:rPr lang="en-US" altLang="it-IT" sz="1500" bmk="299"/>
-              <a:t>. </a:t>
-            </a:r>
-            <a:r>
-              <a:rPr lang="en-US" altLang="it-IT" sz="1500" bmk="1533"/>
-              <a:t>Nu</a:t>
-            </a:r>
-            <a:r>
-              <a:rPr lang="en-US" altLang="it-IT" sz="1500" bmk="1812"/>
-              <a:t>l</a:t>
-            </a:r>
-            <a:r>
-              <a:rPr lang="en-US" altLang="it-IT" sz="1500" bmk="747"/>
-              <a:t>la</a:t>
-            </a:r>
-            <a:r>
-              <a:rPr lang="en-US" altLang="it-IT" sz="1500" bmk="1559"/>
-              <a:t> i</a:t>
-            </a:r>
-            <a:r>
-              <a:rPr lang="en-US" altLang="it-IT" sz="1500" bmk="1466"/>
-              <a:t>ac</a:t>
-            </a:r>
-            <a:r>
-              <a:rPr lang="en-US" altLang="it-IT" sz="1500" bmk="1030"/>
-              <a:t>ul</a:t>
-            </a:r>
-            <a:r>
-              <a:rPr lang="en-US" altLang="it-IT" sz="1500" bmk="1816"/>
-              <a:t>is</a:t>
-            </a:r>
-            <a:r>
-              <a:rPr lang="en-US" altLang="it-IT" sz="1500" bmk="1815"/>
-              <a:t> t</a:t>
-            </a:r>
-            <a:r>
-              <a:rPr lang="en-US" altLang="it-IT" sz="1500" bmk="1038"/>
-              <a:t>ellus </a:t>
-            </a:r>
-            <a:r>
-              <a:rPr lang="en-US" altLang="it-IT" sz="1500" bmk="1742"/>
-              <a:t>s</a:t>
-            </a:r>
-            <a:r>
-              <a:rPr lang="en-US" altLang="it-IT" sz="1500" bmk="592"/>
-              <a:t>i</a:t>
-            </a:r>
-            <a:r>
-              <a:rPr lang="en-US" altLang="it-IT" sz="1500" bmk="1593"/>
-              <a:t>t </a:t>
-            </a:r>
-            <a:r>
-              <a:rPr lang="en-US" altLang="it-IT" sz="1500" bmk="1690"/>
-              <a:t>a</a:t>
-            </a:r>
-            <a:r>
-              <a:rPr lang="en-US" altLang="it-IT" sz="1500" bmk="542"/>
-              <a:t>m</a:t>
-            </a:r>
-            <a:r>
-              <a:rPr lang="en-US" altLang="it-IT" sz="1500" bmk="1522"/>
-              <a:t>et</a:t>
-            </a:r>
-            <a:r>
-              <a:rPr lang="en-US" altLang="it-IT" sz="1500" bmk="1765"/>
-              <a:t> ma</a:t>
-            </a:r>
-            <a:r>
-              <a:rPr lang="en-US" altLang="it-IT" sz="1500" bmk="371"/>
-              <a:t>ur</a:t>
-            </a:r>
-            <a:r>
-              <a:rPr lang="en-US" altLang="it-IT" sz="1500" bmk="494"/>
-              <a:t>i</a:t>
-            </a:r>
-            <a:r>
-              <a:rPr lang="en-US" altLang="it-IT" sz="1500" bmk="738"/>
-              <a:t>s </a:t>
-            </a:r>
-            <a:r>
-              <a:rPr lang="en-US" altLang="it-IT" sz="1500" bmk="320"/>
-              <a:t>tem</a:t>
-            </a:r>
-            <a:r>
-              <a:rPr lang="en-US" altLang="it-IT" sz="1500" bmk="658"/>
-              <a:t>p</a:t>
-            </a:r>
-            <a:r>
-              <a:rPr lang="en-US" altLang="it-IT" sz="1500" bmk="1248"/>
-              <a:t>us</a:t>
-            </a:r>
-            <a:r>
-              <a:rPr lang="en-US" altLang="it-IT" sz="1500" bmk="943"/>
-              <a:t> f</a:t>
-            </a:r>
-            <a:r>
-              <a:rPr lang="en-US" altLang="it-IT" sz="1500" bmk="483"/>
-              <a:t>r</a:t>
-            </a:r>
-            <a:r>
-              <a:rPr lang="en-US" altLang="it-IT" sz="1500" bmk="568"/>
-              <a:t>in</a:t>
-            </a:r>
-            <a:r>
-              <a:rPr lang="en-US" altLang="it-IT" sz="1500" bmk="1788"/>
-              <a:t>g</a:t>
-            </a:r>
-            <a:r>
-              <a:rPr lang="en-US" altLang="it-IT" sz="1500" bmk="494"/>
-              <a:t>i</a:t>
-            </a:r>
-            <a:r>
-              <a:rPr lang="en-US" altLang="it-IT" sz="1500" bmk="576"/>
-              <a:t>lla</a:t>
-            </a:r>
-            <a:r>
-              <a:rPr lang="en-US" altLang="it-IT" sz="1500" bmk="638"/>
-              <a:t>.</a:t>
-            </a:r>
-            <a:r>
-              <a:rPr lang="en-US" altLang="it-IT" sz="1500" bmk="1152"/>
-              <a:t/>
             </a:r>
           </a:p>
           <a:p>
@@ -11864,680 +11948,744 @@
               </a:tabLst>
             </a:pPr>
             <a:r>
-              <a:rPr lang="en-US" altLang="it-IT" sz="1500" bmk="1847"/>
-              <a:t>Mae</a:t>
-            </a:r>
-            <a:r>
-              <a:rPr lang="en-US" altLang="it-IT" sz="1500" bmk="19"/>
-              <a:t>ce</a:t>
-            </a:r>
-            <a:r>
-              <a:rPr lang="en-US" altLang="it-IT" sz="1500" bmk="1702"/>
+              <a:rPr lang="en-US" altLang="it-IT" sz="1500" bmk="1102"/>
+              <a:t>Maecen</a:t>
+            </a:r>
+            <a:r>
+              <a:rPr lang="en-US" altLang="it-IT" sz="1500" bmk="1806"/>
+              <a:t>as</a:t>
+            </a:r>
+            <a:r>
+              <a:rPr lang="en-US" altLang="it-IT" sz="1500" bmk="134"/>
+              <a:t> mauri</a:t>
+            </a:r>
+            <a:r>
+              <a:rPr lang="en-US" altLang="it-IT" sz="1500" bmk="975"/>
+              <a:t>s </a:t>
+            </a:r>
+            <a:r>
+              <a:rPr lang="en-US" altLang="it-IT" sz="1500" bmk="1399"/>
+              <a:t>lectus</a:t>
+            </a:r>
+            <a:r>
+              <a:rPr lang="en-US" altLang="it-IT" sz="1500" bmk="313"/>
+              <a:t>, </a:t>
+            </a:r>
+            <a:r>
+              <a:rPr lang="en-US" altLang="it-IT" sz="1500" bmk="896"/>
+              <a:t>lobort</a:t>
+            </a:r>
+            <a:r>
+              <a:rPr lang="en-US" altLang="it-IT" sz="1500" bmk="641"/>
+              <a:t>is</a:t>
+            </a:r>
+            <a:r>
+              <a:rPr lang="en-US" altLang="it-IT" sz="1500" bmk="1132"/>
+              <a:t> et pu</a:t>
+            </a:r>
+            <a:r>
+              <a:rPr lang="en-US" altLang="it-IT" sz="1500" bmk="479"/>
+              <a:t>ru</a:t>
+            </a:r>
+            <a:r>
+              <a:rPr lang="en-US" altLang="it-IT" sz="1500" bmk="491"/>
+              <a:t>s mat</a:t>
+            </a:r>
+            <a:r>
+              <a:rPr lang="en-US" altLang="it-IT" sz="1500" bmk="124"/>
+              <a:t>tis</a:t>
+            </a:r>
+            <a:r>
+              <a:rPr lang="en-US" altLang="it-IT" sz="1500" bmk="1145"/>
+              <a:t>,</a:t>
+            </a:r>
+            <a:r>
+              <a:rPr lang="en-US" altLang="it-IT" sz="1500" bmk="1845"/>
+              <a:t> b</a:t>
+            </a:r>
+            <a:r>
+              <a:rPr lang="en-US" altLang="it-IT" sz="1500" bmk="1213"/>
+              <a:t>lan</a:t>
+            </a:r>
+            <a:r>
+              <a:rPr lang="en-US" altLang="it-IT" sz="1500" bmk="1039"/>
+              <a:t>di</a:t>
+            </a:r>
+            <a:r>
+              <a:rPr lang="en-US" altLang="it-IT" sz="1500" bmk="828"/>
+              <a:t>t dict</a:t>
+            </a:r>
+            <a:r>
+              <a:rPr lang="en-US" altLang="it-IT" sz="1500" bmk="340"/>
+              <a:t>um</a:t>
+            </a:r>
+            <a:r>
+              <a:rPr lang="en-US" altLang="it-IT" sz="1500" bmk="628"/>
+              <a:t> </a:t>
+            </a:r>
+            <a:r>
+              <a:rPr lang="en-US" altLang="it-IT" sz="1500" bmk="787"/>
+              <a:t>te</a:t>
+            </a:r>
+            <a:r>
+              <a:rPr lang="en-US" altLang="it-IT" sz="1500" bmk="1663"/>
+              <a:t>l</a:t>
+            </a:r>
+            <a:r>
+              <a:rPr lang="en-US" altLang="it-IT" sz="1500" bmk="1791"/>
+              <a:t>l</a:t>
+            </a:r>
+            <a:r>
+              <a:rPr lang="en-US" altLang="it-IT" sz="1500" bmk="1734"/>
+              <a:t>u</a:t>
+            </a:r>
+            <a:r>
+              <a:rPr lang="en-US" altLang="it-IT" sz="1500" bmk="1868"/>
+              <a:t>s.</a:t>
+            </a:r>
+            <a:r>
+              <a:rPr lang="en-US" altLang="it-IT" sz="1500" bmk="88"/>
+              <a:t> </a:t>
+            </a:r>
+            <a:r>
+              <a:rPr lang="en-US" altLang="it-IT" sz="1500" bmk="712"/>
+              <a:t>M</a:t>
+            </a:r>
+            <a:r>
+              <a:rPr lang="en-US" altLang="it-IT" sz="1500" bmk="362"/>
+              <a:t>a</a:t>
+            </a:r>
+            <a:r>
+              <a:rPr lang="en-US" altLang="it-IT" sz="1500" bmk="1322"/>
+              <a:t>ece</a:t>
+            </a:r>
+            <a:r>
+              <a:rPr lang="en-US" altLang="it-IT" sz="1500" bmk="206"/>
               <a:t>na</a:t>
             </a:r>
             <a:r>
-              <a:rPr lang="en-US" altLang="it-IT" sz="1500" bmk="1167"/>
+              <a:rPr lang="en-US" altLang="it-IT" sz="1500" bmk="1790"/>
               <a:t>s</a:t>
             </a:r>
             <a:r>
-              <a:rPr lang="en-US" altLang="it-IT" sz="1500" bmk="377"/>
-              <a:t> m</a:t>
-            </a:r>
-            <a:r>
-              <a:rPr lang="en-US" altLang="it-IT" sz="1500" bmk="513"/>
+              <a:rPr lang="en-US" altLang="it-IT" sz="1500" bmk="1488"/>
+              <a:t> no</a:t>
+            </a:r>
+            <a:r>
+              <a:rPr lang="en-US" altLang="it-IT" sz="1500" bmk="1111"/>
+              <a:t>n lo</a:t>
+            </a:r>
+            <a:r>
+              <a:rPr lang="en-US" altLang="it-IT" sz="1500" bmk="350"/>
+              <a:t>re</a:t>
+            </a:r>
+            <a:r>
+              <a:rPr lang="en-US" altLang="it-IT" sz="1500" bmk="554"/>
+              <a:t>m quis </a:t>
+            </a:r>
+            <a:r>
+              <a:rPr lang="en-US" altLang="it-IT" sz="1500" bmk="569"/>
+              <a:t>t</a:t>
+            </a:r>
+            <a:r>
+              <a:rPr lang="en-US" altLang="it-IT" sz="1500" bmk="209"/>
+              <a:t>e</a:t>
+            </a:r>
+            <a:r>
+              <a:rPr lang="en-US" altLang="it-IT" sz="1500" bmk="899"/>
+              <a:t>llu</a:t>
+            </a:r>
+            <a:r>
+              <a:rPr lang="en-US" altLang="it-IT" sz="1500" bmk="492"/>
+              <a:t>s p</a:t>
+            </a:r>
+            <a:r>
+              <a:rPr lang="en-US" altLang="it-IT" sz="1500" bmk="1069"/>
+              <a:t>la</a:t>
+            </a:r>
+            <a:r>
+              <a:rPr lang="en-US" altLang="it-IT" sz="1500" bmk="116"/>
+              <a:t>c</a:t>
+            </a:r>
+            <a:r>
+              <a:rPr lang="en-US" altLang="it-IT" sz="1500" bmk="324"/>
+              <a:t>er</a:t>
+            </a:r>
+            <a:r>
+              <a:rPr lang="en-US" altLang="it-IT" sz="1500" bmk="1440"/>
+              <a:t>at </a:t>
+            </a:r>
+            <a:r>
+              <a:rPr lang="en-US" altLang="it-IT" sz="1500" bmk="653"/>
+              <a:t>v</a:t>
+            </a:r>
+            <a:r>
+              <a:rPr lang="en-US" altLang="it-IT" sz="1500" bmk="1076"/>
+              <a:t>ar</a:t>
+            </a:r>
+            <a:r>
+              <a:rPr lang="en-US" altLang="it-IT" sz="1500" bmk="1370"/>
+              <a:t>i</a:t>
+            </a:r>
+            <a:r>
+              <a:rPr lang="en-US" altLang="it-IT" sz="1500" bmk="867"/>
+              <a:t>u</a:t>
+            </a:r>
+            <a:r>
+              <a:rPr lang="en-US" altLang="it-IT" sz="1500" bmk="1075"/>
+              <a:t>s.</a:t>
+            </a:r>
+            <a:r>
+              <a:rPr lang="en-US" altLang="it-IT" sz="1500" bmk="626"/>
+              <a:t> Nu</a:t>
+            </a:r>
+            <a:r>
+              <a:rPr lang="en-US" altLang="it-IT" sz="1500" bmk="386"/>
+              <a:t>l</a:t>
+            </a:r>
+            <a:r>
+              <a:rPr lang="en-US" altLang="it-IT" sz="1500" bmk="84"/>
+              <a:t>la f</a:t>
+            </a:r>
+            <a:r>
+              <a:rPr lang="en-US" altLang="it-IT" sz="1500" bmk="1500"/>
+              <a:t>a</a:t>
+            </a:r>
+            <a:r>
+              <a:rPr lang="en-US" altLang="it-IT" sz="1500" bmk="846"/>
+              <a:t>cil</a:t>
+            </a:r>
+            <a:r>
+              <a:rPr lang="en-US" altLang="it-IT" sz="1500" bmk="955"/>
+              <a:t>i</a:t>
+            </a:r>
+            <a:r>
+              <a:rPr lang="en-US" altLang="it-IT" sz="1500" bmk="352"/>
+              <a:t>s</a:t>
+            </a:r>
+            <a:r>
+              <a:rPr lang="en-US" altLang="it-IT" sz="1500" bmk="1227"/>
+              <a:t>i.</a:t>
+            </a:r>
+            <a:r>
+              <a:rPr lang="en-US" altLang="it-IT" sz="1500" bmk="622"/>
+              <a:t> </a:t>
+            </a:r>
+            <a:r>
+              <a:rPr lang="en-US" altLang="it-IT" sz="1500" bmk="477"/>
+              <a:t>Ae</a:t>
+            </a:r>
+            <a:r>
+              <a:rPr lang="en-US" altLang="it-IT" sz="1500" bmk="1885"/>
+              <a:t>ne</a:t>
+            </a:r>
+            <a:r>
+              <a:rPr lang="en-US" altLang="it-IT" sz="1500" bmk="1248"/>
+              <a:t>an </a:t>
+            </a:r>
+            <a:r>
+              <a:rPr lang="en-US" altLang="it-IT" sz="1500" bmk="1571"/>
+              <a:t>con</a:t>
+            </a:r>
+            <a:r>
+              <a:rPr lang="en-US" altLang="it-IT" sz="1500" bmk="496"/>
+              <a:t>gu</a:t>
+            </a:r>
+            <a:r>
+              <a:rPr lang="en-US" altLang="it-IT" sz="1500" bmk="136"/>
+              <a:t>e</a:t>
+            </a:r>
+            <a:r>
+              <a:rPr lang="en-US" altLang="it-IT" sz="1500" bmk="235"/>
+              <a:t> f</a:t>
+            </a:r>
+            <a:r>
+              <a:rPr lang="en-US" altLang="it-IT" sz="1500" bmk="462"/>
+              <a:t>ring</a:t>
+            </a:r>
+            <a:r>
+              <a:rPr lang="en-US" altLang="it-IT" sz="1500" bmk="169"/>
+              <a:t>il</a:t>
+            </a:r>
+            <a:r>
+              <a:rPr lang="en-US" altLang="it-IT" sz="1500" bmk="136"/>
+              <a:t>la</a:t>
+            </a:r>
+            <a:r>
+              <a:rPr lang="en-US" altLang="it-IT" sz="1500" bmk="575"/>
+              <a:t> </a:t>
+            </a:r>
+            <a:r>
+              <a:rPr lang="en-US" altLang="it-IT" sz="1500" bmk="936"/>
+              <a:t>j</a:t>
+            </a:r>
+            <a:r>
+              <a:rPr lang="en-US" altLang="it-IT" sz="1500" bmk="991"/>
+              <a:t>us</a:t>
+            </a:r>
+            <a:r>
+              <a:rPr lang="en-US" altLang="it-IT" sz="1500" bmk="1399"/>
+              <a:t>t</a:t>
+            </a:r>
+            <a:r>
+              <a:rPr lang="en-US" altLang="it-IT" sz="1500" bmk="1565"/>
+              <a:t>o</a:t>
+            </a:r>
+            <a:r>
+              <a:rPr lang="en-US" altLang="it-IT" sz="1500" bmk="52"/>
+              <a:t> u</a:t>
+            </a:r>
+            <a:r>
+              <a:rPr lang="en-US" altLang="it-IT" sz="1500" bmk="1692"/>
+              <a:t>t ali</a:t>
+            </a:r>
+            <a:r>
+              <a:rPr lang="en-US" altLang="it-IT" sz="1500" bmk="510"/>
+              <a:t>q</a:t>
+            </a:r>
+            <a:r>
+              <a:rPr lang="en-US" altLang="it-IT" sz="1500" bmk="1082"/>
+              <a:t>ua</a:t>
+            </a:r>
+            <a:r>
+              <a:rPr lang="en-US" altLang="it-IT" sz="1500" bmk="508"/>
+              <a:t>m.</a:t>
+            </a:r>
+            <a:r>
+              <a:rPr lang="en-US" altLang="it-IT" sz="1500" bmk="36"/>
+              <a:t> M</a:t>
+            </a:r>
+            <a:r>
+              <a:rPr lang="en-US" altLang="it-IT" sz="1500" bmk="1845"/>
               <a:t>au</a:t>
             </a:r>
             <a:r>
-              <a:rPr lang="en-US" altLang="it-IT" sz="1500" bmk="1731"/>
+              <a:rPr lang="en-US" altLang="it-IT" sz="1500" bmk="545"/>
+              <a:t>ri</a:t>
+            </a:r>
+            <a:r>
+              <a:rPr lang="en-US" altLang="it-IT" sz="1500" bmk="467"/>
+              <a:t>s</a:t>
+            </a:r>
+            <a:r>
+              <a:rPr lang="en-US" altLang="it-IT" sz="1500" bmk="222"/>
+              <a:t> id</a:t>
+            </a:r>
+            <a:r>
+              <a:rPr lang="en-US" altLang="it-IT" sz="1500" bmk="894"/>
+              <a:t> </a:t>
+            </a:r>
+            <a:r>
+              <a:rPr lang="en-US" altLang="it-IT" sz="1500" bmk="1073"/>
+              <a:t>e</a:t>
+            </a:r>
+            <a:r>
+              <a:rPr lang="en-US" altLang="it-IT" sz="1500" bmk="1586"/>
+              <a:t>x </a:t>
+            </a:r>
+            <a:r>
+              <a:rPr lang="en-US" altLang="it-IT" sz="1500" bmk="464"/>
+              <a:t>e</a:t>
+            </a:r>
+            <a:r>
+              <a:rPr lang="en-US" altLang="it-IT" sz="1500" bmk="311"/>
+              <a:t>rat.</a:t>
+            </a:r>
+            <a:r>
+              <a:rPr lang="en-US" altLang="it-IT" sz="1500" bmk="1562"/>
+              <a:t> </a:t>
+            </a:r>
+            <a:r>
+              <a:rPr lang="en-US" altLang="it-IT" sz="1500" bmk="1855"/>
+              <a:t>Nu</a:t>
+            </a:r>
+            <a:r>
+              <a:rPr lang="en-US" altLang="it-IT" sz="1500" bmk="733"/>
+              <a:t>nc</a:t>
+            </a:r>
+            <a:r>
+              <a:rPr lang="en-US" altLang="it-IT" sz="1500" bmk="1133"/>
+              <a:t> v</a:t>
+            </a:r>
+            <a:r>
+              <a:rPr lang="en-US" altLang="it-IT" sz="1500" bmk="126"/>
+              <a:t>ulpu</a:t>
+            </a:r>
+            <a:r>
+              <a:rPr lang="en-US" altLang="it-IT" sz="1500" bmk="505"/>
+              <a:t>tate</a:t>
+            </a:r>
+            <a:r>
+              <a:rPr lang="en-US" altLang="it-IT" sz="1500" bmk="329"/>
+              <a:t> </a:t>
+            </a:r>
+            <a:r>
+              <a:rPr lang="en-US" altLang="it-IT" sz="1500" bmk="949"/>
+              <a:t>neq</a:t>
+            </a:r>
+            <a:r>
+              <a:rPr lang="en-US" altLang="it-IT" sz="1500" bmk="477"/>
+              <a:t>ue vi</a:t>
+            </a:r>
+            <a:r>
+              <a:rPr lang="en-US" altLang="it-IT" sz="1500" bmk="946"/>
+              <a:t>t</a:t>
+            </a:r>
+            <a:r>
+              <a:rPr lang="en-US" altLang="it-IT" sz="1500" bmk="1000"/>
+              <a:t>ae</a:t>
+            </a:r>
+            <a:r>
+              <a:rPr lang="en-US" altLang="it-IT" sz="1500" bmk="111"/>
+              <a:t> </a:t>
+            </a:r>
+            <a:r>
+              <a:rPr lang="en-US" altLang="it-IT" sz="1500" bmk="35"/>
+              <a:t>j</a:t>
+            </a:r>
+            <a:r>
+              <a:rPr lang="en-US" altLang="it-IT" sz="1500" bmk="1231"/>
+              <a:t>usto</a:t>
+            </a:r>
+            <a:r>
+              <a:rPr lang="en-US" altLang="it-IT" sz="1500" bmk="1145"/>
+              <a:t> fa</a:t>
+            </a:r>
+            <a:r>
+              <a:rPr lang="en-US" altLang="it-IT" sz="1500" bmk="1550"/>
+              <a:t>c</a:t>
+            </a:r>
+            <a:r>
+              <a:rPr lang="en-US" altLang="it-IT" sz="1500" bmk="1624"/>
+              <a:t>ilisis</a:t>
+            </a:r>
+            <a:r>
+              <a:rPr lang="en-US" altLang="it-IT" sz="1500" bmk="242"/>
+              <a:t>, n</a:t>
+            </a:r>
+            <a:r>
+              <a:rPr lang="en-US" altLang="it-IT" sz="1500" bmk="107"/>
+              <a:t>on</a:t>
+            </a:r>
+            <a:r>
+              <a:rPr lang="en-US" altLang="it-IT" sz="1500" bmk="88"/>
+              <a:t> </a:t>
+            </a:r>
+            <a:r>
+              <a:rPr lang="en-US" altLang="it-IT" sz="1500" bmk="1563"/>
+              <a:t>co</a:t>
+            </a:r>
+            <a:r>
+              <a:rPr lang="en-US" altLang="it-IT" sz="1500" bmk="661"/>
+              <a:t>n</a:t>
+            </a:r>
+            <a:r>
+              <a:rPr lang="en-US" altLang="it-IT" sz="1500" bmk="1105"/>
+              <a:t>d</a:t>
+            </a:r>
+            <a:r>
+              <a:rPr lang="en-US" altLang="it-IT" sz="1500" bmk="1246"/>
+              <a:t>i</a:t>
+            </a:r>
+            <a:r>
+              <a:rPr lang="en-US" altLang="it-IT" sz="1500" bmk="1627"/>
+              <a:t>me</a:t>
+            </a:r>
+            <a:r>
+              <a:rPr lang="en-US" altLang="it-IT" sz="1500" bmk="1745"/>
+              <a:t>ntum</a:t>
+            </a:r>
+            <a:r>
+              <a:rPr lang="en-US" altLang="it-IT" sz="1500" bmk="8"/>
+              <a:t> </a:t>
+            </a:r>
+            <a:r>
+              <a:rPr lang="en-US" altLang="it-IT" sz="1500" bmk="1495"/>
+              <a:t>an</a:t>
+            </a:r>
+            <a:r>
+              <a:rPr lang="en-US" altLang="it-IT" sz="1500" bmk="1862"/>
+              <a:t>te</a:t>
+            </a:r>
+            <a:r>
+              <a:rPr lang="en-US" altLang="it-IT" sz="1500" bmk="923"/>
+              <a:t> s</a:t>
+            </a:r>
+            <a:r>
+              <a:rPr lang="en-US" altLang="it-IT" sz="1500" bmk="1436"/>
+              <a:t>agi</a:t>
+            </a:r>
+            <a:r>
+              <a:rPr lang="en-US" altLang="it-IT" sz="1500" bmk="1208"/>
+              <a:t>t</a:t>
+            </a:r>
+            <a:r>
+              <a:rPr lang="en-US" altLang="it-IT" sz="1500" bmk="1769"/>
+              <a:t>t</a:t>
+            </a:r>
+            <a:r>
+              <a:rPr lang="en-US" altLang="it-IT" sz="1500" bmk="1874"/>
+              <a:t>i</a:t>
+            </a:r>
+            <a:r>
+              <a:rPr lang="en-US" altLang="it-IT" sz="1500" bmk="1472"/>
+              <a:t>s.</a:t>
+            </a:r>
+            <a:r>
+              <a:rPr lang="en-US" altLang="it-IT" sz="1500" bmk="698"/>
+              <a:t> M</a:t>
+            </a:r>
+            <a:r>
+              <a:rPr lang="en-US" altLang="it-IT" sz="1500" bmk="1521"/>
+              <a:t>o</a:t>
+            </a:r>
+            <a:r>
+              <a:rPr lang="en-US" altLang="it-IT" sz="1500" bmk="492"/>
               <a:t>r</a:t>
             </a:r>
             <a:r>
-              <a:rPr lang="en-US" altLang="it-IT" sz="1500" bmk="670"/>
-              <a:t>is</a:t>
-            </a:r>
-            <a:r>
-              <a:rPr lang="en-US" altLang="it-IT" sz="1500" bmk="1423"/>
+              <a:rPr lang="en-US" altLang="it-IT" sz="1500" bmk="829"/>
+              <a:t>b</a:t>
+            </a:r>
+            <a:r>
+              <a:rPr lang="en-US" altLang="it-IT" sz="1500" bmk="980"/>
+              <a:t>i</a:t>
+            </a:r>
+            <a:r>
+              <a:rPr lang="en-US" altLang="it-IT" sz="1500" bmk="1821"/>
+              <a:t> v</a:t>
+            </a:r>
+            <a:r>
+              <a:rPr lang="en-US" altLang="it-IT" sz="1500" bmk="33"/>
+              <a:t>i</a:t>
+            </a:r>
+            <a:r>
+              <a:rPr lang="en-US" altLang="it-IT" sz="1500" bmk="1360"/>
+              <a:t>ver</a:t>
+            </a:r>
+            <a:r>
+              <a:rPr lang="en-US" altLang="it-IT" sz="1500" bmk="1057"/>
+              <a:t>r</a:t>
+            </a:r>
+            <a:r>
+              <a:rPr lang="en-US" altLang="it-IT" sz="1500" bmk="961"/>
+              <a:t>a</a:t>
+            </a:r>
+            <a:r>
+              <a:rPr lang="en-US" altLang="it-IT" sz="1500" bmk="851"/>
+              <a:t> s</a:t>
+            </a:r>
+            <a:r>
+              <a:rPr lang="en-US" altLang="it-IT" sz="1500" bmk="1716"/>
+              <a:t>emper</a:t>
+            </a:r>
+            <a:r>
+              <a:rPr lang="en-US" altLang="it-IT" sz="1500" bmk="1147"/>
+              <a:t> </a:t>
+            </a:r>
+            <a:r>
+              <a:rPr lang="en-US" altLang="it-IT" sz="1500" bmk="545"/>
+              <a:t>lo</a:t>
+            </a:r>
+            <a:r>
+              <a:rPr lang="en-US" altLang="it-IT" sz="1500" bmk="1827"/>
+              <a:t>rem</a:t>
+            </a:r>
+            <a:r>
+              <a:rPr lang="en-US" altLang="it-IT" sz="1500" bmk="77"/>
+              <a:t> </a:t>
+            </a:r>
+            <a:r>
+              <a:rPr lang="en-US" altLang="it-IT" sz="1500" bmk="824"/>
+              <a:t>ne</a:t>
+            </a:r>
+            <a:r>
+              <a:rPr lang="en-US" altLang="it-IT" sz="1500" bmk="619"/>
+              <a:t>c </a:t>
+            </a:r>
+            <a:r>
+              <a:rPr lang="en-US" altLang="it-IT" sz="1500" bmk="1615"/>
+              <a:t>m</a:t>
+            </a:r>
+            <a:r>
+              <a:rPr lang="en-US" altLang="it-IT" sz="1500" bmk="1627"/>
+              <a:t>o</a:t>
+            </a:r>
+            <a:r>
+              <a:rPr lang="en-US" altLang="it-IT" sz="1500" bmk="1141"/>
+              <a:t>le</a:t>
+            </a:r>
+            <a:r>
+              <a:rPr lang="en-US" altLang="it-IT" sz="1500" bmk="746"/>
+              <a:t>st</a:t>
+            </a:r>
+            <a:r>
+              <a:rPr lang="en-US" altLang="it-IT" sz="1500" bmk="1339"/>
+              <a:t>ie</a:t>
+            </a:r>
+            <a:r>
+              <a:rPr lang="en-US" altLang="it-IT" sz="1500" bmk="1848"/>
+              <a:t>. M</a:t>
+            </a:r>
+            <a:r>
+              <a:rPr lang="en-US" altLang="it-IT" sz="1500" bmk="1157"/>
+              <a:t>a</a:t>
+            </a:r>
+            <a:r>
+              <a:rPr lang="en-US" altLang="it-IT" sz="1500" bmk="1359"/>
+              <a:t>ec</a:t>
+            </a:r>
+            <a:r>
+              <a:rPr lang="en-US" altLang="it-IT" sz="1500" bmk="590"/>
+              <a:t>en</a:t>
+            </a:r>
+            <a:r>
+              <a:rPr lang="en-US" altLang="it-IT" sz="1500" bmk="1476"/>
+              <a:t>as </a:t>
+            </a:r>
+            <a:r>
+              <a:rPr lang="en-US" altLang="it-IT" sz="1500" bmk="1555"/>
+              <a:t>t</a:t>
+            </a:r>
+            <a:r>
+              <a:rPr lang="en-US" altLang="it-IT" sz="1500" bmk="1038"/>
+              <a:t>i</a:t>
+            </a:r>
+            <a:r>
+              <a:rPr lang="en-US" altLang="it-IT" sz="1500" bmk="1870"/>
+              <a:t>nci</a:t>
+            </a:r>
+            <a:r>
+              <a:rPr lang="en-US" altLang="it-IT" sz="1500" bmk="55"/>
+              <a:t>d</a:t>
+            </a:r>
+            <a:r>
+              <a:rPr lang="en-US" altLang="it-IT" sz="1500" bmk="693"/>
+              <a:t>u</a:t>
+            </a:r>
+            <a:r>
+              <a:rPr lang="en-US" altLang="it-IT" sz="1500" bmk="547"/>
+              <a:t>nt </a:t>
+            </a:r>
+            <a:r>
+              <a:rPr lang="en-US" altLang="it-IT" sz="1500" bmk="1634"/>
+              <a:t>est </a:t>
+            </a:r>
+            <a:r>
+              <a:rPr lang="en-US" altLang="it-IT" sz="1500" bmk="737"/>
+              <a:t>e</a:t>
+            </a:r>
+            <a:r>
+              <a:rPr lang="en-US" altLang="it-IT" sz="1500" bmk="1677"/>
+              <a:t>ffi</a:t>
+            </a:r>
+            <a:r>
+              <a:rPr lang="en-US" altLang="it-IT" sz="1500" bmk="374"/>
+              <a:t>c</a:t>
+            </a:r>
+            <a:r>
+              <a:rPr lang="en-US" altLang="it-IT" sz="1500" bmk="1800"/>
+              <a:t>it</a:t>
+            </a:r>
+            <a:r>
+              <a:rPr lang="en-US" altLang="it-IT" sz="1500" bmk="1076"/>
+              <a:t>u</a:t>
+            </a:r>
+            <a:r>
+              <a:rPr lang="en-US" altLang="it-IT" sz="1500" bmk="1737"/>
+              <a:t>r</a:t>
+            </a:r>
+            <a:r>
+              <a:rPr lang="en-US" altLang="it-IT" sz="1500" bmk="38"/>
               <a:t> l</a:t>
             </a:r>
             <a:r>
-              <a:rPr lang="en-US" altLang="it-IT" sz="1500" bmk="653"/>
-              <a:t>ect</a:t>
+              <a:rPr lang="en-US" altLang="it-IT" sz="1500" bmk="637"/>
+              <a:t>i</a:t>
+            </a:r>
+            <a:r>
+              <a:rPr lang="en-US" altLang="it-IT" sz="1500" bmk="290"/>
+              <a:t>g</a:t>
+            </a:r>
+            <a:r>
+              <a:rPr lang="en-US" altLang="it-IT" sz="1500" bmk="1037"/>
+              <a:t>ul</a:t>
+            </a:r>
+            <a:r>
+              <a:rPr lang="en-US" altLang="it-IT" sz="1500" bmk="1297"/>
+              <a:t>a eui</a:t>
             </a:r>
             <a:r>
               <a:rPr lang="en-US" altLang="it-IT" sz="1500" bmk="1631"/>
-              <a:t>us, </a:t>
-            </a:r>
-            <a:r>
-              <a:rPr lang="en-US" altLang="it-IT" sz="1500" bmk="1204"/>
-              <a:t>l</a:t>
-            </a:r>
-            <a:r>
-              <a:rPr lang="en-US" altLang="it-IT" sz="1500" bmk="1171"/>
-              <a:t>obo</a:t>
-            </a:r>
-            <a:r>
-              <a:rPr lang="en-US" altLang="it-IT" sz="1500" bmk="578"/>
-              <a:t>rti</a:t>
-            </a:r>
-            <a:r>
-              <a:rPr lang="en-US" altLang="it-IT" sz="1500" bmk="691"/>
-              <a:t>s</a:t>
-            </a:r>
-            <a:r>
-              <a:rPr lang="en-US" altLang="it-IT" sz="1500" bmk="304"/>
+              <a:t>smo</a:t>
+            </a:r>
+            <a:r>
+              <a:rPr lang="en-US" altLang="it-IT" sz="1500" bmk="1318"/>
+              <a:t>d,</a:t>
+            </a:r>
+            <a:r>
+              <a:rPr lang="en-US" altLang="it-IT" sz="1500" bmk="1505"/>
               <a:t> </a:t>
             </a:r>
             <a:r>
-              <a:rPr lang="en-US" altLang="it-IT" sz="1500" bmk="702"/>
-              <a:t>et puru</a:t>
-            </a:r>
-            <a:r>
-              <a:rPr lang="en-US" altLang="it-IT" sz="1500" bmk="308"/>
-              <a:t>s</a:t>
-            </a:r>
-            <a:r>
-              <a:rPr lang="en-US" altLang="it-IT" sz="1500" bmk="1698"/>
-              <a:t> </a:t>
-            </a:r>
-            <a:r>
-              <a:rPr lang="en-US" altLang="it-IT" sz="1500" bmk="702"/>
-              <a:t>mat</a:t>
-            </a:r>
-            <a:r>
-              <a:rPr lang="en-US" altLang="it-IT" sz="1500" bmk="1843"/>
-              <a:t>ti</a:t>
-            </a:r>
-            <a:r>
-              <a:rPr lang="en-US" altLang="it-IT" sz="1500" bmk="1197"/>
-              <a:t>s</a:t>
-            </a:r>
-            <a:r>
-              <a:rPr lang="en-US" altLang="it-IT" sz="1500" bmk="902"/>
-              <a:t>, </a:t>
-            </a:r>
-            <a:r>
-              <a:rPr lang="en-US" altLang="it-IT" sz="1500" bmk="918"/>
-              <a:t>bl</a:t>
-            </a:r>
-            <a:r>
-              <a:rPr lang="en-US" altLang="it-IT" sz="1500" bmk="1223"/>
-              <a:t>and</a:t>
-            </a:r>
-            <a:r>
-              <a:rPr lang="en-US" altLang="it-IT" sz="1500" bmk="491"/>
-              <a:t>it di</a:t>
-            </a:r>
-            <a:r>
-              <a:rPr lang="en-US" altLang="it-IT" sz="1500" bmk="628"/>
-              <a:t>c</a:t>
-            </a:r>
-            <a:r>
-              <a:rPr lang="en-US" altLang="it-IT" sz="1500" bmk="1465"/>
-              <a:t>tum</a:t>
-            </a:r>
-            <a:r>
-              <a:rPr lang="en-US" altLang="it-IT" sz="1500" bmk="1423"/>
-              <a:t> </a:t>
-            </a:r>
-            <a:r>
-              <a:rPr lang="en-US" altLang="it-IT" sz="1500" bmk="61"/>
+              <a:rPr lang="en-US" altLang="it-IT" sz="1500" bmk="1153"/>
+              <a:t>si</a:t>
+            </a:r>
+            <a:r>
+              <a:rPr lang="en-US" altLang="it-IT" sz="1500" bmk="340"/>
+              <a:t>t a</a:t>
+            </a:r>
+            <a:r>
+              <a:rPr lang="en-US" altLang="it-IT" sz="1500" bmk="1561"/>
+              <a:t>met </a:t>
+            </a:r>
+            <a:r>
+              <a:rPr lang="en-US" altLang="it-IT" sz="1500" bmk="1863"/>
+              <a:t>orna</a:t>
+            </a:r>
+            <a:r>
+              <a:rPr lang="en-US" altLang="it-IT" sz="1500" bmk="615"/>
+              <a:t>r</a:t>
+            </a:r>
+            <a:r>
+              <a:rPr lang="en-US" altLang="it-IT" sz="1500" bmk="1347"/>
+              <a:t>e </a:t>
+            </a:r>
+            <a:r>
+              <a:rPr lang="en-US" altLang="it-IT" sz="1500" bmk="242"/>
+              <a:t>est</a:t>
+            </a:r>
+            <a:r>
+              <a:rPr lang="en-US" altLang="it-IT" sz="1500" bmk="159"/>
+              <a:t> v</a:t>
+            </a:r>
+            <a:r>
+              <a:rPr lang="en-US" altLang="it-IT" sz="1500" bmk="1288"/>
+              <a:t>u</a:t>
+            </a:r>
+            <a:r>
+              <a:rPr lang="en-US" altLang="it-IT" sz="1500" bmk="591"/>
+              <a:t>lp</a:t>
+            </a:r>
+            <a:r>
+              <a:rPr lang="en-US" altLang="it-IT" sz="1500" bmk="906"/>
+              <a:t>u</a:t>
+            </a:r>
+            <a:r>
+              <a:rPr lang="en-US" altLang="it-IT" sz="1500" bmk="1856"/>
+              <a:t>ta</a:t>
+            </a:r>
+            <a:r>
+              <a:rPr lang="en-US" altLang="it-IT" sz="1500" bmk="1528"/>
               <a:t>te</a:t>
             </a:r>
             <a:r>
-              <a:rPr lang="en-US" altLang="it-IT" sz="1500" bmk="1375"/>
-              <a:t>ll</a:t>
-            </a:r>
-            <a:r>
-              <a:rPr lang="en-US" altLang="it-IT" sz="1500" bmk="661"/>
-              <a:t>us</a:t>
-            </a:r>
-            <a:r>
-              <a:rPr lang="en-US" altLang="it-IT" sz="1500" bmk="1533"/>
-              <a:t>. Mae</a:t>
-            </a:r>
-            <a:r>
-              <a:rPr lang="en-US" altLang="it-IT" sz="1500" bmk="277"/>
-              <a:t>c</a:t>
-            </a:r>
-            <a:r>
-              <a:rPr lang="en-US" altLang="it-IT" sz="1500" bmk="633"/>
-              <a:t>en</a:t>
-            </a:r>
-            <a:r>
-              <a:rPr lang="en-US" altLang="it-IT" sz="1500" bmk="195"/>
-              <a:t>as </a:t>
-            </a:r>
-            <a:r>
-              <a:rPr lang="en-US" altLang="it-IT" sz="1500" bmk="165"/>
-              <a:t>no</a:t>
-            </a:r>
-            <a:r>
-              <a:rPr lang="en-US" altLang="it-IT" sz="1500" bmk="994"/>
-              <a:t>n l</a:t>
-            </a:r>
-            <a:r>
-              <a:rPr lang="en-US" altLang="it-IT" sz="1500" bmk="1056"/>
-              <a:t>orem </a:t>
-            </a:r>
-            <a:r>
-              <a:rPr lang="en-US" altLang="it-IT" sz="1500" bmk="1055"/>
-              <a:t>qui</a:t>
-            </a:r>
-            <a:r>
-              <a:rPr lang="en-US" altLang="it-IT" sz="1500" bmk="1106"/>
-              <a:t>s</a:t>
-            </a:r>
-            <a:r>
-              <a:rPr lang="en-US" altLang="it-IT" sz="1500" bmk="1131"/>
-              <a:t> tel</a:t>
-            </a:r>
-            <a:r>
-              <a:rPr lang="en-US" altLang="it-IT" sz="1500" bmk="1177"/>
-              <a:t>lus</a:t>
-            </a:r>
-            <a:r>
-              <a:rPr lang="en-US" altLang="it-IT" sz="1500" bmk="1116"/>
-              <a:t> </a:t>
-            </a:r>
-            <a:r>
-              <a:rPr lang="en-US" altLang="it-IT" sz="1500" bmk="53"/>
-              <a:t>pla</a:t>
-            </a:r>
-            <a:r>
-              <a:rPr lang="en-US" altLang="it-IT" sz="1500" bmk="45"/>
-              <a:t>ce</a:t>
-            </a:r>
-            <a:r>
-              <a:rPr lang="en-US" altLang="it-IT" sz="1500" bmk="63"/>
-              <a:t>ra</a:t>
-            </a:r>
-            <a:r>
-              <a:rPr lang="en-US" altLang="it-IT" sz="1500" bmk="1068"/>
-              <a:t>t</a:t>
-            </a:r>
-            <a:r>
-              <a:rPr lang="en-US" altLang="it-IT" sz="1500" bmk="1861"/>
-              <a:t> </a:t>
-            </a:r>
-            <a:r>
-              <a:rPr lang="en-US" altLang="it-IT" sz="1500" bmk="942"/>
-              <a:t>v</a:t>
-            </a:r>
-            <a:r>
-              <a:rPr lang="en-US" altLang="it-IT" sz="1500" bmk="82"/>
-              <a:t>ari</a:t>
-            </a:r>
-            <a:r>
-              <a:rPr lang="en-US" altLang="it-IT" sz="1500" bmk="180"/>
-              <a:t>us</a:t>
-            </a:r>
-            <a:r>
-              <a:rPr lang="en-US" altLang="it-IT" sz="1500" bmk="946"/>
-              <a:t>. Nu</a:t>
-            </a:r>
-            <a:r>
-              <a:rPr lang="en-US" altLang="it-IT" sz="1500" bmk="1358"/>
-              <a:t>ll</a:t>
-            </a:r>
-            <a:r>
-              <a:rPr lang="en-US" altLang="it-IT" sz="1500" bmk="827"/>
-              <a:t>a </a:t>
-            </a:r>
-            <a:r>
-              <a:rPr lang="en-US" altLang="it-IT" sz="1500" bmk="270"/>
-              <a:t>fa</a:t>
-            </a:r>
-            <a:r>
-              <a:rPr lang="en-US" altLang="it-IT" sz="1500" bmk="1886"/>
-              <a:t>cili</a:t>
-            </a:r>
-            <a:r>
-              <a:rPr lang="en-US" altLang="it-IT" sz="1500" bmk="976"/>
-              <a:t>si.</a:t>
-            </a:r>
-            <a:r>
-              <a:rPr lang="en-US" altLang="it-IT" sz="1500" bmk="743"/>
-              <a:t> </a:t>
-            </a:r>
-            <a:r>
-              <a:rPr lang="en-US" altLang="it-IT" sz="1500" bmk="1721"/>
-              <a:t>A</a:t>
-            </a:r>
-            <a:r>
-              <a:rPr lang="en-US" altLang="it-IT" sz="1500" bmk="494"/>
-              <a:t>e</a:t>
-            </a:r>
-            <a:r>
-              <a:rPr lang="en-US" altLang="it-IT" sz="1500" bmk="789"/>
-              <a:t>ne</a:t>
-            </a:r>
-            <a:r>
-              <a:rPr lang="en-US" altLang="it-IT" sz="1500" bmk="639"/>
-              <a:t>an </a:t>
-            </a:r>
-            <a:r>
-              <a:rPr lang="en-US" altLang="it-IT" sz="1500" bmk="835"/>
-              <a:t>con</a:t>
-            </a:r>
-            <a:r>
-              <a:rPr lang="en-US" altLang="it-IT" sz="1500" bmk="545"/>
-              <a:t>gu</a:t>
-            </a:r>
-            <a:r>
-              <a:rPr lang="en-US" altLang="it-IT" sz="1500" bmk="1349"/>
-              <a:t>e </a:t>
-            </a:r>
-            <a:r>
-              <a:rPr lang="en-US" altLang="it-IT" sz="1500" bmk="1045"/>
-              <a:t>f</a:t>
-            </a:r>
-            <a:r>
-              <a:rPr lang="en-US" altLang="it-IT" sz="1500" bmk="509"/>
-              <a:t>rin</a:t>
-            </a:r>
-            <a:r>
-              <a:rPr lang="en-US" altLang="it-IT" sz="1500" bmk="1413"/>
-              <a:t>g</a:t>
-            </a:r>
-            <a:r>
-              <a:rPr lang="en-US" altLang="it-IT" sz="1500" bmk="1673"/>
-              <a:t>i</a:t>
-            </a:r>
-            <a:r>
-              <a:rPr lang="en-US" altLang="it-IT" sz="1500" bmk="822"/>
-              <a:t>ll</a:t>
-            </a:r>
-            <a:r>
-              <a:rPr lang="en-US" altLang="it-IT" sz="1500" bmk="1069"/>
-              <a:t>a just</a:t>
-            </a:r>
-            <a:r>
-              <a:rPr lang="en-US" altLang="it-IT" sz="1500" bmk="1788"/>
-              <a:t>o </a:t>
-            </a:r>
-            <a:r>
-              <a:rPr lang="en-US" altLang="it-IT" sz="1500" bmk="793"/>
-              <a:t>ut ali</a:t>
-            </a:r>
-            <a:r>
-              <a:rPr lang="en-US" altLang="it-IT" sz="1500" bmk="1866"/>
-              <a:t>qu</a:t>
-            </a:r>
-            <a:r>
-              <a:rPr lang="en-US" altLang="it-IT" sz="1500" bmk="1474"/>
-              <a:t>am. Ma</a:t>
-            </a:r>
-            <a:r>
-              <a:rPr lang="en-US" altLang="it-IT" sz="1500" bmk="1671"/>
-              <a:t>ur</a:t>
-            </a:r>
-            <a:r>
-              <a:rPr lang="en-US" altLang="it-IT" sz="1500" bmk="894"/>
-              <a:t>is id </a:t>
-            </a:r>
-            <a:r>
-              <a:rPr lang="en-US" altLang="it-IT" sz="1500" bmk="258"/>
-              <a:t>ex</a:t>
-            </a:r>
-            <a:r>
-              <a:rPr lang="en-US" altLang="it-IT" sz="1500" bmk="1410"/>
-              <a:t> erat.</a:t>
-            </a:r>
-            <a:r>
-              <a:rPr lang="en-US" altLang="it-IT" sz="1500" bmk="1371"/>
-              <a:t> N</a:t>
-            </a:r>
-            <a:r>
-              <a:rPr lang="en-US" altLang="it-IT" sz="1500" bmk="186"/>
-              <a:t>unc v</a:t>
-            </a:r>
-            <a:r>
-              <a:rPr lang="en-US" altLang="it-IT" sz="1500" bmk="903"/>
-              <a:t>ulp</a:t>
-            </a:r>
-            <a:r>
-              <a:rPr lang="en-US" altLang="it-IT" sz="1500" bmk="1116"/>
-              <a:t>u</a:t>
-            </a:r>
-            <a:r>
-              <a:rPr lang="en-US" altLang="it-IT" sz="1500" bmk="38"/>
-              <a:t>ta</a:t>
-            </a:r>
-            <a:r>
-              <a:rPr lang="en-US" altLang="it-IT" sz="1500" bmk="28"/>
-              <a:t>te </a:t>
-            </a:r>
-            <a:r>
-              <a:rPr lang="en-US" altLang="it-IT" sz="1500" bmk="1325"/>
-              <a:t>ne</a:t>
-            </a:r>
-            <a:r>
-              <a:rPr lang="en-US" altLang="it-IT" sz="1500" bmk="983"/>
-              <a:t>que vi</a:t>
-            </a:r>
-            <a:r>
-              <a:rPr lang="en-US" altLang="it-IT" sz="1500" bmk="1570"/>
-              <a:t>ta</a:t>
-            </a:r>
-            <a:r>
-              <a:rPr lang="en-US" altLang="it-IT" sz="1500" bmk="1253"/>
-              <a:t>e </a:t>
-            </a:r>
-            <a:r>
-              <a:rPr lang="en-US" altLang="it-IT" sz="1500" bmk="651"/>
-              <a:t>justo </a:t>
-            </a:r>
-            <a:r>
-              <a:rPr lang="en-US" altLang="it-IT" sz="1500" bmk="53"/>
-              <a:t>f</a:t>
-            </a:r>
-            <a:r>
-              <a:rPr lang="en-US" altLang="it-IT" sz="1500" bmk="671"/>
-              <a:t>ac</a:t>
-            </a:r>
-            <a:r>
-              <a:rPr lang="en-US" altLang="it-IT" sz="1500" bmk="797"/>
-              <a:t>il</a:t>
-            </a:r>
-            <a:r>
-              <a:rPr lang="en-US" altLang="it-IT" sz="1500" bmk="1067"/>
-              <a:t>isi</a:t>
-            </a:r>
-            <a:r>
-              <a:rPr lang="en-US" altLang="it-IT" sz="1500" bmk="1039"/>
-              <a:t>s</a:t>
-            </a:r>
-            <a:r>
-              <a:rPr lang="en-US" altLang="it-IT" sz="1500" bmk="78"/>
-              <a:t>,</a:t>
-            </a:r>
-            <a:r>
-              <a:rPr lang="en-US" altLang="it-IT" sz="1500" bmk="783"/>
-              <a:t> n</a:t>
-            </a:r>
-            <a:r>
-              <a:rPr lang="en-US" altLang="it-IT" sz="1500" bmk="1610"/>
-              <a:t>o</a:t>
-            </a:r>
-            <a:r>
-              <a:rPr lang="en-US" altLang="it-IT" sz="1500" bmk="1106"/>
-              <a:t>n c</a:t>
-            </a:r>
-            <a:r>
-              <a:rPr lang="en-US" altLang="it-IT" sz="1500" bmk="219"/>
-              <a:t>o</a:t>
-            </a:r>
-            <a:r>
-              <a:rPr lang="en-US" altLang="it-IT" sz="1500" bmk="1157"/>
-              <a:t>nd</a:t>
-            </a:r>
-            <a:r>
-              <a:rPr lang="en-US" altLang="it-IT" sz="1500" bmk="1097"/>
-              <a:t>im</a:t>
-            </a:r>
-            <a:r>
-              <a:rPr lang="en-US" altLang="it-IT" sz="1500" bmk="1256"/>
-              <a:t>ent</a:t>
-            </a:r>
-            <a:r>
-              <a:rPr lang="en-US" altLang="it-IT" sz="1500" bmk="1263"/>
-              <a:t>um</a:t>
-            </a:r>
-            <a:r>
-              <a:rPr lang="en-US" altLang="it-IT" sz="1500" bmk="55"/>
-              <a:t> an</a:t>
-            </a:r>
-            <a:r>
-              <a:rPr lang="en-US" altLang="it-IT" sz="1500" bmk="1788"/>
-              <a:t>t</a:t>
-            </a:r>
-            <a:r>
-              <a:rPr lang="en-US" altLang="it-IT" sz="1500" bmk="1150"/>
-              <a:t>e </a:t>
-            </a:r>
-            <a:r>
-              <a:rPr lang="en-US" altLang="it-IT" sz="1500" bmk="1222"/>
-              <a:t>sa</a:t>
-            </a:r>
-            <a:r>
-              <a:rPr lang="en-US" altLang="it-IT" sz="1500" bmk="447"/>
-              <a:t>g</a:t>
-            </a:r>
-            <a:r>
-              <a:rPr lang="en-US" altLang="it-IT" sz="1500" bmk="626"/>
-              <a:t>itt</a:t>
-            </a:r>
-            <a:r>
-              <a:rPr lang="en-US" altLang="it-IT" sz="1500" bmk="1374"/>
-              <a:t>is</a:t>
-            </a:r>
-            <a:r>
-              <a:rPr lang="en-US" altLang="it-IT" sz="1500" bmk="290"/>
-              <a:t>. M</a:t>
-            </a:r>
-            <a:r>
-              <a:rPr lang="en-US" altLang="it-IT" sz="1500" bmk="1293"/>
-              <a:t>o</a:t>
-            </a:r>
-            <a:r>
-              <a:rPr lang="en-US" altLang="it-IT" sz="1500" bmk="981"/>
-              <a:t>r</a:t>
-            </a:r>
-            <a:r>
-              <a:rPr lang="en-US" altLang="it-IT" sz="1500" bmk="818"/>
-              <a:t>b</a:t>
-            </a:r>
-            <a:r>
-              <a:rPr lang="en-US" altLang="it-IT" sz="1500" bmk="1780"/>
-              <a:t>i </a:t>
-            </a:r>
-            <a:r>
-              <a:rPr lang="en-US" altLang="it-IT" sz="1500" bmk="911"/>
-              <a:t>v</a:t>
-            </a:r>
-            <a:r>
-              <a:rPr lang="en-US" altLang="it-IT" sz="1500" bmk="639"/>
-              <a:t>ive</a:t>
-            </a:r>
-            <a:r>
-              <a:rPr lang="en-US" altLang="it-IT" sz="1500" bmk="636"/>
-              <a:t>rra s</a:t>
-            </a:r>
-            <a:r>
-              <a:rPr lang="en-US" altLang="it-IT" sz="1500" bmk="1828"/>
-              <a:t>e</a:t>
-            </a:r>
-            <a:r>
-              <a:rPr lang="en-US" altLang="it-IT" sz="1500" bmk="1558"/>
-              <a:t>mper</a:t>
-            </a:r>
-            <a:r>
-              <a:rPr lang="en-US" altLang="it-IT" sz="1500" bmk="1740"/>
-              <a:t> l</a:t>
-            </a:r>
-            <a:r>
-              <a:rPr lang="en-US" altLang="it-IT" sz="1500" bmk="1101"/>
-              <a:t>ore</a:t>
-            </a:r>
-            <a:r>
-              <a:rPr lang="en-US" altLang="it-IT" sz="1500" bmk="1354"/>
-              <a:t>m</a:t>
-            </a:r>
-            <a:r>
-              <a:rPr lang="en-US" altLang="it-IT" sz="1500" bmk="1033"/>
-              <a:t> nec</a:t>
-            </a:r>
-            <a:r>
-              <a:rPr lang="en-US" altLang="it-IT" sz="1500" bmk="459"/>
-              <a:t> m</a:t>
-            </a:r>
-            <a:r>
-              <a:rPr lang="en-US" altLang="it-IT" sz="1500" bmk="720"/>
-              <a:t>ol</a:t>
-            </a:r>
-            <a:r>
-              <a:rPr lang="en-US" altLang="it-IT" sz="1500" bmk="1726"/>
-              <a:t>esti</a:t>
-            </a:r>
-            <a:r>
-              <a:rPr lang="en-US" altLang="it-IT" sz="1500" bmk="982"/>
-              <a:t>e. M</a:t>
-            </a:r>
-            <a:r>
-              <a:rPr lang="en-US" altLang="it-IT" sz="1500" bmk="319"/>
-              <a:t>a</a:t>
-            </a:r>
-            <a:r>
-              <a:rPr lang="en-US" altLang="it-IT" sz="1500" bmk="580"/>
-              <a:t>ece</a:t>
-            </a:r>
-            <a:r>
-              <a:rPr lang="en-US" altLang="it-IT" sz="1500" bmk="798"/>
-              <a:t>nas t</a:t>
-            </a:r>
-            <a:r>
-              <a:rPr lang="en-US" altLang="it-IT" sz="1500" bmk="1522"/>
-              <a:t>inc</a:t>
-            </a:r>
-            <a:r>
-              <a:rPr lang="en-US" altLang="it-IT" sz="1500" bmk="310"/>
-              <a:t>idu</a:t>
-            </a:r>
-            <a:r>
-              <a:rPr lang="en-US" altLang="it-IT" sz="1500" bmk="251"/>
-              <a:t>n</a:t>
-            </a:r>
-            <a:r>
-              <a:rPr lang="en-US" altLang="it-IT" sz="1500" bmk="150"/>
-              <a:t>t es</a:t>
-            </a:r>
-            <a:r>
-              <a:rPr lang="en-US" altLang="it-IT" sz="1500" bmk="1256"/>
-              <a:t>t </a:t>
-            </a:r>
-            <a:r>
-              <a:rPr lang="en-US" altLang="it-IT" sz="1500" bmk="1413"/>
-              <a:t>effici</a:t>
-            </a:r>
-            <a:r>
-              <a:rPr lang="en-US" altLang="it-IT" sz="1500" bmk="549"/>
-              <a:t>t</a:t>
-            </a:r>
-            <a:r>
-              <a:rPr lang="en-US" altLang="it-IT" sz="1500" bmk="172"/>
-              <a:t>u</a:t>
-            </a:r>
-            <a:r>
-              <a:rPr lang="en-US" altLang="it-IT" sz="1500" bmk="412"/>
-              <a:t>r</a:t>
-            </a:r>
-            <a:r>
-              <a:rPr lang="en-US" altLang="it-IT" sz="1500" bmk="235"/>
-              <a:t> li</a:t>
-            </a:r>
-            <a:r>
-              <a:rPr lang="en-US" altLang="it-IT" sz="1500" bmk="1430"/>
-              <a:t>gu</a:t>
-            </a:r>
-            <a:r>
-              <a:rPr lang="en-US" altLang="it-IT" sz="1500" bmk="1860"/>
-              <a:t>l</a:t>
-            </a:r>
-            <a:r>
-              <a:rPr lang="en-US" altLang="it-IT" sz="1500" bmk="368"/>
-              <a:t>a </a:t>
-            </a:r>
-            <a:r>
-              <a:rPr lang="en-US" altLang="it-IT" sz="1500" bmk="797"/>
-              <a:t>eu</a:t>
-            </a:r>
-            <a:r>
-              <a:rPr lang="en-US" altLang="it-IT" sz="1500" bmk="1706"/>
-              <a:t>i</a:t>
-            </a:r>
-            <a:r>
-              <a:rPr lang="en-US" altLang="it-IT" sz="1500" bmk="1226"/>
-              <a:t>sm</a:t>
-            </a:r>
-            <a:r>
-              <a:rPr lang="en-US" altLang="it-IT" sz="1500" bmk="1683"/>
-              <a:t>o</a:t>
-            </a:r>
-            <a:r>
-              <a:rPr lang="en-US" altLang="it-IT" sz="1500" bmk="981"/>
-              <a:t>d,</a:t>
-            </a:r>
-            <a:r>
-              <a:rPr lang="en-US" altLang="it-IT" sz="1500" bmk="1354"/>
-              <a:t> s</a:t>
-            </a:r>
-            <a:r>
-              <a:rPr lang="en-US" altLang="it-IT" sz="1500" bmk="1184"/>
-              <a:t>i</a:t>
-            </a:r>
-            <a:r>
-              <a:rPr lang="en-US" altLang="it-IT" sz="1500" bmk="1099"/>
-              <a:t>t </a:t>
-            </a:r>
-            <a:r>
-              <a:rPr lang="en-US" altLang="it-IT" sz="1500" bmk="1170"/>
-              <a:t>am</a:t>
-            </a:r>
-            <a:r>
-              <a:rPr lang="en-US" altLang="it-IT" sz="1500" bmk="710"/>
-              <a:t>et</a:t>
-            </a:r>
-            <a:r>
-              <a:rPr lang="en-US" altLang="it-IT" sz="1500" bmk="1751"/>
-              <a:t> </a:t>
-            </a:r>
-            <a:r>
-              <a:rPr lang="en-US" altLang="it-IT" sz="1500" bmk="1064"/>
-              <a:t>o</a:t>
-            </a:r>
-            <a:r>
-              <a:rPr lang="en-US" altLang="it-IT" sz="1500" bmk="1297"/>
-              <a:t>rn</a:t>
-            </a:r>
-            <a:r>
-              <a:rPr lang="en-US" altLang="it-IT" sz="1500" bmk="1300"/>
-              <a:t>a</a:t>
-            </a:r>
-            <a:r>
-              <a:rPr lang="en-US" altLang="it-IT" sz="1500" bmk="1243"/>
-              <a:t>re</a:t>
-            </a:r>
-            <a:r>
-              <a:rPr lang="en-US" altLang="it-IT" sz="1500" bmk="1000"/>
-              <a:t> </a:t>
-            </a:r>
-            <a:r>
-              <a:rPr lang="en-US" altLang="it-IT" sz="1500" bmk="1434"/>
-              <a:t>e</a:t>
-            </a:r>
-            <a:r>
-              <a:rPr lang="en-US" altLang="it-IT" sz="1500" bmk="1572"/>
-              <a:t>s</a:t>
-            </a:r>
-            <a:r>
-              <a:rPr lang="en-US" altLang="it-IT" sz="1500" bmk="139"/>
-              <a:t>t </a:t>
-            </a:r>
-            <a:r>
-              <a:rPr lang="en-US" altLang="it-IT" sz="1500" bmk="1816"/>
-              <a:t>vulpu</a:t>
-            </a:r>
-            <a:r>
-              <a:rPr lang="en-US" altLang="it-IT" sz="1500" bmk="674"/>
-              <a:t>t</a:t>
-            </a:r>
-            <a:r>
-              <a:rPr lang="en-US" altLang="it-IT" sz="1500" bmk="351"/>
-              <a:t>at</a:t>
-            </a:r>
-            <a:r>
-              <a:rPr lang="en-US" altLang="it-IT" sz="1500" bmk="0"/>
-              <a:t>e.</a:t>
+              <a:rPr lang="en-US" altLang="it-IT" sz="1500" bmk="1421"/>
+              <a:t>.</a:t>
+            </a:r>
+            <a:r>
+              <a:rPr lang="en-US" altLang="it-IT" sz="1500" bmk="678"/>
+              <a:t/>
             </a:r>
           </a:p>
           <a:p>
@@ -12821,12 +12969,16 @@
               </a:tabLst>
             </a:pPr>
             <a:r>
-              <a:rPr lang="en-US" altLang="it-IT" bmk="1471"/>
-              <a:t>Cha</a:t>
-            </a:r>
-            <a:r>
-              <a:rPr lang="en-US" altLang="it-IT" bmk="0"/>
-              <a:t>rt</a:t>
+              <a:rPr lang="en-US" altLang="it-IT" bmk="594"/>
+              <a:t>Char</a:t>
+            </a:r>
+            <a:r>
+              <a:rPr lang="en-US" altLang="it-IT" bmk="688"/>
+              <a:t>t</a:t>
+            </a:r>
+            <a:r>
+              <a:rPr lang="en-US" altLang="it-IT" bmk="1377"/>
+              <a:t/>
             </a:r>
           </a:p>
         </p:txBody>
@@ -12980,8 +13132,16 @@
           <a:lstStyle/>
           <a:p>
             <a:r>
+              <a:rPr lang="it-IT" dirty="0" err="1" bmk="1306"/>
+              <a:t>Ta</a:t>
+            </a:r>
+            <a:r>
+              <a:rPr lang="it-IT" dirty="0" err="1" bmk="1810"/>
+              <a:t>b</a:t>
+            </a:r>
+            <a:r>
               <a:rPr lang="it-IT" dirty="0" err="1" bmk="0"/>
-              <a:t>Table</a:t>
+              <a:t>le</a:t>
             </a:r>
             <a:endParaRPr lang="it-IT" dirty="0"/>
           </a:p>
@@ -16724,16 +16884,79 @@
               <a:buSzPts val="800"/>
             </a:pPr>
             <a:r>
-              <a:rPr lang="it-IT" sz="1000" dirty="0" bmk="436">
+              <a:rPr lang="it-IT" sz="1000" dirty="0" bmk="618">
                 <a:solidFill>
                   <a:srgbClr val="3C78D8"/>
                 </a:solidFill>
                 <a:latin typeface="Quicksand"/>
               </a:rPr>
-              <a:t>I dati</a:t>
-            </a:r>
-            <a:r>
-              <a:rPr lang="it-IT" sz="1000" dirty="0" bmk="767">
+              <a:t>I da</a:t>
+            </a:r>
+            <a:r>
+              <a:rPr lang="it-IT" sz="1000" dirty="0" bmk="1772">
+                <a:solidFill>
+                  <a:srgbClr val="3C78D8"/>
+                </a:solidFill>
+                <a:latin typeface="Quicksand"/>
+              </a:rPr>
+              <a:t>ti e</a:t>
+            </a:r>
+            <a:r>
+              <a:rPr lang="it-IT" sz="1000" dirty="0" bmk="1725">
+                <a:solidFill>
+                  <a:srgbClr val="3C78D8"/>
+                </a:solidFill>
+                <a:latin typeface="Quicksand"/>
+              </a:rPr>
+              <a:t>s</a:t>
+            </a:r>
+            <a:r>
+              <a:rPr lang="it-IT" sz="1000" dirty="0" bmk="469">
+                <a:solidFill>
+                  <a:srgbClr val="3C78D8"/>
+                </a:solidFill>
+                <a:latin typeface="Quicksand"/>
+              </a:rPr>
+              <a:t>po</a:t>
+            </a:r>
+            <a:r>
+              <a:rPr lang="it-IT" sz="1000" dirty="0" bmk="1495">
+                <a:solidFill>
+                  <a:srgbClr val="3C78D8"/>
+                </a:solidFill>
+                <a:latin typeface="Quicksand"/>
+              </a:rPr>
+              <a:t>s</a:t>
+            </a:r>
+            <a:r>
+              <a:rPr lang="it-IT" sz="1000" dirty="0" bmk="1089">
+                <a:solidFill>
+                  <a:srgbClr val="3C78D8"/>
+                </a:solidFill>
+                <a:latin typeface="Quicksand"/>
+              </a:rPr>
+              <a:t>ti </a:t>
+            </a:r>
+            <a:r>
+              <a:rPr lang="it-IT" sz="1000" dirty="0" bmk="932">
+                <a:solidFill>
+                  <a:srgbClr val="3C78D8"/>
+                </a:solidFill>
+                <a:latin typeface="Quicksand"/>
+              </a:rPr>
+              <a:t>so</a:t>
+            </a:r>
+            <a:r>
+              <a:rPr lang="it-IT" sz="1000" dirty="0" bmk="527">
+                <a:solidFill>
+                  <a:srgbClr val="3C78D8"/>
+                </a:solidFill>
+                <a:latin typeface="Quicksand"/>
+              </a:rPr>
+              <a:t>no</a:t>
+            </a:r>
+            <a:r>
+              <a:rPr lang="it-IT" sz="1000" dirty="0" bmk="1088">
                 <a:solidFill>
                   <a:srgbClr val="3C78D8"/>
                 </a:solidFill>
@@ -16742,16 +16965,241 @@
               <a:t> </a:t>
             </a:r>
             <a:r>
-              <a:rPr lang="it-IT" sz="1000" dirty="0" bmk="1252">
+              <a:rPr lang="it-IT" sz="1000" dirty="0" bmk="508">
                 <a:solidFill>
                   <a:srgbClr val="3C78D8"/>
                 </a:solidFill>
                 <a:latin typeface="Quicksand"/>
               </a:rPr>
-              <a:t>es</a:t>
-            </a:r>
-            <a:r>
-              <a:rPr lang="it-IT" sz="1000" dirty="0" bmk="1315">
+              <a:t>e</a:t>
+            </a:r>
+            <a:r>
+              <a:rPr lang="it-IT" sz="1000" dirty="0" bmk="696">
+                <a:solidFill>
+                  <a:srgbClr val="3C78D8"/>
+                </a:solidFill>
+                <a:latin typeface="Quicksand"/>
+              </a:rPr>
+              <a:t>st</a:t>
+            </a:r>
+            <a:r>
+              <a:rPr lang="it-IT" sz="1000" dirty="0" bmk="1012">
+                <a:solidFill>
+                  <a:srgbClr val="3C78D8"/>
+                </a:solidFill>
+                <a:latin typeface="Quicksand"/>
+              </a:rPr>
+              <a:t>r</a:t>
+            </a:r>
+            <a:r>
+              <a:rPr lang="it-IT" sz="1000" dirty="0" bmk="1425">
+                <a:solidFill>
+                  <a:srgbClr val="3C78D8"/>
+                </a:solidFill>
+                <a:latin typeface="Quicksand"/>
+              </a:rPr>
+              <a:t>a</a:t>
+            </a:r>
+            <a:r>
+              <a:rPr lang="it-IT" sz="1000" dirty="0" bmk="1121">
+                <a:solidFill>
+                  <a:srgbClr val="3C78D8"/>
+                </a:solidFill>
+                <a:latin typeface="Quicksand"/>
+              </a:rPr>
+              <a:t>t</a:t>
+            </a:r>
+            <a:r>
+              <a:rPr lang="it-IT" sz="1000" dirty="0" bmk="1665">
+                <a:solidFill>
+                  <a:srgbClr val="3C78D8"/>
+                </a:solidFill>
+                <a:latin typeface="Quicksand"/>
+              </a:rPr>
+              <a:t>ti </a:t>
+            </a:r>
+            <a:r>
+              <a:rPr lang="it-IT" sz="1000" dirty="0" bmk="605">
+                <a:solidFill>
+                  <a:srgbClr val="3C78D8"/>
+                </a:solidFill>
+                <a:latin typeface="Quicksand"/>
+              </a:rPr>
+              <a:t>da</a:t>
+            </a:r>
+            <a:r>
+              <a:rPr lang="it-IT" sz="1000" dirty="0" bmk="536">
+                <a:solidFill>
+                  <a:srgbClr val="3C78D8"/>
+                </a:solidFill>
+                <a:latin typeface="Quicksand"/>
+              </a:rPr>
+              <a:t> un</a:t>
+            </a:r>
+            <a:r>
+              <a:rPr lang="it-IT" sz="1000" dirty="0" bmk="495">
+                <a:solidFill>
+                  <a:srgbClr val="3C78D8"/>
+                </a:solidFill>
+                <a:latin typeface="Quicksand"/>
+              </a:rPr>
+              <a:t>a F</a:t>
+            </a:r>
+            <a:r>
+              <a:rPr lang="it-IT" sz="1000" dirty="0" bmk="1242">
+                <a:solidFill>
+                  <a:srgbClr val="3C78D8"/>
+                </a:solidFill>
+                <a:latin typeface="Quicksand"/>
+              </a:rPr>
+              <a:t>or</a:t>
+            </a:r>
+            <a:r>
+              <a:rPr lang="it-IT" sz="1000" dirty="0" bmk="568">
+                <a:solidFill>
+                  <a:srgbClr val="3C78D8"/>
+                </a:solidFill>
+                <a:latin typeface="Quicksand"/>
+              </a:rPr>
+              <a:t>ec</a:t>
+            </a:r>
+            <a:r>
+              <a:rPr lang="it-IT" sz="1000" dirty="0" bmk="1789">
+                <a:solidFill>
+                  <a:srgbClr val="3C78D8"/>
+                </a:solidFill>
+                <a:latin typeface="Quicksand"/>
+              </a:rPr>
+              <a:t>as</a:t>
+            </a:r>
+            <a:r>
+              <a:rPr lang="it-IT" sz="1000" dirty="0" bmk="651">
+                <a:solidFill>
+                  <a:srgbClr val="3C78D8"/>
+                </a:solidFill>
+                <a:latin typeface="Quicksand"/>
+              </a:rPr>
+              <a:t>t </a:t>
+            </a:r>
+            <a:r>
+              <a:rPr lang="it-IT" sz="1000" dirty="0" bmk="1361">
+                <a:solidFill>
+                  <a:srgbClr val="3C78D8"/>
+                </a:solidFill>
+                <a:latin typeface="Quicksand"/>
+              </a:rPr>
+              <a:t>An</a:t>
+            </a:r>
+            <a:r>
+              <a:rPr lang="it-IT" sz="1000" dirty="0" bmk="1413">
+                <a:solidFill>
+                  <a:srgbClr val="3C78D8"/>
+                </a:solidFill>
+                <a:latin typeface="Quicksand"/>
+              </a:rPr>
+              <a:t>aly</a:t>
+            </a:r>
+            <a:r>
+              <a:rPr lang="it-IT" sz="1000" dirty="0" bmk="1788">
+                <a:solidFill>
+                  <a:srgbClr val="3C78D8"/>
+                </a:solidFill>
+                <a:latin typeface="Quicksand"/>
+              </a:rPr>
+              <a:t>s</a:t>
+            </a:r>
+            <a:r>
+              <a:rPr lang="it-IT" sz="1000" dirty="0" bmk="1016">
+                <a:solidFill>
+                  <a:srgbClr val="3C78D8"/>
+                </a:solidFill>
+                <a:latin typeface="Quicksand"/>
+              </a:rPr>
+              <a:t>is e</a:t>
+            </a:r>
+            <a:r>
+              <a:rPr lang="it-IT" sz="1000" dirty="0" bmk="1214">
+                <a:solidFill>
+                  <a:srgbClr val="3C78D8"/>
+                </a:solidFill>
+                <a:latin typeface="Quicksand"/>
+              </a:rPr>
+              <a:t>f</a:t>
+            </a:r>
+            <a:r>
+              <a:rPr lang="it-IT" sz="1000" dirty="0" bmk="920">
+                <a:solidFill>
+                  <a:srgbClr val="3C78D8"/>
+                </a:solidFill>
+                <a:latin typeface="Quicksand"/>
+              </a:rPr>
+              <a:t>fe</a:t>
+            </a:r>
+            <a:r>
+              <a:rPr lang="it-IT" sz="1000" dirty="0" bmk="222">
+                <a:solidFill>
+                  <a:srgbClr val="3C78D8"/>
+                </a:solidFill>
+                <a:latin typeface="Quicksand"/>
+              </a:rPr>
+              <a:t>ttuat</a:t>
+            </a:r>
+            <a:r>
+              <a:rPr lang="it-IT" sz="1000" dirty="0" bmk="1778">
+                <a:solidFill>
+                  <a:srgbClr val="3C78D8"/>
+                </a:solidFill>
+                <a:latin typeface="Quicksand"/>
+              </a:rPr>
+              <a:t>a</a:t>
+            </a:r>
+            <a:r>
+              <a:rPr lang="it-IT" sz="1000" dirty="0" bmk="1378">
+                <a:solidFill>
+                  <a:srgbClr val="3C78D8"/>
+                </a:solidFill>
+                <a:latin typeface="Quicksand"/>
+              </a:rPr>
+              <a:t> in</a:t>
+            </a:r>
+            <a:r>
+              <a:rPr lang="it-IT" sz="1000" dirty="0" bmk="590">
+                <a:solidFill>
+                  <a:srgbClr val="3C78D8"/>
+                </a:solidFill>
+                <a:latin typeface="Quicksand"/>
+              </a:rPr>
+              <a:t> </a:t>
+            </a:r>
+            <a:r>
+              <a:rPr lang="it-IT" sz="1000" dirty="0" bmk="540">
+                <a:solidFill>
+                  <a:srgbClr val="3C78D8"/>
+                </a:solidFill>
+                <a:latin typeface="Quicksand"/>
+              </a:rPr>
+              <a:t>fas</a:t>
+            </a:r>
+            <a:r>
+              <a:rPr lang="it-IT" sz="1000" dirty="0" bmk="883">
+                <a:solidFill>
+                  <a:srgbClr val="3C78D8"/>
+                </a:solidFill>
+                <a:latin typeface="Quicksand"/>
+              </a:rPr>
+              <a:t>e </a:t>
+            </a:r>
+            <a:r>
+              <a:rPr lang="it-IT" sz="1000" dirty="0" bmk="1093">
+                <a:solidFill>
+                  <a:srgbClr val="3C78D8"/>
+                </a:solidFill>
+                <a:latin typeface="Quicksand"/>
+              </a:rPr>
+              <a:t>di </a:t>
+            </a:r>
+            <a:r>
+              <a:rPr lang="it-IT" sz="1000" dirty="0" bmk="1754">
                 <a:solidFill>
                   <a:srgbClr val="3C78D8"/>
                 </a:solidFill>
@@ -16760,34 +17208,106 @@
               <a:t>p</a:t>
             </a:r>
             <a:r>
-              <a:rPr lang="it-IT" sz="1000" dirty="0" bmk="1383">
+              <a:rPr lang="it-IT" sz="1000" dirty="0" bmk="303">
                 <a:solidFill>
                   <a:srgbClr val="3C78D8"/>
                 </a:solidFill>
                 <a:latin typeface="Quicksand"/>
               </a:rPr>
-              <a:t>o</a:t>
-            </a:r>
-            <a:r>
-              <a:rPr lang="it-IT" sz="1000" dirty="0" bmk="732">
+              <a:t>ro</a:t>
+            </a:r>
+            <a:r>
+              <a:rPr lang="it-IT" sz="1000" dirty="0" bmk="766">
                 <a:solidFill>
                   <a:srgbClr val="3C78D8"/>
                 </a:solidFill>
                 <a:latin typeface="Quicksand"/>
               </a:rPr>
-              <a:t>st</a:t>
-            </a:r>
-            <a:r>
-              <a:rPr lang="it-IT" sz="1000" dirty="0" bmk="564">
+              <a:t>g</a:t>
+            </a:r>
+            <a:r>
+              <a:rPr lang="it-IT" sz="1000" dirty="0" bmk="169">
                 <a:solidFill>
                   <a:srgbClr val="3C78D8"/>
                 </a:solidFill>
                 <a:latin typeface="Quicksand"/>
               </a:rPr>
-              <a:t>i so</a:t>
-            </a:r>
-            <a:r>
-              <a:rPr lang="it-IT" sz="1000" dirty="0" bmk="1119">
+              <a:t>e</a:t>
+            </a:r>
+            <a:r>
+              <a:rPr lang="it-IT" sz="1000" dirty="0" bmk="1080">
+                <a:solidFill>
+                  <a:srgbClr val="3C78D8"/>
+                </a:solidFill>
+                <a:latin typeface="Quicksand"/>
+              </a:rPr>
+              <a:t>t</a:t>
+            </a:r>
+            <a:r>
+              <a:rPr lang="it-IT" sz="1000" dirty="0" bmk="871">
+                <a:solidFill>
+                  <a:srgbClr val="3C78D8"/>
+                </a:solidFill>
+                <a:latin typeface="Quicksand"/>
+              </a:rPr>
+              <a:t>ta</a:t>
+            </a:r>
+            <a:r>
+              <a:rPr lang="it-IT" sz="1000" dirty="0" bmk="286">
+                <a:solidFill>
+                  <a:srgbClr val="3C78D8"/>
+                </a:solidFill>
+                <a:latin typeface="Quicksand"/>
+              </a:rPr>
+              <a:t>zion</a:t>
+            </a:r>
+            <a:r>
+              <a:rPr lang="it-IT" sz="1000" dirty="0" bmk="159">
+                <a:solidFill>
+                  <a:srgbClr val="3C78D8"/>
+                </a:solidFill>
+                <a:latin typeface="Quicksand"/>
+              </a:rPr>
+              <a:t>e</a:t>
+            </a:r>
+            <a:r>
+              <a:rPr lang="it-IT" sz="1000" dirty="0" bmk="1391">
+                <a:solidFill>
+                  <a:srgbClr val="3C78D8"/>
+                </a:solidFill>
+                <a:latin typeface="Quicksand"/>
+              </a:rPr>
+              <a:t> de</a:t>
+            </a:r>
+            <a:r>
+              <a:rPr lang="it-IT" sz="1000" dirty="0" bmk="97">
+                <a:solidFill>
+                  <a:srgbClr val="3C78D8"/>
+                </a:solidFill>
+                <a:latin typeface="Quicksand"/>
+              </a:rPr>
+              <a:t>l b</a:t>
+            </a:r>
+            <a:r>
+              <a:rPr lang="it-IT" sz="1000" dirty="0" bmk="1035">
+                <a:solidFill>
+                  <a:srgbClr val="3C78D8"/>
+                </a:solidFill>
+                <a:latin typeface="Quicksand"/>
+              </a:rPr>
+              <a:t>us</a:t>
+            </a:r>
+            <a:r>
+              <a:rPr lang="it-IT" sz="1000" dirty="0" bmk="1450">
+                <a:solidFill>
+                  <a:srgbClr val="3C78D8"/>
+                </a:solidFill>
+                <a:latin typeface="Quicksand"/>
+              </a:rPr>
+              <a:t>i</a:t>
+            </a:r>
+            <a:r>
+              <a:rPr lang="it-IT" sz="1000" dirty="0" bmk="591">
                 <a:solidFill>
                   <a:srgbClr val="3C78D8"/>
                 </a:solidFill>
@@ -16796,52 +17316,79 @@
               <a:t>n</a:t>
             </a:r>
             <a:r>
-              <a:rPr lang="it-IT" sz="1000" dirty="0" bmk="463">
+              <a:rPr lang="it-IT" sz="1000" dirty="0" bmk="1621">
                 <a:solidFill>
                   <a:srgbClr val="3C78D8"/>
                 </a:solidFill>
                 <a:latin typeface="Quicksand"/>
               </a:rPr>
-              <a:t>o</a:t>
-            </a:r>
-            <a:r>
-              <a:rPr lang="it-IT" sz="1000" dirty="0" bmk="1262">
+              <a:t>e</a:t>
+            </a:r>
+            <a:r>
+              <a:rPr lang="it-IT" sz="1000" dirty="0" bmk="501">
                 <a:solidFill>
                   <a:srgbClr val="3C78D8"/>
                 </a:solidFill>
                 <a:latin typeface="Quicksand"/>
               </a:rPr>
-              <a:t> e</a:t>
-            </a:r>
-            <a:r>
-              <a:rPr lang="it-IT" sz="1000" dirty="0" bmk="1177">
+              <a:t>s</a:t>
+            </a:r>
+            <a:r>
+              <a:rPr lang="it-IT" sz="1000" dirty="0" bmk="160">
                 <a:solidFill>
                   <a:srgbClr val="3C78D8"/>
                 </a:solidFill>
                 <a:latin typeface="Quicksand"/>
               </a:rPr>
-              <a:t>strat</a:t>
-            </a:r>
-            <a:r>
-              <a:rPr lang="it-IT" sz="1000" dirty="0" bmk="754">
+              <a:t>s </a:t>
+            </a:r>
+            <a:r>
+              <a:rPr lang="it-IT" sz="1000" dirty="0" bmk="1676">
                 <a:solidFill>
                   <a:srgbClr val="3C78D8"/>
                 </a:solidFill>
                 <a:latin typeface="Quicksand"/>
               </a:rPr>
-              <a:t>ti </a:t>
-            </a:r>
-            <a:r>
-              <a:rPr lang="it-IT" sz="1000" dirty="0" bmk="90">
+              <a:t>m</a:t>
+            </a:r>
+            <a:r>
+              <a:rPr lang="it-IT" sz="1000" dirty="0" bmk="33">
                 <a:solidFill>
                   <a:srgbClr val="3C78D8"/>
                 </a:solidFill>
                 <a:latin typeface="Quicksand"/>
               </a:rPr>
-              <a:t>da</a:t>
-            </a:r>
-            <a:r>
-              <a:rPr lang="it-IT" sz="1000" dirty="0" bmk="933">
+              <a:t>od</a:t>
+            </a:r>
+            <a:r>
+              <a:rPr lang="it-IT" sz="1000" dirty="0" bmk="1246">
+                <a:solidFill>
+                  <a:srgbClr val="3C78D8"/>
+                </a:solidFill>
+                <a:latin typeface="Quicksand"/>
+              </a:rPr>
+              <a:t>e</a:t>
+            </a:r>
+            <a:r>
+              <a:rPr lang="it-IT" sz="1000" dirty="0" bmk="1121">
+                <a:solidFill>
+                  <a:srgbClr val="3C78D8"/>
+                </a:solidFill>
+                <a:latin typeface="Quicksand"/>
+              </a:rPr>
+              <a:t>l</a:t>
+            </a:r>
+            <a:r>
+              <a:rPr lang="it-IT" sz="1000" dirty="0" bmk="1125">
+                <a:solidFill>
+                  <a:srgbClr val="3C78D8"/>
+                </a:solidFill>
+                <a:latin typeface="Quicksand"/>
+              </a:rPr>
+              <a:t> su</a:t>
+            </a:r>
+            <a:r>
+              <a:rPr lang="it-IT" sz="1000" dirty="0" bmk="1291">
                 <a:solidFill>
                   <a:srgbClr val="3C78D8"/>
                 </a:solidFill>
@@ -16850,52 +17397,16 @@
               <a:t> </a:t>
             </a:r>
             <a:r>
-              <a:rPr lang="it-IT" sz="1000" dirty="0" bmk="1340">
+              <a:rPr lang="it-IT" sz="1000" dirty="0" bmk="1742">
                 <a:solidFill>
                   <a:srgbClr val="3C78D8"/>
                 </a:solidFill>
                 <a:latin typeface="Quicksand"/>
               </a:rPr>
-              <a:t>una</a:t>
-            </a:r>
-            <a:r>
-              <a:rPr lang="it-IT" sz="1000" dirty="0" bmk="1475">
-                <a:solidFill>
-                  <a:srgbClr val="3C78D8"/>
-                </a:solidFill>
-                <a:latin typeface="Quicksand"/>
-              </a:rPr>
-              <a:t> F</a:t>
-            </a:r>
-            <a:r>
-              <a:rPr lang="it-IT" sz="1000" dirty="0" bmk="349">
-                <a:solidFill>
-                  <a:srgbClr val="3C78D8"/>
-                </a:solidFill>
-                <a:latin typeface="Quicksand"/>
-              </a:rPr>
-              <a:t>o</a:t>
-            </a:r>
-            <a:r>
-              <a:rPr lang="it-IT" sz="1000" dirty="0" bmk="1515">
-                <a:solidFill>
-                  <a:srgbClr val="3C78D8"/>
-                </a:solidFill>
-                <a:latin typeface="Quicksand"/>
-              </a:rPr>
-              <a:t>r</a:t>
-            </a:r>
-            <a:r>
-              <a:rPr lang="it-IT" sz="1000" dirty="0" bmk="1542">
-                <a:solidFill>
-                  <a:srgbClr val="3C78D8"/>
-                </a:solidFill>
-                <a:latin typeface="Quicksand"/>
-              </a:rPr>
-              <a:t>ec</a:t>
-            </a:r>
-            <a:r>
-              <a:rPr lang="it-IT" sz="1000" dirty="0" bmk="479">
+              <a:t>b</a:t>
+            </a:r>
+            <a:r>
+              <a:rPr lang="it-IT" sz="1000" dirty="0" bmk="1742">
                 <a:solidFill>
                   <a:srgbClr val="3C78D8"/>
                 </a:solidFill>
@@ -16904,133 +17415,25 @@
               <a:t>as</a:t>
             </a:r>
             <a:r>
-              <a:rPr lang="it-IT" sz="1000" dirty="0" bmk="189">
+              <a:rPr lang="it-IT" sz="1000" dirty="0" bmk="1807">
                 <a:solidFill>
                   <a:srgbClr val="3C78D8"/>
                 </a:solidFill>
                 <a:latin typeface="Quicksand"/>
               </a:rPr>
-              <a:t>t </a:t>
-            </a:r>
-            <a:r>
-              <a:rPr lang="it-IT" sz="1000" dirty="0" bmk="925">
+              <a:t>e</a:t>
+            </a:r>
+            <a:r>
+              <a:rPr lang="it-IT" sz="1000" dirty="0" bmk="1031">
                 <a:solidFill>
                   <a:srgbClr val="3C78D8"/>
                 </a:solidFill>
                 <a:latin typeface="Quicksand"/>
               </a:rPr>
-              <a:t>A</a:t>
-            </a:r>
-            <a:r>
-              <a:rPr lang="it-IT" sz="1000" dirty="0" bmk="1234">
-                <a:solidFill>
-                  <a:srgbClr val="3C78D8"/>
-                </a:solidFill>
-                <a:latin typeface="Quicksand"/>
-              </a:rPr>
-              <a:t>na</a:t>
-            </a:r>
-            <a:r>
-              <a:rPr lang="it-IT" sz="1000" dirty="0" bmk="979">
-                <a:solidFill>
-                  <a:srgbClr val="3C78D8"/>
-                </a:solidFill>
-                <a:latin typeface="Quicksand"/>
-              </a:rPr>
-              <a:t>lys</a:t>
-            </a:r>
-            <a:r>
-              <a:rPr lang="it-IT" sz="1000" dirty="0" bmk="404">
-                <a:solidFill>
-                  <a:srgbClr val="3C78D8"/>
-                </a:solidFill>
-                <a:latin typeface="Quicksand"/>
-              </a:rPr>
-              <a:t>is</a:t>
-            </a:r>
-            <a:r>
-              <a:rPr lang="it-IT" sz="1000" dirty="0" bmk="989">
-                <a:solidFill>
-                  <a:srgbClr val="3C78D8"/>
-                </a:solidFill>
-                <a:latin typeface="Quicksand"/>
-              </a:rPr>
-              <a:t> </a:t>
-            </a:r>
-            <a:r>
-              <a:rPr lang="it-IT" sz="1000" dirty="0" bmk="194">
-                <a:solidFill>
-                  <a:srgbClr val="3C78D8"/>
-                </a:solidFill>
-                <a:latin typeface="Quicksand"/>
-              </a:rPr>
-              <a:t>effe</a:t>
-            </a:r>
-            <a:r>
-              <a:rPr lang="it-IT" sz="1000" dirty="0" bmk="65">
-                <a:solidFill>
-                  <a:srgbClr val="3C78D8"/>
-                </a:solidFill>
-                <a:latin typeface="Quicksand"/>
-              </a:rPr>
-              <a:t>t</a:t>
-            </a:r>
-            <a:r>
-              <a:rPr lang="it-IT" sz="1000" dirty="0" bmk="28">
-                <a:solidFill>
-                  <a:srgbClr val="3C78D8"/>
-                </a:solidFill>
-                <a:latin typeface="Quicksand"/>
-              </a:rPr>
-              <a:t>tu</a:t>
-            </a:r>
-            <a:r>
-              <a:rPr lang="it-IT" sz="1000" dirty="0" bmk="91">
-                <a:solidFill>
-                  <a:srgbClr val="3C78D8"/>
-                </a:solidFill>
-                <a:latin typeface="Quicksand"/>
-              </a:rPr>
-              <a:t>ata</a:t>
-            </a:r>
-            <a:r>
-              <a:rPr lang="it-IT" sz="1000" dirty="0" bmk="1468">
-                <a:solidFill>
-                  <a:srgbClr val="3C78D8"/>
-                </a:solidFill>
-                <a:latin typeface="Quicksand"/>
-              </a:rPr>
-              <a:t> i</a:t>
-            </a:r>
-            <a:r>
-              <a:rPr lang="it-IT" sz="1000" dirty="0" bmk="502">
-                <a:solidFill>
-                  <a:srgbClr val="3C78D8"/>
-                </a:solidFill>
-                <a:latin typeface="Quicksand"/>
-              </a:rPr>
-              <a:t>n f</a:t>
-            </a:r>
-            <a:r>
-              <a:rPr lang="it-IT" sz="1000" dirty="0" bmk="1161">
-                <a:solidFill>
-                  <a:srgbClr val="3C78D8"/>
-                </a:solidFill>
-                <a:latin typeface="Quicksand"/>
-              </a:rPr>
-              <a:t>ase</a:t>
-            </a:r>
-            <a:r>
-              <a:rPr lang="it-IT" sz="1000" dirty="0" bmk="3">
-                <a:solidFill>
-                  <a:srgbClr val="3C78D8"/>
-                </a:solidFill>
-                <a:latin typeface="Quicksand"/>
-              </a:rPr>
-              <a:t> d</a:t>
-            </a:r>
-            <a:r>
-              <a:rPr lang="it-IT" sz="1000" dirty="0" bmk="1089">
+              <a:t> qu</a:t>
+            </a:r>
+            <a:r>
+              <a:rPr lang="it-IT" sz="1000" dirty="0" bmk="426">
                 <a:solidFill>
                   <a:srgbClr val="3C78D8"/>
                 </a:solidFill>
@@ -17039,265 +17442,58 @@
               <a:t>i</a:t>
             </a:r>
             <a:r>
-              <a:rPr lang="it-IT" sz="1000" dirty="0" bmk="605">
+              <a:rPr lang="it-IT" sz="1000" dirty="0" bmk="153">
                 <a:solidFill>
                   <a:srgbClr val="3C78D8"/>
                 </a:solidFill>
                 <a:latin typeface="Quicksand"/>
               </a:rPr>
-              <a:t> p</a:t>
-            </a:r>
-            <a:r>
-              <a:rPr lang="it-IT" sz="1000" dirty="0" bmk="1582">
+              <a:t>n</a:t>
+            </a:r>
+            <a:r>
+              <a:rPr lang="it-IT" sz="1000" dirty="0" bmk="1215">
                 <a:solidFill>
                   <a:srgbClr val="3C78D8"/>
                 </a:solidFill>
                 <a:latin typeface="Quicksand"/>
               </a:rPr>
-              <a:t>r</a:t>
-            </a:r>
-            <a:r>
-              <a:rPr lang="it-IT" sz="1000" dirty="0" bmk="748">
+              <a:t>q</a:t>
+            </a:r>
+            <a:r>
+              <a:rPr lang="it-IT" sz="1000" dirty="0" bmk="1140">
                 <a:solidFill>
                   <a:srgbClr val="3C78D8"/>
                 </a:solidFill>
                 <a:latin typeface="Quicksand"/>
               </a:rPr>
-              <a:t>o</a:t>
-            </a:r>
-            <a:r>
-              <a:rPr lang="it-IT" sz="1000" dirty="0" bmk="301">
+              <a:t>ue</a:t>
+            </a:r>
+            <a:r>
+              <a:rPr lang="it-IT" sz="1000" dirty="0" bmk="969">
                 <a:solidFill>
                   <a:srgbClr val="3C78D8"/>
                 </a:solidFill>
                 <a:latin typeface="Quicksand"/>
               </a:rPr>
-              <a:t>g</a:t>
-            </a:r>
-            <a:r>
-              <a:rPr lang="it-IT" sz="1000" dirty="0" bmk="1582">
+              <a:t>nna</a:t>
+            </a:r>
+            <a:r>
+              <a:rPr lang="it-IT" sz="1000" dirty="0" bmk="651">
                 <a:solidFill>
                   <a:srgbClr val="3C78D8"/>
                 </a:solidFill>
                 <a:latin typeface="Quicksand"/>
               </a:rPr>
-              <a:t>ettaz</a:t>
-            </a:r>
-            <a:r>
-              <a:rPr lang="it-IT" sz="1000" dirty="0" bmk="348">
-                <a:solidFill>
-                  <a:srgbClr val="3C78D8"/>
-                </a:solidFill>
-                <a:latin typeface="Quicksand"/>
-              </a:rPr>
-              <a:t>ion</a:t>
-            </a:r>
-            <a:r>
-              <a:rPr lang="it-IT" sz="1000" dirty="0" bmk="1341">
+              <a:t>l</a:t>
+            </a:r>
+            <a:r>
+              <a:rPr lang="it-IT" sz="1000" dirty="0" bmk="0">
                 <a:solidFill>
                   <a:srgbClr val="3C78D8"/>
                 </a:solidFill>
                 <a:latin typeface="Quicksand"/>
               </a:rPr>
               <a:t>e </a:t>
-            </a:r>
-            <a:r>
-              <a:rPr lang="it-IT" sz="1000" dirty="0" bmk="1297">
-                <a:solidFill>
-                  <a:srgbClr val="3C78D8"/>
-                </a:solidFill>
-                <a:latin typeface="Quicksand"/>
-              </a:rPr>
-              <a:t>del</a:t>
-            </a:r>
-            <a:r>
-              <a:rPr lang="it-IT" sz="1000" dirty="0" bmk="771">
-                <a:solidFill>
-                  <a:srgbClr val="3C78D8"/>
-                </a:solidFill>
-                <a:latin typeface="Quicksand"/>
-              </a:rPr>
-              <a:t> </a:t>
-            </a:r>
-            <a:r>
-              <a:rPr lang="it-IT" sz="1000" dirty="0" bmk="116">
-                <a:solidFill>
-                  <a:srgbClr val="3C78D8"/>
-                </a:solidFill>
-                <a:latin typeface="Quicksand"/>
-              </a:rPr>
-              <a:t>b</a:t>
-            </a:r>
-            <a:r>
-              <a:rPr lang="it-IT" sz="1000" dirty="0" bmk="1002">
-                <a:solidFill>
-                  <a:srgbClr val="3C78D8"/>
-                </a:solidFill>
-                <a:latin typeface="Quicksand"/>
-              </a:rPr>
-              <a:t>usi</a:t>
-            </a:r>
-            <a:r>
-              <a:rPr lang="it-IT" sz="1000" dirty="0" bmk="889">
-                <a:solidFill>
-                  <a:srgbClr val="3C78D8"/>
-                </a:solidFill>
-                <a:latin typeface="Quicksand"/>
-              </a:rPr>
-              <a:t>n</a:t>
-            </a:r>
-            <a:r>
-              <a:rPr lang="it-IT" sz="1000" dirty="0" bmk="1036">
-                <a:solidFill>
-                  <a:srgbClr val="3C78D8"/>
-                </a:solidFill>
-                <a:latin typeface="Quicksand"/>
-              </a:rPr>
-              <a:t>es</a:t>
-            </a:r>
-            <a:r>
-              <a:rPr lang="it-IT" sz="1000" dirty="0" bmk="834">
-                <a:solidFill>
-                  <a:srgbClr val="3C78D8"/>
-                </a:solidFill>
-                <a:latin typeface="Quicksand"/>
-              </a:rPr>
-              <a:t>s</a:t>
-            </a:r>
-            <a:r>
-              <a:rPr lang="it-IT" sz="1000" dirty="0" bmk="1058">
-                <a:solidFill>
-                  <a:srgbClr val="3C78D8"/>
-                </a:solidFill>
-                <a:latin typeface="Quicksand"/>
-              </a:rPr>
-              <a:t> </a:t>
-            </a:r>
-            <a:r>
-              <a:rPr lang="it-IT" sz="1000" dirty="0" bmk="230">
-                <a:solidFill>
-                  <a:srgbClr val="3C78D8"/>
-                </a:solidFill>
-                <a:latin typeface="Quicksand"/>
-              </a:rPr>
-              <a:t>mo</a:t>
-            </a:r>
-            <a:r>
-              <a:rPr lang="it-IT" sz="1000" dirty="0" bmk="202">
-                <a:solidFill>
-                  <a:srgbClr val="3C78D8"/>
-                </a:solidFill>
-                <a:latin typeface="Quicksand"/>
-              </a:rPr>
-              <a:t>d</a:t>
-            </a:r>
-            <a:r>
-              <a:rPr lang="it-IT" sz="1000" dirty="0" bmk="1565">
-                <a:solidFill>
-                  <a:srgbClr val="3C78D8"/>
-                </a:solidFill>
-                <a:latin typeface="Quicksand"/>
-              </a:rPr>
-              <a:t>e</a:t>
-            </a:r>
-            <a:r>
-              <a:rPr lang="it-IT" sz="1000" dirty="0" bmk="771">
-                <a:solidFill>
-                  <a:srgbClr val="3C78D8"/>
-                </a:solidFill>
-                <a:latin typeface="Quicksand"/>
-              </a:rPr>
-              <a:t>l </a:t>
-            </a:r>
-            <a:r>
-              <a:rPr lang="it-IT" sz="1000" dirty="0" bmk="1664">
-                <a:solidFill>
-                  <a:srgbClr val="3C78D8"/>
-                </a:solidFill>
-                <a:latin typeface="Quicksand"/>
-              </a:rPr>
-              <a:t>su</a:t>
-            </a:r>
-            <a:r>
-              <a:rPr lang="it-IT" sz="1000" dirty="0" bmk="920">
-                <a:solidFill>
-                  <a:srgbClr val="3C78D8"/>
-                </a:solidFill>
-                <a:latin typeface="Quicksand"/>
-              </a:rPr>
-              <a:t> </a:t>
-            </a:r>
-            <a:r>
-              <a:rPr lang="it-IT" sz="1000" dirty="0" bmk="987">
-                <a:solidFill>
-                  <a:srgbClr val="3C78D8"/>
-                </a:solidFill>
-                <a:latin typeface="Quicksand"/>
-              </a:rPr>
-              <a:t>bas</a:t>
-            </a:r>
-            <a:r>
-              <a:rPr lang="it-IT" sz="1000" dirty="0" bmk="45">
-                <a:solidFill>
-                  <a:srgbClr val="3C78D8"/>
-                </a:solidFill>
-                <a:latin typeface="Quicksand"/>
-              </a:rPr>
-              <a:t>e </a:t>
-            </a:r>
-            <a:r>
-              <a:rPr lang="it-IT" sz="1000" dirty="0" bmk="1624">
-                <a:solidFill>
-                  <a:srgbClr val="3C78D8"/>
-                </a:solidFill>
-                <a:latin typeface="Quicksand"/>
-              </a:rPr>
-              <a:t>q</a:t>
-            </a:r>
-            <a:r>
-              <a:rPr lang="it-IT" sz="1000" dirty="0" bmk="1069">
-                <a:solidFill>
-                  <a:srgbClr val="3C78D8"/>
-                </a:solidFill>
-                <a:latin typeface="Quicksand"/>
-              </a:rPr>
-              <a:t>uinq</a:t>
-            </a:r>
-            <a:r>
-              <a:rPr lang="it-IT" sz="1000" dirty="0" bmk="1809">
-                <a:solidFill>
-                  <a:srgbClr val="3C78D8"/>
-                </a:solidFill>
-                <a:latin typeface="Quicksand"/>
-              </a:rPr>
-              <a:t>uen</a:t>
-            </a:r>
-            <a:r>
-              <a:rPr lang="it-IT" sz="1000" dirty="0" bmk="1336">
-                <a:solidFill>
-                  <a:srgbClr val="3C78D8"/>
-                </a:solidFill>
-                <a:latin typeface="Quicksand"/>
-              </a:rPr>
-              <a:t>n</a:t>
-            </a:r>
-            <a:r>
-              <a:rPr lang="it-IT" sz="1000" dirty="0" bmk="627">
-                <a:solidFill>
-                  <a:srgbClr val="3C78D8"/>
-                </a:solidFill>
-                <a:latin typeface="Quicksand"/>
-              </a:rPr>
-              <a:t>ale</a:t>
-            </a:r>
-            <a:r>
-              <a:rPr lang="it-IT" sz="1000" dirty="0" bmk="0">
-                <a:solidFill>
-                  <a:srgbClr val="3C78D8"/>
-                </a:solidFill>
-                <a:latin typeface="Quicksand"/>
-              </a:rPr>
-              <a:t> </a:t>
             </a:r>
           </a:p>
         </p:txBody>
@@ -17518,15 +17714,15 @@
               </a:tabLst>
             </a:pPr>
             <a:r>
-              <a:rPr lang="en-US" altLang="it-IT" bmk="1779"/>
-              <a:t>Ph</a:t>
-            </a:r>
-            <a:r>
-              <a:rPr lang="en-US" altLang="it-IT" bmk="1852"/>
-              <a:t>oto</a:t>
-            </a:r>
-            <a:r>
-              <a:rPr lang="en-US" altLang="it-IT" bmk="986"/>
+              <a:rPr lang="en-US" altLang="it-IT" bmk="693"/>
+              <a:t>Pho</a:t>
+            </a:r>
+            <a:r>
+              <a:rPr lang="en-US" altLang="it-IT" bmk="483"/>
+              <a:t>to</a:t>
+            </a:r>
+            <a:r>
+              <a:rPr lang="en-US" altLang="it-IT" bmk="456"/>
               <a:t/>
             </a:r>
           </a:p>
@@ -17778,36 +17974,32 @@
           <a:lstStyle/>
           <a:p>
             <a:r>
-              <a:rPr lang="it-IT" dirty="0" bmk="1879"/>
-              <a:t>V</a:t>
-            </a:r>
-            <a:r>
-              <a:rPr lang="it-IT" dirty="0" bmk="488"/>
-              <a:t>ide</a:t>
+              <a:rPr lang="it-IT" dirty="0" bmk="565"/>
+              <a:t>Vi</a:t>
+            </a:r>
+            <a:r>
+              <a:rPr lang="it-IT" dirty="0" bmk="1405"/>
+              <a:t>d</a:t>
+            </a:r>
+            <a:r>
+              <a:rPr lang="it-IT" dirty="0" bmk="570"/>
+              <a:t>eo</a:t>
             </a:r>
             <a:r>
               <a:rPr lang="it-IT" dirty="0" bmk="0"/>
-              <a:t>o </a:t>
-            </a:r>
-            <a:r>
-              <a:rPr lang="it-IT" dirty="0" err="1" bmk="1066"/>
+              <a:t> </a:t>
+            </a:r>
+            <a:r>
+              <a:rPr lang="it-IT" dirty="0" err="1" bmk="517"/>
               <a:t>con</a:t>
             </a:r>
             <a:r>
-              <a:rPr lang="it-IT" dirty="0" err="1" bmk="332"/>
-              <a:t>t</a:t>
-            </a:r>
-            <a:r>
-              <a:rPr lang="it-IT" dirty="0" err="1" bmk="949"/>
-              <a:t>e</a:t>
-            </a:r>
-            <a:r>
-              <a:rPr lang="it-IT" dirty="0" err="1" bmk="299"/>
+              <a:rPr lang="it-IT" dirty="0" err="1" bmk="853"/>
+              <a:t>te</a:t>
+            </a:r>
+            <a:r>
+              <a:rPr lang="it-IT" dirty="0" err="1" bmk="0"/>
               <a:t>nt</a:t>
-            </a:r>
-            <a:r>
-              <a:rPr lang="it-IT" dirty="0" err="1" bmk="723"/>
-              <a:t/>
             </a:r>
             <a:endParaRPr lang="it-IT" dirty="0"/>
           </a:p>
@@ -17835,24 +18027,24 @@
           <a:lstStyle/>
           <a:p>
             <a:r>
-              <a:rPr lang="it-IT" dirty="0" bmk="1390"/>
+              <a:rPr lang="it-IT" dirty="0" bmk="0"/>
               <a:t> </a:t>
             </a:r>
             <a:r>
-              <a:rPr lang="it-IT" dirty="0" bmk="1286"/>
-              <a:t/>
-            </a:r>
-            <a:r>
-              <a:rPr lang="it-IT" dirty="0" err="1" bmk="621"/>
+              <a:rPr lang="it-IT" dirty="0" err="1" bmk="1103"/>
               <a:t>Hos</a:t>
             </a:r>
             <a:r>
-              <a:rPr lang="it-IT" dirty="0" err="1" bmk="1462"/>
-              <a:t>t</a:t>
+              <a:rPr lang="it-IT" dirty="0" err="1" bmk="759"/>
+              <a:t>ty</a:t>
+            </a:r>
+            <a:r>
+              <a:rPr lang="it-IT" dirty="0" err="1" bmk="1735"/>
+              <a:t>f</a:t>
             </a:r>
             <a:r>
               <a:rPr lang="it-IT" dirty="0" err="1" bmk="0"/>
-              <a:t>yfy</a:t>
+              <a:t>y</a:t>
             </a:r>
             <a:r>
               <a:rPr lang="it-IT" dirty="0" bmk="0"/>
